--- a/Paper/논문그림.pptx
+++ b/Paper/논문그림.pptx
@@ -202,7 +202,7 @@
           <a:p>
             <a:fld id="{DF808D06-9E3F-44FB-93F2-5318620A4091}" type="datetimeFigureOut">
               <a:rPr lang="ko-KR" altLang="en-US" smtClean="0"/>
-              <a:t>2024-08-06</a:t>
+              <a:t>2024-08-14</a:t>
             </a:fld>
             <a:endParaRPr lang="ko-KR" altLang="en-US"/>
           </a:p>
@@ -616,7 +616,7 @@
           <a:p>
             <a:fld id="{1E28F0D3-E3FD-49FD-8E82-3F8837207BDD}" type="datetimeFigureOut">
               <a:rPr lang="ko-KR" altLang="en-US" smtClean="0"/>
-              <a:t>2024-08-06</a:t>
+              <a:t>2024-08-14</a:t>
             </a:fld>
             <a:endParaRPr lang="ko-KR" altLang="en-US"/>
           </a:p>
@@ -814,7 +814,7 @@
           <a:p>
             <a:fld id="{1E28F0D3-E3FD-49FD-8E82-3F8837207BDD}" type="datetimeFigureOut">
               <a:rPr lang="ko-KR" altLang="en-US" smtClean="0"/>
-              <a:t>2024-08-06</a:t>
+              <a:t>2024-08-14</a:t>
             </a:fld>
             <a:endParaRPr lang="ko-KR" altLang="en-US"/>
           </a:p>
@@ -1022,7 +1022,7 @@
           <a:p>
             <a:fld id="{1E28F0D3-E3FD-49FD-8E82-3F8837207BDD}" type="datetimeFigureOut">
               <a:rPr lang="ko-KR" altLang="en-US" smtClean="0"/>
-              <a:t>2024-08-06</a:t>
+              <a:t>2024-08-14</a:t>
             </a:fld>
             <a:endParaRPr lang="ko-KR" altLang="en-US"/>
           </a:p>
@@ -1220,7 +1220,7 @@
           <a:p>
             <a:fld id="{1E28F0D3-E3FD-49FD-8E82-3F8837207BDD}" type="datetimeFigureOut">
               <a:rPr lang="ko-KR" altLang="en-US" smtClean="0"/>
-              <a:t>2024-08-06</a:t>
+              <a:t>2024-08-14</a:t>
             </a:fld>
             <a:endParaRPr lang="ko-KR" altLang="en-US"/>
           </a:p>
@@ -1495,7 +1495,7 @@
           <a:p>
             <a:fld id="{1E28F0D3-E3FD-49FD-8E82-3F8837207BDD}" type="datetimeFigureOut">
               <a:rPr lang="ko-KR" altLang="en-US" smtClean="0"/>
-              <a:t>2024-08-06</a:t>
+              <a:t>2024-08-14</a:t>
             </a:fld>
             <a:endParaRPr lang="ko-KR" altLang="en-US"/>
           </a:p>
@@ -1760,7 +1760,7 @@
           <a:p>
             <a:fld id="{1E28F0D3-E3FD-49FD-8E82-3F8837207BDD}" type="datetimeFigureOut">
               <a:rPr lang="ko-KR" altLang="en-US" smtClean="0"/>
-              <a:t>2024-08-06</a:t>
+              <a:t>2024-08-14</a:t>
             </a:fld>
             <a:endParaRPr lang="ko-KR" altLang="en-US"/>
           </a:p>
@@ -2172,7 +2172,7 @@
           <a:p>
             <a:fld id="{1E28F0D3-E3FD-49FD-8E82-3F8837207BDD}" type="datetimeFigureOut">
               <a:rPr lang="ko-KR" altLang="en-US" smtClean="0"/>
-              <a:t>2024-08-06</a:t>
+              <a:t>2024-08-14</a:t>
             </a:fld>
             <a:endParaRPr lang="ko-KR" altLang="en-US"/>
           </a:p>
@@ -2313,7 +2313,7 @@
           <a:p>
             <a:fld id="{1E28F0D3-E3FD-49FD-8E82-3F8837207BDD}" type="datetimeFigureOut">
               <a:rPr lang="ko-KR" altLang="en-US" smtClean="0"/>
-              <a:t>2024-08-06</a:t>
+              <a:t>2024-08-14</a:t>
             </a:fld>
             <a:endParaRPr lang="ko-KR" altLang="en-US"/>
           </a:p>
@@ -2426,7 +2426,7 @@
           <a:p>
             <a:fld id="{1E28F0D3-E3FD-49FD-8E82-3F8837207BDD}" type="datetimeFigureOut">
               <a:rPr lang="ko-KR" altLang="en-US" smtClean="0"/>
-              <a:t>2024-08-06</a:t>
+              <a:t>2024-08-14</a:t>
             </a:fld>
             <a:endParaRPr lang="ko-KR" altLang="en-US"/>
           </a:p>
@@ -2737,7 +2737,7 @@
           <a:p>
             <a:fld id="{1E28F0D3-E3FD-49FD-8E82-3F8837207BDD}" type="datetimeFigureOut">
               <a:rPr lang="ko-KR" altLang="en-US" smtClean="0"/>
-              <a:t>2024-08-06</a:t>
+              <a:t>2024-08-14</a:t>
             </a:fld>
             <a:endParaRPr lang="ko-KR" altLang="en-US"/>
           </a:p>
@@ -3025,7 +3025,7 @@
           <a:p>
             <a:fld id="{1E28F0D3-E3FD-49FD-8E82-3F8837207BDD}" type="datetimeFigureOut">
               <a:rPr lang="ko-KR" altLang="en-US" smtClean="0"/>
-              <a:t>2024-08-06</a:t>
+              <a:t>2024-08-14</a:t>
             </a:fld>
             <a:endParaRPr lang="ko-KR" altLang="en-US"/>
           </a:p>
@@ -3266,7 +3266,7 @@
           <a:p>
             <a:fld id="{1E28F0D3-E3FD-49FD-8E82-3F8837207BDD}" type="datetimeFigureOut">
               <a:rPr lang="ko-KR" altLang="en-US" smtClean="0"/>
-              <a:t>2024-08-06</a:t>
+              <a:t>2024-08-14</a:t>
             </a:fld>
             <a:endParaRPr lang="ko-KR" altLang="en-US"/>
           </a:p>
@@ -3703,10 +3703,10 @@
         </p:nvGrpSpPr>
         <p:grpSpPr>
           <a:xfrm>
-            <a:off x="3617733" y="370483"/>
-            <a:ext cx="4956533" cy="6117034"/>
-            <a:chOff x="4955817" y="158315"/>
-            <a:chExt cx="4956533" cy="6117034"/>
+            <a:off x="3976688" y="194536"/>
+            <a:ext cx="5013325" cy="6244364"/>
+            <a:chOff x="4917897" y="50035"/>
+            <a:chExt cx="5013325" cy="6244364"/>
           </a:xfrm>
         </p:grpSpPr>
         <p:grpSp>
@@ -3723,10 +3723,10 @@
           </p:nvGrpSpPr>
           <p:grpSpPr>
             <a:xfrm>
-              <a:off x="4955817" y="158315"/>
-              <a:ext cx="4956533" cy="5569018"/>
-              <a:chOff x="4955817" y="158315"/>
-              <a:chExt cx="4956533" cy="5569018"/>
+              <a:off x="4917897" y="50035"/>
+              <a:ext cx="5013325" cy="5677298"/>
+              <a:chOff x="4917897" y="50035"/>
+              <a:chExt cx="5013325" cy="5677298"/>
             </a:xfrm>
           </p:grpSpPr>
           <p:grpSp>
@@ -3743,10 +3743,10 @@
             </p:nvGrpSpPr>
             <p:grpSpPr>
               <a:xfrm>
-                <a:off x="4955817" y="158315"/>
-                <a:ext cx="3761568" cy="5569018"/>
-                <a:chOff x="4955817" y="158315"/>
-                <a:chExt cx="3761568" cy="5569018"/>
+                <a:off x="4917897" y="50035"/>
+                <a:ext cx="3799488" cy="5677298"/>
+                <a:chOff x="4917897" y="50035"/>
+                <a:chExt cx="3799488" cy="5677298"/>
               </a:xfrm>
             </p:grpSpPr>
             <p:grpSp>
@@ -3836,7 +3836,7 @@
                   <p:nvPr/>
                 </p:nvSpPr>
                 <p:spPr>
-                  <a:xfrm rot="13876600">
+                  <a:xfrm rot="14311310">
                     <a:off x="5378409" y="1138098"/>
                     <a:ext cx="1308289" cy="474554"/>
                   </a:xfrm>
@@ -4213,29 +4213,35 @@
                 <p:nvPr>
                   <p:extLst>
                     <p:ext uri="{D42A27DB-BD31-4B8C-83A1-F6EECF244321}">
-                      <p14:modId xmlns:p14="http://schemas.microsoft.com/office/powerpoint/2010/main" val="2309927529"/>
+                      <p14:modId xmlns:p14="http://schemas.microsoft.com/office/powerpoint/2010/main" val="4222039870"/>
                     </p:ext>
                   </p:extLst>
                 </p:nvPr>
               </p:nvGraphicFramePr>
               <p:xfrm>
-                <a:off x="7393923" y="2158540"/>
-                <a:ext cx="241300" cy="330200"/>
+                <a:off x="7375347" y="2133562"/>
+                <a:ext cx="279400" cy="381000"/>
               </p:xfrm>
               <a:graphic>
                 <a:graphicData uri="http://schemas.openxmlformats.org/presentationml/2006/ole">
                   <mc:AlternateContent xmlns:mc="http://schemas.openxmlformats.org/markup-compatibility/2006">
                     <mc:Choice xmlns:v="urn:schemas-microsoft-com:vml" Requires="v">
-                      <p:oleObj name="Equation" r:id="rId3" imgW="241200" imgH="330120" progId="Equation.DSMT4">
+                      <p:oleObj name="Equation" r:id="rId3" imgW="279360" imgH="380880" progId="Equation.DSMT4">
                         <p:embed/>
                       </p:oleObj>
                     </mc:Choice>
                     <mc:Fallback>
-                      <p:oleObj name="Equation" r:id="rId3" imgW="241200" imgH="330120" progId="Equation.DSMT4">
+                      <p:oleObj name="Equation" r:id="rId3" imgW="279360" imgH="380880" progId="Equation.DSMT4">
                         <p:embed/>
                         <p:pic>
                           <p:nvPicPr>
-                            <p:cNvPr id="0" name=""/>
+                            <p:cNvPr id="48" name="개체 47">
+                              <a:extLst>
+                                <a:ext uri="{FF2B5EF4-FFF2-40B4-BE49-F238E27FC236}">
+                                  <a16:creationId xmlns:a16="http://schemas.microsoft.com/office/drawing/2014/main" id="{54512D7A-81A5-5A46-C1A0-9EE4FA905EC0}"/>
+                                </a:ext>
+                              </a:extLst>
+                            </p:cNvPr>
                             <p:cNvPicPr/>
                             <p:nvPr/>
                           </p:nvPicPr>
@@ -4247,8 +4253,8 @@
                           </p:blipFill>
                           <p:spPr>
                             <a:xfrm>
-                              <a:off x="7393923" y="2158540"/>
-                              <a:ext cx="241300" cy="330200"/>
+                              <a:off x="7375347" y="2133562"/>
+                              <a:ext cx="279400" cy="381000"/>
                             </a:xfrm>
                             <a:prstGeom prst="rect">
                               <a:avLst/>
@@ -4276,29 +4282,35 @@
                 <p:nvPr>
                   <p:extLst>
                     <p:ext uri="{D42A27DB-BD31-4B8C-83A1-F6EECF244321}">
-                      <p14:modId xmlns:p14="http://schemas.microsoft.com/office/powerpoint/2010/main" val="999398852"/>
+                      <p14:modId xmlns:p14="http://schemas.microsoft.com/office/powerpoint/2010/main" val="2575304375"/>
                     </p:ext>
                   </p:extLst>
                 </p:nvPr>
               </p:nvGraphicFramePr>
               <p:xfrm>
-                <a:off x="6153150" y="2884488"/>
-                <a:ext cx="254000" cy="355600"/>
+                <a:off x="6133922" y="2852699"/>
+                <a:ext cx="292100" cy="419100"/>
               </p:xfrm>
               <a:graphic>
                 <a:graphicData uri="http://schemas.openxmlformats.org/presentationml/2006/ole">
                   <mc:AlternateContent xmlns:mc="http://schemas.openxmlformats.org/markup-compatibility/2006">
                     <mc:Choice xmlns:v="urn:schemas-microsoft-com:vml" Requires="v">
-                      <p:oleObj name="Equation" r:id="rId5" imgW="253800" imgH="355320" progId="Equation.DSMT4">
+                      <p:oleObj name="Equation" r:id="rId5" imgW="291960" imgH="419040" progId="Equation.DSMT4">
                         <p:embed/>
                       </p:oleObj>
                     </mc:Choice>
                     <mc:Fallback>
-                      <p:oleObj name="Equation" r:id="rId5" imgW="253800" imgH="355320" progId="Equation.DSMT4">
+                      <p:oleObj name="Equation" r:id="rId5" imgW="291960" imgH="419040" progId="Equation.DSMT4">
                         <p:embed/>
                         <p:pic>
                           <p:nvPicPr>
-                            <p:cNvPr id="0" name=""/>
+                            <p:cNvPr id="52" name="개체 51">
+                              <a:extLst>
+                                <a:ext uri="{FF2B5EF4-FFF2-40B4-BE49-F238E27FC236}">
+                                  <a16:creationId xmlns:a16="http://schemas.microsoft.com/office/drawing/2014/main" id="{2BE5C226-FD6E-543F-7760-86D744FC9B70}"/>
+                                </a:ext>
+                              </a:extLst>
+                            </p:cNvPr>
                             <p:cNvPicPr/>
                             <p:nvPr/>
                           </p:nvPicPr>
@@ -4310,8 +4322,8 @@
                           </p:blipFill>
                           <p:spPr>
                             <a:xfrm>
-                              <a:off x="6153150" y="2884488"/>
-                              <a:ext cx="254000" cy="355600"/>
+                              <a:off x="6133922" y="2852699"/>
+                              <a:ext cx="292100" cy="419100"/>
                             </a:xfrm>
                             <a:prstGeom prst="rect">
                               <a:avLst/>
@@ -4339,29 +4351,35 @@
                 <p:nvPr>
                   <p:extLst>
                     <p:ext uri="{D42A27DB-BD31-4B8C-83A1-F6EECF244321}">
-                      <p14:modId xmlns:p14="http://schemas.microsoft.com/office/powerpoint/2010/main" val="2360453866"/>
+                      <p14:modId xmlns:p14="http://schemas.microsoft.com/office/powerpoint/2010/main" val="1701235840"/>
                     </p:ext>
                   </p:extLst>
                 </p:nvPr>
               </p:nvGraphicFramePr>
               <p:xfrm>
-                <a:off x="7569144" y="2633463"/>
-                <a:ext cx="177800" cy="241300"/>
+                <a:off x="7556322" y="2620924"/>
+                <a:ext cx="203200" cy="266700"/>
               </p:xfrm>
               <a:graphic>
                 <a:graphicData uri="http://schemas.openxmlformats.org/presentationml/2006/ole">
                   <mc:AlternateContent xmlns:mc="http://schemas.openxmlformats.org/markup-compatibility/2006">
                     <mc:Choice xmlns:v="urn:schemas-microsoft-com:vml" Requires="v">
-                      <p:oleObj name="Equation" r:id="rId7" imgW="177480" imgH="241200" progId="Equation.DSMT4">
+                      <p:oleObj name="Equation" r:id="rId7" imgW="203040" imgH="266400" progId="Equation.DSMT4">
                         <p:embed/>
                       </p:oleObj>
                     </mc:Choice>
                     <mc:Fallback>
-                      <p:oleObj name="Equation" r:id="rId7" imgW="177480" imgH="241200" progId="Equation.DSMT4">
+                      <p:oleObj name="Equation" r:id="rId7" imgW="203040" imgH="266400" progId="Equation.DSMT4">
                         <p:embed/>
                         <p:pic>
                           <p:nvPicPr>
-                            <p:cNvPr id="0" name=""/>
+                            <p:cNvPr id="54" name="개체 53">
+                              <a:extLst>
+                                <a:ext uri="{FF2B5EF4-FFF2-40B4-BE49-F238E27FC236}">
+                                  <a16:creationId xmlns:a16="http://schemas.microsoft.com/office/drawing/2014/main" id="{E7AA26AF-FAB4-1E4B-829B-288E1018DA81}"/>
+                                </a:ext>
+                              </a:extLst>
+                            </p:cNvPr>
                             <p:cNvPicPr/>
                             <p:nvPr/>
                           </p:nvPicPr>
@@ -4373,8 +4391,8 @@
                           </p:blipFill>
                           <p:spPr>
                             <a:xfrm>
-                              <a:off x="7569144" y="2633463"/>
-                              <a:ext cx="177800" cy="241300"/>
+                              <a:off x="7556322" y="2620924"/>
+                              <a:ext cx="203200" cy="266700"/>
                             </a:xfrm>
                             <a:prstGeom prst="rect">
                               <a:avLst/>
@@ -4568,29 +4586,35 @@
                 <p:nvPr>
                   <p:extLst>
                     <p:ext uri="{D42A27DB-BD31-4B8C-83A1-F6EECF244321}">
-                      <p14:modId xmlns:p14="http://schemas.microsoft.com/office/powerpoint/2010/main" val="3684167745"/>
+                      <p14:modId xmlns:p14="http://schemas.microsoft.com/office/powerpoint/2010/main" val="1852114707"/>
                     </p:ext>
                   </p:extLst>
                 </p:nvPr>
               </p:nvGraphicFramePr>
               <p:xfrm>
-                <a:off x="4955817" y="329532"/>
-                <a:ext cx="495300" cy="355600"/>
+                <a:off x="4917897" y="304762"/>
+                <a:ext cx="571500" cy="406400"/>
               </p:xfrm>
               <a:graphic>
                 <a:graphicData uri="http://schemas.openxmlformats.org/presentationml/2006/ole">
                   <mc:AlternateContent xmlns:mc="http://schemas.openxmlformats.org/markup-compatibility/2006">
                     <mc:Choice xmlns:v="urn:schemas-microsoft-com:vml" Requires="v">
-                      <p:oleObj name="Equation" r:id="rId9" imgW="495000" imgH="355320" progId="Equation.DSMT4">
+                      <p:oleObj name="Equation" r:id="rId9" imgW="571320" imgH="406080" progId="Equation.DSMT4">
                         <p:embed/>
                       </p:oleObj>
                     </mc:Choice>
                     <mc:Fallback>
-                      <p:oleObj name="Equation" r:id="rId9" imgW="495000" imgH="355320" progId="Equation.DSMT4">
+                      <p:oleObj name="Equation" r:id="rId9" imgW="571320" imgH="406080" progId="Equation.DSMT4">
                         <p:embed/>
                         <p:pic>
                           <p:nvPicPr>
-                            <p:cNvPr id="0" name=""/>
+                            <p:cNvPr id="92" name="개체 91">
+                              <a:extLst>
+                                <a:ext uri="{FF2B5EF4-FFF2-40B4-BE49-F238E27FC236}">
+                                  <a16:creationId xmlns:a16="http://schemas.microsoft.com/office/drawing/2014/main" id="{17393008-E829-055F-C601-A9068B2307AD}"/>
+                                </a:ext>
+                              </a:extLst>
+                            </p:cNvPr>
                             <p:cNvPicPr/>
                             <p:nvPr/>
                           </p:nvPicPr>
@@ -4602,8 +4626,8 @@
                           </p:blipFill>
                           <p:spPr>
                             <a:xfrm>
-                              <a:off x="4955817" y="329532"/>
-                              <a:ext cx="495300" cy="355600"/>
+                              <a:off x="4917897" y="304762"/>
+                              <a:ext cx="571500" cy="406400"/>
                             </a:xfrm>
                             <a:prstGeom prst="rect">
                               <a:avLst/>
@@ -4631,29 +4655,35 @@
                 <p:nvPr>
                   <p:extLst>
                     <p:ext uri="{D42A27DB-BD31-4B8C-83A1-F6EECF244321}">
-                      <p14:modId xmlns:p14="http://schemas.microsoft.com/office/powerpoint/2010/main" val="2886534192"/>
+                      <p14:modId xmlns:p14="http://schemas.microsoft.com/office/powerpoint/2010/main" val="3717971481"/>
                     </p:ext>
                   </p:extLst>
                 </p:nvPr>
               </p:nvGraphicFramePr>
               <p:xfrm>
-                <a:off x="5068939" y="1479456"/>
-                <a:ext cx="495300" cy="355600"/>
+                <a:off x="5024259" y="1447762"/>
+                <a:ext cx="584200" cy="419100"/>
               </p:xfrm>
               <a:graphic>
                 <a:graphicData uri="http://schemas.openxmlformats.org/presentationml/2006/ole">
                   <mc:AlternateContent xmlns:mc="http://schemas.openxmlformats.org/markup-compatibility/2006">
                     <mc:Choice xmlns:v="urn:schemas-microsoft-com:vml" Requires="v">
-                      <p:oleObj name="Equation" r:id="rId11" imgW="495000" imgH="355320" progId="Equation.DSMT4">
+                      <p:oleObj name="Equation" r:id="rId11" imgW="583920" imgH="419040" progId="Equation.DSMT4">
                         <p:embed/>
                       </p:oleObj>
                     </mc:Choice>
                     <mc:Fallback>
-                      <p:oleObj name="Equation" r:id="rId11" imgW="495000" imgH="355320" progId="Equation.DSMT4">
+                      <p:oleObj name="Equation" r:id="rId11" imgW="583920" imgH="419040" progId="Equation.DSMT4">
                         <p:embed/>
                         <p:pic>
                           <p:nvPicPr>
-                            <p:cNvPr id="0" name=""/>
+                            <p:cNvPr id="93" name="개체 92">
+                              <a:extLst>
+                                <a:ext uri="{FF2B5EF4-FFF2-40B4-BE49-F238E27FC236}">
+                                  <a16:creationId xmlns:a16="http://schemas.microsoft.com/office/drawing/2014/main" id="{B566228A-10B2-432F-1068-45DEC937A2CD}"/>
+                                </a:ext>
+                              </a:extLst>
+                            </p:cNvPr>
                             <p:cNvPicPr/>
                             <p:nvPr/>
                           </p:nvPicPr>
@@ -4665,8 +4695,8 @@
                           </p:blipFill>
                           <p:spPr>
                             <a:xfrm>
-                              <a:off x="5068939" y="1479456"/>
-                              <a:ext cx="495300" cy="355600"/>
+                              <a:off x="5024259" y="1447762"/>
+                              <a:ext cx="584200" cy="419100"/>
                             </a:xfrm>
                             <a:prstGeom prst="rect">
                               <a:avLst/>
@@ -4693,10 +4723,10 @@
               </p:nvGrpSpPr>
               <p:grpSpPr>
                 <a:xfrm>
-                  <a:off x="5315387" y="520487"/>
-                  <a:ext cx="780613" cy="998087"/>
-                  <a:chOff x="5270205" y="506290"/>
-                  <a:chExt cx="780613" cy="998087"/>
+                  <a:off x="5392694" y="504506"/>
+                  <a:ext cx="716375" cy="1056763"/>
+                  <a:chOff x="5347512" y="490309"/>
+                  <a:chExt cx="716375" cy="1056763"/>
                 </a:xfrm>
               </p:grpSpPr>
               <p:grpSp>
@@ -4713,10 +4743,10 @@
                 </p:nvGrpSpPr>
                 <p:grpSpPr>
                   <a:xfrm rot="19557452">
-                    <a:off x="5270205" y="665949"/>
-                    <a:ext cx="780613" cy="838428"/>
-                    <a:chOff x="5251784" y="1047163"/>
-                    <a:chExt cx="1269027" cy="1268874"/>
+                    <a:off x="5347512" y="547017"/>
+                    <a:ext cx="716375" cy="1000055"/>
+                    <a:chOff x="5399562" y="915342"/>
+                    <a:chExt cx="1164597" cy="1513481"/>
                   </a:xfrm>
                 </p:grpSpPr>
                 <p:cxnSp>
@@ -4734,9 +4764,9 @@
                     <p:nvPr/>
                   </p:nvCxnSpPr>
                   <p:spPr>
-                    <a:xfrm flipH="1">
-                      <a:off x="5251784" y="2316037"/>
-                      <a:ext cx="871008" cy="0"/>
+                    <a:xfrm rot="2042548" flipH="1">
+                      <a:off x="5399562" y="2109923"/>
+                      <a:ext cx="686141" cy="318900"/>
                     </a:xfrm>
                     <a:prstGeom prst="straightConnector1">
                       <a:avLst/>
@@ -4776,8 +4806,8 @@
                   </p:nvCxnSpPr>
                   <p:spPr>
                     <a:xfrm rot="2042548" flipH="1" flipV="1">
-                      <a:off x="5561229" y="1047163"/>
-                      <a:ext cx="959582" cy="1122636"/>
+                      <a:off x="5707569" y="915342"/>
+                      <a:ext cx="856590" cy="1296163"/>
                     </a:xfrm>
                     <a:prstGeom prst="straightConnector1">
                       <a:avLst/>
@@ -4811,13 +4841,15 @@
                       </a:ext>
                     </a:extLst>
                   </p:cNvPr>
-                  <p:cNvCxnSpPr/>
+                  <p:cNvCxnSpPr>
+                    <a:cxnSpLocks/>
+                  </p:cNvCxnSpPr>
                   <p:nvPr/>
                 </p:nvCxnSpPr>
                 <p:spPr>
-                  <a:xfrm flipV="1">
-                    <a:off x="6011879" y="506290"/>
-                    <a:ext cx="0" cy="850107"/>
+                  <a:xfrm flipH="1" flipV="1">
+                    <a:off x="6007459" y="490309"/>
+                    <a:ext cx="4420" cy="866088"/>
                   </a:xfrm>
                   <a:prstGeom prst="line">
                     <a:avLst/>
@@ -4854,10 +4886,10 @@
               </p:nvGrpSpPr>
               <p:grpSpPr>
                 <a:xfrm>
-                  <a:off x="7741454" y="391739"/>
-                  <a:ext cx="803259" cy="954617"/>
-                  <a:chOff x="7751526" y="353432"/>
-                  <a:chExt cx="803259" cy="954617"/>
+                  <a:off x="7741454" y="323672"/>
+                  <a:ext cx="803259" cy="1022684"/>
+                  <a:chOff x="7751526" y="285365"/>
+                  <a:chExt cx="803259" cy="1022684"/>
                 </a:xfrm>
               </p:grpSpPr>
               <p:grpSp>
@@ -4979,8 +5011,8 @@
                 </p:nvCxnSpPr>
                 <p:spPr>
                   <a:xfrm flipH="1" flipV="1">
-                    <a:off x="8511427" y="353432"/>
-                    <a:ext cx="352" cy="807685"/>
+                    <a:off x="8511427" y="285365"/>
+                    <a:ext cx="352" cy="875752"/>
                   </a:xfrm>
                   <a:prstGeom prst="line">
                     <a:avLst/>
@@ -5018,29 +5050,35 @@
                 <p:nvPr>
                   <p:extLst>
                     <p:ext uri="{D42A27DB-BD31-4B8C-83A1-F6EECF244321}">
-                      <p14:modId xmlns:p14="http://schemas.microsoft.com/office/powerpoint/2010/main" val="1499035977"/>
+                      <p14:modId xmlns:p14="http://schemas.microsoft.com/office/powerpoint/2010/main" val="790047375"/>
                     </p:ext>
                   </p:extLst>
                 </p:nvPr>
               </p:nvGraphicFramePr>
               <p:xfrm>
-                <a:off x="7419855" y="333041"/>
-                <a:ext cx="495300" cy="355600"/>
+                <a:off x="7375347" y="307937"/>
+                <a:ext cx="584200" cy="406400"/>
               </p:xfrm>
               <a:graphic>
                 <a:graphicData uri="http://schemas.openxmlformats.org/presentationml/2006/ole">
                   <mc:AlternateContent xmlns:mc="http://schemas.openxmlformats.org/markup-compatibility/2006">
                     <mc:Choice xmlns:v="urn:schemas-microsoft-com:vml" Requires="v">
-                      <p:oleObj name="Equation" r:id="rId13" imgW="495000" imgH="355320" progId="Equation.DSMT4">
+                      <p:oleObj name="Equation" r:id="rId13" imgW="583920" imgH="406080" progId="Equation.DSMT4">
                         <p:embed/>
                       </p:oleObj>
                     </mc:Choice>
                     <mc:Fallback>
-                      <p:oleObj name="Equation" r:id="rId13" imgW="495000" imgH="355320" progId="Equation.DSMT4">
+                      <p:oleObj name="Equation" r:id="rId13" imgW="583920" imgH="406080" progId="Equation.DSMT4">
                         <p:embed/>
                         <p:pic>
                           <p:nvPicPr>
-                            <p:cNvPr id="0" name=""/>
+                            <p:cNvPr id="120" name="개체 119">
+                              <a:extLst>
+                                <a:ext uri="{FF2B5EF4-FFF2-40B4-BE49-F238E27FC236}">
+                                  <a16:creationId xmlns:a16="http://schemas.microsoft.com/office/drawing/2014/main" id="{FBE5DEB7-2C20-27D9-6CB5-5CE2115C926C}"/>
+                                </a:ext>
+                              </a:extLst>
+                            </p:cNvPr>
                             <p:cNvPicPr/>
                             <p:nvPr/>
                           </p:nvPicPr>
@@ -5052,8 +5090,8 @@
                           </p:blipFill>
                           <p:spPr>
                             <a:xfrm>
-                              <a:off x="7419855" y="333041"/>
-                              <a:ext cx="495300" cy="355600"/>
+                              <a:off x="7375347" y="307937"/>
+                              <a:ext cx="584200" cy="406400"/>
                             </a:xfrm>
                             <a:prstGeom prst="rect">
                               <a:avLst/>
@@ -5081,29 +5119,35 @@
                 <p:nvPr>
                   <p:extLst>
                     <p:ext uri="{D42A27DB-BD31-4B8C-83A1-F6EECF244321}">
-                      <p14:modId xmlns:p14="http://schemas.microsoft.com/office/powerpoint/2010/main" val="4254355985"/>
+                      <p14:modId xmlns:p14="http://schemas.microsoft.com/office/powerpoint/2010/main" val="2221970200"/>
                     </p:ext>
                   </p:extLst>
                 </p:nvPr>
               </p:nvGraphicFramePr>
               <p:xfrm>
-                <a:off x="7651750" y="1409700"/>
-                <a:ext cx="508000" cy="355600"/>
+                <a:off x="7607122" y="1377912"/>
+                <a:ext cx="596900" cy="419100"/>
               </p:xfrm>
               <a:graphic>
                 <a:graphicData uri="http://schemas.openxmlformats.org/presentationml/2006/ole">
                   <mc:AlternateContent xmlns:mc="http://schemas.openxmlformats.org/markup-compatibility/2006">
                     <mc:Choice xmlns:v="urn:schemas-microsoft-com:vml" Requires="v">
-                      <p:oleObj name="Equation" r:id="rId15" imgW="507960" imgH="355320" progId="Equation.DSMT4">
+                      <p:oleObj name="Equation" r:id="rId15" imgW="596880" imgH="419040" progId="Equation.DSMT4">
                         <p:embed/>
                       </p:oleObj>
                     </mc:Choice>
                     <mc:Fallback>
-                      <p:oleObj name="Equation" r:id="rId15" imgW="507960" imgH="355320" progId="Equation.DSMT4">
+                      <p:oleObj name="Equation" r:id="rId15" imgW="596880" imgH="419040" progId="Equation.DSMT4">
                         <p:embed/>
                         <p:pic>
                           <p:nvPicPr>
-                            <p:cNvPr id="0" name=""/>
+                            <p:cNvPr id="122" name="개체 121">
+                              <a:extLst>
+                                <a:ext uri="{FF2B5EF4-FFF2-40B4-BE49-F238E27FC236}">
+                                  <a16:creationId xmlns:a16="http://schemas.microsoft.com/office/drawing/2014/main" id="{86D49D6B-7214-57C6-08F4-DE1BA4D9F0CC}"/>
+                                </a:ext>
+                              </a:extLst>
+                            </p:cNvPr>
                             <p:cNvPicPr/>
                             <p:nvPr/>
                           </p:nvPicPr>
@@ -5115,8 +5159,8 @@
                           </p:blipFill>
                           <p:spPr>
                             <a:xfrm>
-                              <a:off x="7651750" y="1409700"/>
-                              <a:ext cx="508000" cy="355600"/>
+                              <a:off x="7607122" y="1377912"/>
+                              <a:ext cx="596900" cy="419100"/>
                             </a:xfrm>
                             <a:prstGeom prst="rect">
                               <a:avLst/>
@@ -5144,32 +5188,32 @@
                 <p:nvPr>
                   <p:extLst>
                     <p:ext uri="{D42A27DB-BD31-4B8C-83A1-F6EECF244321}">
-                      <p14:modId xmlns:p14="http://schemas.microsoft.com/office/powerpoint/2010/main" val="2858095717"/>
+                      <p14:modId xmlns:p14="http://schemas.microsoft.com/office/powerpoint/2010/main" val="3800415082"/>
                     </p:ext>
                   </p:extLst>
                 </p:nvPr>
               </p:nvGraphicFramePr>
               <p:xfrm>
-                <a:off x="5722371" y="3931672"/>
-                <a:ext cx="495300" cy="355600"/>
+                <a:off x="5684659" y="3906799"/>
+                <a:ext cx="571500" cy="406400"/>
               </p:xfrm>
               <a:graphic>
                 <a:graphicData uri="http://schemas.openxmlformats.org/presentationml/2006/ole">
                   <mc:AlternateContent xmlns:mc="http://schemas.openxmlformats.org/markup-compatibility/2006">
                     <mc:Choice xmlns:v="urn:schemas-microsoft-com:vml" Requires="v">
-                      <p:oleObj name="Equation" r:id="rId17" imgW="495000" imgH="355320" progId="Equation.DSMT4">
+                      <p:oleObj name="Equation" r:id="rId17" imgW="571320" imgH="406080" progId="Equation.DSMT4">
                         <p:embed/>
                       </p:oleObj>
                     </mc:Choice>
                     <mc:Fallback>
-                      <p:oleObj name="Equation" r:id="rId17" imgW="495000" imgH="355320" progId="Equation.DSMT4">
+                      <p:oleObj name="Equation" r:id="rId17" imgW="571320" imgH="406080" progId="Equation.DSMT4">
                         <p:embed/>
                         <p:pic>
                           <p:nvPicPr>
-                            <p:cNvPr id="120" name="개체 119">
+                            <p:cNvPr id="126" name="개체 125">
                               <a:extLst>
                                 <a:ext uri="{FF2B5EF4-FFF2-40B4-BE49-F238E27FC236}">
-                                  <a16:creationId xmlns:a16="http://schemas.microsoft.com/office/drawing/2014/main" id="{FBE5DEB7-2C20-27D9-6CB5-5CE2115C926C}"/>
+                                  <a16:creationId xmlns:a16="http://schemas.microsoft.com/office/drawing/2014/main" id="{BAFFC13D-110E-E6DB-157F-588038B5F284}"/>
                                 </a:ext>
                               </a:extLst>
                             </p:cNvPr>
@@ -5184,8 +5228,8 @@
                           </p:blipFill>
                           <p:spPr>
                             <a:xfrm>
-                              <a:off x="5722371" y="3931672"/>
-                              <a:ext cx="495300" cy="355600"/>
+                              <a:off x="5684659" y="3906799"/>
+                              <a:ext cx="571500" cy="406400"/>
                             </a:xfrm>
                             <a:prstGeom prst="rect">
                               <a:avLst/>
@@ -5213,32 +5257,32 @@
                 <p:nvPr>
                   <p:extLst>
                     <p:ext uri="{D42A27DB-BD31-4B8C-83A1-F6EECF244321}">
-                      <p14:modId xmlns:p14="http://schemas.microsoft.com/office/powerpoint/2010/main" val="23254205"/>
+                      <p14:modId xmlns:p14="http://schemas.microsoft.com/office/powerpoint/2010/main" val="3008299652"/>
                     </p:ext>
                   </p:extLst>
                 </p:nvPr>
               </p:nvGraphicFramePr>
               <p:xfrm>
-                <a:off x="4979988" y="5092700"/>
-                <a:ext cx="495300" cy="355600"/>
+                <a:off x="4935359" y="5060912"/>
+                <a:ext cx="584200" cy="419100"/>
               </p:xfrm>
               <a:graphic>
                 <a:graphicData uri="http://schemas.openxmlformats.org/presentationml/2006/ole">
                   <mc:AlternateContent xmlns:mc="http://schemas.openxmlformats.org/markup-compatibility/2006">
                     <mc:Choice xmlns:v="urn:schemas-microsoft-com:vml" Requires="v">
-                      <p:oleObj name="Equation" r:id="rId19" imgW="495000" imgH="355320" progId="Equation.DSMT4">
+                      <p:oleObj name="Equation" r:id="rId19" imgW="583920" imgH="419040" progId="Equation.DSMT4">
                         <p:embed/>
                       </p:oleObj>
                     </mc:Choice>
                     <mc:Fallback>
-                      <p:oleObj name="Equation" r:id="rId19" imgW="495000" imgH="355320" progId="Equation.DSMT4">
+                      <p:oleObj name="Equation" r:id="rId19" imgW="583920" imgH="419040" progId="Equation.DSMT4">
                         <p:embed/>
                         <p:pic>
                           <p:nvPicPr>
-                            <p:cNvPr id="122" name="개체 121">
+                            <p:cNvPr id="127" name="개체 126">
                               <a:extLst>
                                 <a:ext uri="{FF2B5EF4-FFF2-40B4-BE49-F238E27FC236}">
-                                  <a16:creationId xmlns:a16="http://schemas.microsoft.com/office/drawing/2014/main" id="{86D49D6B-7214-57C6-08F4-DE1BA4D9F0CC}"/>
+                                  <a16:creationId xmlns:a16="http://schemas.microsoft.com/office/drawing/2014/main" id="{E89DB5F5-1DFF-A391-2AAF-046B8CC1A09E}"/>
                                 </a:ext>
                               </a:extLst>
                             </p:cNvPr>
@@ -5253,8 +5297,8 @@
                           </p:blipFill>
                           <p:spPr>
                             <a:xfrm>
-                              <a:off x="4979988" y="5092700"/>
-                              <a:ext cx="495300" cy="355600"/>
+                              <a:off x="4935359" y="5060912"/>
+                              <a:ext cx="584200" cy="419100"/>
                             </a:xfrm>
                             <a:prstGeom prst="rect">
                               <a:avLst/>
@@ -5385,29 +5429,35 @@
                 <p:nvPr>
                   <p:extLst>
                     <p:ext uri="{D42A27DB-BD31-4B8C-83A1-F6EECF244321}">
-                      <p14:modId xmlns:p14="http://schemas.microsoft.com/office/powerpoint/2010/main" val="2147421204"/>
+                      <p14:modId xmlns:p14="http://schemas.microsoft.com/office/powerpoint/2010/main" val="654769624"/>
                     </p:ext>
                   </p:extLst>
                 </p:nvPr>
               </p:nvGraphicFramePr>
               <p:xfrm>
-                <a:off x="8159750" y="3929735"/>
-                <a:ext cx="495300" cy="355600"/>
+                <a:off x="8115122" y="3903624"/>
+                <a:ext cx="584200" cy="406400"/>
               </p:xfrm>
               <a:graphic>
                 <a:graphicData uri="http://schemas.openxmlformats.org/presentationml/2006/ole">
                   <mc:AlternateContent xmlns:mc="http://schemas.openxmlformats.org/markup-compatibility/2006">
                     <mc:Choice xmlns:v="urn:schemas-microsoft-com:vml" Requires="v">
-                      <p:oleObj name="Equation" r:id="rId21" imgW="495000" imgH="355320" progId="Equation.DSMT4">
+                      <p:oleObj name="Equation" r:id="rId21" imgW="583920" imgH="406080" progId="Equation.DSMT4">
                         <p:embed/>
                       </p:oleObj>
                     </mc:Choice>
                     <mc:Fallback>
-                      <p:oleObj name="Equation" r:id="rId21" imgW="495000" imgH="355320" progId="Equation.DSMT4">
+                      <p:oleObj name="Equation" r:id="rId21" imgW="583920" imgH="406080" progId="Equation.DSMT4">
                         <p:embed/>
                         <p:pic>
                           <p:nvPicPr>
-                            <p:cNvPr id="0" name=""/>
+                            <p:cNvPr id="132" name="개체 131">
+                              <a:extLst>
+                                <a:ext uri="{FF2B5EF4-FFF2-40B4-BE49-F238E27FC236}">
+                                  <a16:creationId xmlns:a16="http://schemas.microsoft.com/office/drawing/2014/main" id="{AFB73DA1-3543-B49E-16BF-07EA300244C5}"/>
+                                </a:ext>
+                              </a:extLst>
+                            </p:cNvPr>
                             <p:cNvPicPr/>
                             <p:nvPr/>
                           </p:nvPicPr>
@@ -5419,8 +5469,8 @@
                           </p:blipFill>
                           <p:spPr>
                             <a:xfrm>
-                              <a:off x="8159750" y="3929735"/>
-                              <a:ext cx="495300" cy="355600"/>
+                              <a:off x="8115122" y="3903624"/>
+                              <a:ext cx="584200" cy="406400"/>
                             </a:xfrm>
                             <a:prstGeom prst="rect">
                               <a:avLst/>
@@ -5448,29 +5498,35 @@
                 <p:nvPr>
                   <p:extLst>
                     <p:ext uri="{D42A27DB-BD31-4B8C-83A1-F6EECF244321}">
-                      <p14:modId xmlns:p14="http://schemas.microsoft.com/office/powerpoint/2010/main" val="328321418"/>
+                      <p14:modId xmlns:p14="http://schemas.microsoft.com/office/powerpoint/2010/main" val="975236593"/>
                     </p:ext>
                   </p:extLst>
                 </p:nvPr>
               </p:nvGraphicFramePr>
               <p:xfrm>
-                <a:off x="7590328" y="5092700"/>
-                <a:ext cx="508000" cy="355600"/>
+                <a:off x="7545209" y="5060912"/>
+                <a:ext cx="596900" cy="419100"/>
               </p:xfrm>
               <a:graphic>
                 <a:graphicData uri="http://schemas.openxmlformats.org/presentationml/2006/ole">
                   <mc:AlternateContent xmlns:mc="http://schemas.openxmlformats.org/markup-compatibility/2006">
                     <mc:Choice xmlns:v="urn:schemas-microsoft-com:vml" Requires="v">
-                      <p:oleObj name="Equation" r:id="rId23" imgW="507960" imgH="355320" progId="Equation.DSMT4">
+                      <p:oleObj name="Equation" r:id="rId23" imgW="596880" imgH="419040" progId="Equation.DSMT4">
                         <p:embed/>
                       </p:oleObj>
                     </mc:Choice>
                     <mc:Fallback>
-                      <p:oleObj name="Equation" r:id="rId23" imgW="507960" imgH="355320" progId="Equation.DSMT4">
+                      <p:oleObj name="Equation" r:id="rId23" imgW="596880" imgH="419040" progId="Equation.DSMT4">
                         <p:embed/>
                         <p:pic>
                           <p:nvPicPr>
-                            <p:cNvPr id="0" name=""/>
+                            <p:cNvPr id="133" name="개체 132">
+                              <a:extLst>
+                                <a:ext uri="{FF2B5EF4-FFF2-40B4-BE49-F238E27FC236}">
+                                  <a16:creationId xmlns:a16="http://schemas.microsoft.com/office/drawing/2014/main" id="{04E3018C-F9DC-BEFF-F0FE-5F8DD2CB4FA3}"/>
+                                </a:ext>
+                              </a:extLst>
+                            </p:cNvPr>
                             <p:cNvPicPr/>
                             <p:nvPr/>
                           </p:nvPicPr>
@@ -5482,8 +5538,8 @@
                           </p:blipFill>
                           <p:spPr>
                             <a:xfrm>
-                              <a:off x="7590328" y="5092700"/>
-                              <a:ext cx="508000" cy="355600"/>
+                              <a:off x="7545209" y="5060912"/>
+                              <a:ext cx="596900" cy="419100"/>
                             </a:xfrm>
                             <a:prstGeom prst="rect">
                               <a:avLst/>
@@ -5510,8 +5566,8 @@
               </p:nvSpPr>
               <p:spPr>
                 <a:xfrm rot="17167468">
-                  <a:off x="5699036" y="622193"/>
-                  <a:ext cx="571104" cy="674360"/>
+                  <a:off x="5760645" y="602314"/>
+                  <a:ext cx="483730" cy="594946"/>
                 </a:xfrm>
                 <a:prstGeom prst="arc">
                   <a:avLst/>
@@ -5536,7 +5592,7 @@
                 <a:lstStyle/>
                 <a:p>
                   <a:pPr algn="ctr"/>
-                  <a:endParaRPr lang="ko-KR" altLang="en-US"/>
+                  <a:endParaRPr lang="ko-KR" altLang="en-US" dirty="0"/>
                 </a:p>
               </p:txBody>
             </p:sp>
@@ -5599,29 +5655,35 @@
                 <p:nvPr>
                   <p:extLst>
                     <p:ext uri="{D42A27DB-BD31-4B8C-83A1-F6EECF244321}">
-                      <p14:modId xmlns:p14="http://schemas.microsoft.com/office/powerpoint/2010/main" val="2500455210"/>
+                      <p14:modId xmlns:p14="http://schemas.microsoft.com/office/powerpoint/2010/main" val="345312109"/>
                     </p:ext>
                   </p:extLst>
                 </p:nvPr>
               </p:nvGraphicFramePr>
               <p:xfrm>
-                <a:off x="8103498" y="158315"/>
-                <a:ext cx="368300" cy="330200"/>
+                <a:off x="8040382" y="50035"/>
+                <a:ext cx="419100" cy="381000"/>
               </p:xfrm>
               <a:graphic>
                 <a:graphicData uri="http://schemas.openxmlformats.org/presentationml/2006/ole">
                   <mc:AlternateContent xmlns:mc="http://schemas.openxmlformats.org/markup-compatibility/2006">
                     <mc:Choice xmlns:v="urn:schemas-microsoft-com:vml" Requires="v">
-                      <p:oleObj name="Equation" r:id="rId25" imgW="368280" imgH="330120" progId="Equation.DSMT4">
+                      <p:oleObj name="Equation" r:id="rId25" imgW="419040" imgH="380880" progId="Equation.DSMT4">
                         <p:embed/>
                       </p:oleObj>
                     </mc:Choice>
                     <mc:Fallback>
-                      <p:oleObj name="Equation" r:id="rId25" imgW="368280" imgH="330120" progId="Equation.DSMT4">
+                      <p:oleObj name="Equation" r:id="rId25" imgW="419040" imgH="380880" progId="Equation.DSMT4">
                         <p:embed/>
                         <p:pic>
                           <p:nvPicPr>
-                            <p:cNvPr id="0" name=""/>
+                            <p:cNvPr id="137" name="개체 136">
+                              <a:extLst>
+                                <a:ext uri="{FF2B5EF4-FFF2-40B4-BE49-F238E27FC236}">
+                                  <a16:creationId xmlns:a16="http://schemas.microsoft.com/office/drawing/2014/main" id="{F1FCE0E0-2B1C-9CA9-BFC5-8FE514C6D347}"/>
+                                </a:ext>
+                              </a:extLst>
+                            </p:cNvPr>
                             <p:cNvPicPr/>
                             <p:nvPr/>
                           </p:nvPicPr>
@@ -5633,8 +5695,8 @@
                           </p:blipFill>
                           <p:spPr>
                             <a:xfrm>
-                              <a:off x="8103498" y="158315"/>
-                              <a:ext cx="368300" cy="330200"/>
+                              <a:off x="8040382" y="50035"/>
+                              <a:ext cx="419100" cy="381000"/>
                             </a:xfrm>
                             <a:prstGeom prst="rect">
                               <a:avLst/>
@@ -5662,29 +5724,35 @@
                 <p:nvPr>
                   <p:extLst>
                     <p:ext uri="{D42A27DB-BD31-4B8C-83A1-F6EECF244321}">
-                      <p14:modId xmlns:p14="http://schemas.microsoft.com/office/powerpoint/2010/main" val="2631353693"/>
+                      <p14:modId xmlns:p14="http://schemas.microsoft.com/office/powerpoint/2010/main" val="1498977219"/>
                     </p:ext>
                   </p:extLst>
                 </p:nvPr>
               </p:nvGraphicFramePr>
               <p:xfrm>
-                <a:off x="5623172" y="203586"/>
-                <a:ext cx="355600" cy="330200"/>
+                <a:off x="5594483" y="122302"/>
+                <a:ext cx="406400" cy="381000"/>
               </p:xfrm>
               <a:graphic>
                 <a:graphicData uri="http://schemas.openxmlformats.org/presentationml/2006/ole">
                   <mc:AlternateContent xmlns:mc="http://schemas.openxmlformats.org/markup-compatibility/2006">
                     <mc:Choice xmlns:v="urn:schemas-microsoft-com:vml" Requires="v">
-                      <p:oleObj name="Equation" r:id="rId27" imgW="355320" imgH="330120" progId="Equation.DSMT4">
+                      <p:oleObj name="Equation" r:id="rId27" imgW="406080" imgH="380880" progId="Equation.DSMT4">
                         <p:embed/>
                       </p:oleObj>
                     </mc:Choice>
                     <mc:Fallback>
-                      <p:oleObj name="Equation" r:id="rId27" imgW="355320" imgH="330120" progId="Equation.DSMT4">
+                      <p:oleObj name="Equation" r:id="rId27" imgW="406080" imgH="380880" progId="Equation.DSMT4">
                         <p:embed/>
                         <p:pic>
                           <p:nvPicPr>
-                            <p:cNvPr id="0" name=""/>
+                            <p:cNvPr id="138" name="개체 137">
+                              <a:extLst>
+                                <a:ext uri="{FF2B5EF4-FFF2-40B4-BE49-F238E27FC236}">
+                                  <a16:creationId xmlns:a16="http://schemas.microsoft.com/office/drawing/2014/main" id="{11C438E0-7948-2D1A-53C0-4EB80268EBFE}"/>
+                                </a:ext>
+                              </a:extLst>
+                            </p:cNvPr>
                             <p:cNvPicPr/>
                             <p:nvPr/>
                           </p:nvPicPr>
@@ -5696,8 +5764,8 @@
                           </p:blipFill>
                           <p:spPr>
                             <a:xfrm>
-                              <a:off x="5623172" y="203586"/>
-                              <a:ext cx="355600" cy="330200"/>
+                              <a:off x="5594483" y="122302"/>
+                              <a:ext cx="406400" cy="381000"/>
                             </a:xfrm>
                             <a:prstGeom prst="rect">
                               <a:avLst/>
@@ -6012,29 +6080,35 @@
               <p:nvPr>
                 <p:extLst>
                   <p:ext uri="{D42A27DB-BD31-4B8C-83A1-F6EECF244321}">
-                    <p14:modId xmlns:p14="http://schemas.microsoft.com/office/powerpoint/2010/main" val="1957138516"/>
+                    <p14:modId xmlns:p14="http://schemas.microsoft.com/office/powerpoint/2010/main" val="2100617336"/>
                   </p:ext>
                 </p:extLst>
               </p:nvPr>
             </p:nvGraphicFramePr>
             <p:xfrm>
-              <a:off x="9207500" y="2027238"/>
-              <a:ext cx="215900" cy="330200"/>
+              <a:off x="9194622" y="1982749"/>
+              <a:ext cx="241300" cy="419100"/>
             </p:xfrm>
             <a:graphic>
               <a:graphicData uri="http://schemas.openxmlformats.org/presentationml/2006/ole">
                 <mc:AlternateContent xmlns:mc="http://schemas.openxmlformats.org/markup-compatibility/2006">
                   <mc:Choice xmlns:v="urn:schemas-microsoft-com:vml" Requires="v">
-                    <p:oleObj name="Equation" r:id="rId29" imgW="215640" imgH="330120" progId="Equation.DSMT4">
+                    <p:oleObj name="Equation" r:id="rId29" imgW="241200" imgH="419040" progId="Equation.DSMT4">
                       <p:embed/>
                     </p:oleObj>
                   </mc:Choice>
                   <mc:Fallback>
-                    <p:oleObj name="Equation" r:id="rId29" imgW="215640" imgH="330120" progId="Equation.DSMT4">
+                    <p:oleObj name="Equation" r:id="rId29" imgW="241200" imgH="419040" progId="Equation.DSMT4">
                       <p:embed/>
                       <p:pic>
                         <p:nvPicPr>
-                          <p:cNvPr id="0" name=""/>
+                          <p:cNvPr id="163" name="개체 162">
+                            <a:extLst>
+                              <a:ext uri="{FF2B5EF4-FFF2-40B4-BE49-F238E27FC236}">
+                                <a16:creationId xmlns:a16="http://schemas.microsoft.com/office/drawing/2014/main" id="{EAD031AC-4E03-15BE-BEA7-24E99BF46FD8}"/>
+                              </a:ext>
+                            </a:extLst>
+                          </p:cNvPr>
                           <p:cNvPicPr/>
                           <p:nvPr/>
                         </p:nvPicPr>
@@ -6046,8 +6120,8 @@
                         </p:blipFill>
                         <p:spPr>
                           <a:xfrm>
-                            <a:off x="9207500" y="2027238"/>
-                            <a:ext cx="215900" cy="330200"/>
+                            <a:off x="9194622" y="1982749"/>
+                            <a:ext cx="241300" cy="419100"/>
                           </a:xfrm>
                           <a:prstGeom prst="rect">
                             <a:avLst/>
@@ -6075,29 +6149,35 @@
               <p:nvPr>
                 <p:extLst>
                   <p:ext uri="{D42A27DB-BD31-4B8C-83A1-F6EECF244321}">
-                    <p14:modId xmlns:p14="http://schemas.microsoft.com/office/powerpoint/2010/main" val="1356706896"/>
+                    <p14:modId xmlns:p14="http://schemas.microsoft.com/office/powerpoint/2010/main" val="2138940364"/>
                   </p:ext>
                 </p:extLst>
               </p:nvPr>
             </p:nvGraphicFramePr>
             <p:xfrm>
-              <a:off x="9213850" y="3890963"/>
-              <a:ext cx="203200" cy="330200"/>
+              <a:off x="9226372" y="3890924"/>
+              <a:ext cx="177800" cy="330200"/>
             </p:xfrm>
             <a:graphic>
               <a:graphicData uri="http://schemas.openxmlformats.org/presentationml/2006/ole">
                 <mc:AlternateContent xmlns:mc="http://schemas.openxmlformats.org/markup-compatibility/2006">
                   <mc:Choice xmlns:v="urn:schemas-microsoft-com:vml" Requires="v">
-                    <p:oleObj name="Equation" r:id="rId31" imgW="203040" imgH="330120" progId="Equation.DSMT4">
+                    <p:oleObj name="Equation" r:id="rId31" imgW="177480" imgH="330120" progId="Equation.DSMT4">
                       <p:embed/>
                     </p:oleObj>
                   </mc:Choice>
                   <mc:Fallback>
-                    <p:oleObj name="Equation" r:id="rId31" imgW="203040" imgH="330120" progId="Equation.DSMT4">
+                    <p:oleObj name="Equation" r:id="rId31" imgW="177480" imgH="330120" progId="Equation.DSMT4">
                       <p:embed/>
                       <p:pic>
                         <p:nvPicPr>
-                          <p:cNvPr id="0" name=""/>
+                          <p:cNvPr id="164" name="개체 163">
+                            <a:extLst>
+                              <a:ext uri="{FF2B5EF4-FFF2-40B4-BE49-F238E27FC236}">
+                                <a16:creationId xmlns:a16="http://schemas.microsoft.com/office/drawing/2014/main" id="{73900FAE-190D-8E93-2FE2-02E42C3681AD}"/>
+                              </a:ext>
+                            </a:extLst>
+                          </p:cNvPr>
                           <p:cNvPicPr/>
                           <p:nvPr/>
                         </p:nvPicPr>
@@ -6109,8 +6189,8 @@
                         </p:blipFill>
                         <p:spPr>
                           <a:xfrm>
-                            <a:off x="9213850" y="3890963"/>
-                            <a:ext cx="203200" cy="330200"/>
+                            <a:off x="9226372" y="3890924"/>
+                            <a:ext cx="177800" cy="330200"/>
                           </a:xfrm>
                           <a:prstGeom prst="rect">
                             <a:avLst/>
@@ -6138,29 +6218,35 @@
               <p:nvPr>
                 <p:extLst>
                   <p:ext uri="{D42A27DB-BD31-4B8C-83A1-F6EECF244321}">
-                    <p14:modId xmlns:p14="http://schemas.microsoft.com/office/powerpoint/2010/main" val="2696431446"/>
+                    <p14:modId xmlns:p14="http://schemas.microsoft.com/office/powerpoint/2010/main" val="954166968"/>
                   </p:ext>
                 </p:extLst>
               </p:nvPr>
             </p:nvGraphicFramePr>
             <p:xfrm>
-              <a:off x="9721850" y="2946400"/>
-              <a:ext cx="190500" cy="228600"/>
+              <a:off x="9702622" y="2927312"/>
+              <a:ext cx="228600" cy="266700"/>
             </p:xfrm>
             <a:graphic>
               <a:graphicData uri="http://schemas.openxmlformats.org/presentationml/2006/ole">
                 <mc:AlternateContent xmlns:mc="http://schemas.openxmlformats.org/markup-compatibility/2006">
                   <mc:Choice xmlns:v="urn:schemas-microsoft-com:vml" Requires="v">
-                    <p:oleObj name="Equation" r:id="rId33" imgW="190440" imgH="228600" progId="Equation.DSMT4">
+                    <p:oleObj name="Equation" r:id="rId33" imgW="228600" imgH="266400" progId="Equation.DSMT4">
                       <p:embed/>
                     </p:oleObj>
                   </mc:Choice>
                   <mc:Fallback>
-                    <p:oleObj name="Equation" r:id="rId33" imgW="190440" imgH="228600" progId="Equation.DSMT4">
+                    <p:oleObj name="Equation" r:id="rId33" imgW="228600" imgH="266400" progId="Equation.DSMT4">
                       <p:embed/>
                       <p:pic>
                         <p:nvPicPr>
-                          <p:cNvPr id="0" name=""/>
+                          <p:cNvPr id="165" name="개체 164">
+                            <a:extLst>
+                              <a:ext uri="{FF2B5EF4-FFF2-40B4-BE49-F238E27FC236}">
+                                <a16:creationId xmlns:a16="http://schemas.microsoft.com/office/drawing/2014/main" id="{34FCC715-DEEE-1AB6-0B17-4F0E713CC92C}"/>
+                              </a:ext>
+                            </a:extLst>
+                          </p:cNvPr>
                           <p:cNvPicPr/>
                           <p:nvPr/>
                         </p:nvPicPr>
@@ -6172,8 +6258,8 @@
                         </p:blipFill>
                         <p:spPr>
                           <a:xfrm>
-                            <a:off x="9721850" y="2946400"/>
-                            <a:ext cx="190500" cy="228600"/>
+                            <a:off x="9702622" y="2927312"/>
+                            <a:ext cx="228600" cy="266700"/>
                           </a:xfrm>
                           <a:prstGeom prst="rect">
                             <a:avLst/>
@@ -6335,29 +6421,35 @@
             <p:nvPr>
               <p:extLst>
                 <p:ext uri="{D42A27DB-BD31-4B8C-83A1-F6EECF244321}">
-                  <p14:modId xmlns:p14="http://schemas.microsoft.com/office/powerpoint/2010/main" val="2328381722"/>
+                  <p14:modId xmlns:p14="http://schemas.microsoft.com/office/powerpoint/2010/main" val="3742250624"/>
                 </p:ext>
               </p:extLst>
             </p:nvPr>
           </p:nvGraphicFramePr>
           <p:xfrm>
-            <a:off x="7094351" y="6034049"/>
-            <a:ext cx="254000" cy="241300"/>
+            <a:off x="7075309" y="6014999"/>
+            <a:ext cx="292100" cy="279400"/>
           </p:xfrm>
           <a:graphic>
             <a:graphicData uri="http://schemas.openxmlformats.org/presentationml/2006/ole">
               <mc:AlternateContent xmlns:mc="http://schemas.openxmlformats.org/markup-compatibility/2006">
                 <mc:Choice xmlns:v="urn:schemas-microsoft-com:vml" Requires="v">
-                  <p:oleObj name="Equation" r:id="rId35" imgW="253800" imgH="241200" progId="Equation.DSMT4">
+                  <p:oleObj name="Equation" r:id="rId35" imgW="291960" imgH="279360" progId="Equation.DSMT4">
                     <p:embed/>
                   </p:oleObj>
                 </mc:Choice>
                 <mc:Fallback>
-                  <p:oleObj name="Equation" r:id="rId35" imgW="253800" imgH="241200" progId="Equation.DSMT4">
+                  <p:oleObj name="Equation" r:id="rId35" imgW="291960" imgH="279360" progId="Equation.DSMT4">
                     <p:embed/>
                     <p:pic>
                       <p:nvPicPr>
-                        <p:cNvPr id="0" name=""/>
+                        <p:cNvPr id="175" name="개체 174">
+                          <a:extLst>
+                            <a:ext uri="{FF2B5EF4-FFF2-40B4-BE49-F238E27FC236}">
+                              <a16:creationId xmlns:a16="http://schemas.microsoft.com/office/drawing/2014/main" id="{9C1616DF-A779-5E96-AF68-CF1AC771832E}"/>
+                            </a:ext>
+                          </a:extLst>
+                        </p:cNvPr>
                         <p:cNvPicPr/>
                         <p:nvPr/>
                       </p:nvPicPr>
@@ -6369,8 +6461,8 @@
                       </p:blipFill>
                       <p:spPr>
                         <a:xfrm>
-                          <a:off x="7094351" y="6034049"/>
-                          <a:ext cx="254000" cy="241300"/>
+                          <a:off x="7075309" y="6014999"/>
+                          <a:ext cx="292100" cy="279400"/>
                         </a:xfrm>
                         <a:prstGeom prst="rect">
                           <a:avLst/>
@@ -6428,10 +6520,10 @@
         </p:nvGrpSpPr>
         <p:grpSpPr>
           <a:xfrm>
-            <a:off x="804479" y="2083458"/>
-            <a:ext cx="10001796" cy="3171397"/>
-            <a:chOff x="198352" y="2646794"/>
-            <a:chExt cx="10001796" cy="3171397"/>
+            <a:off x="238655" y="3187348"/>
+            <a:ext cx="10567620" cy="3229557"/>
+            <a:chOff x="-367472" y="2588634"/>
+            <a:chExt cx="10567620" cy="3229557"/>
           </a:xfrm>
         </p:grpSpPr>
         <p:grpSp>
@@ -6448,10 +6540,10 @@
           </p:nvGrpSpPr>
           <p:grpSpPr>
             <a:xfrm>
-              <a:off x="198352" y="2681284"/>
-              <a:ext cx="10001796" cy="3136907"/>
-              <a:chOff x="204702" y="2865434"/>
-              <a:chExt cx="10001796" cy="3136907"/>
+              <a:off x="-367472" y="2681284"/>
+              <a:ext cx="10567620" cy="3136907"/>
+              <a:chOff x="-361122" y="2865434"/>
+              <a:chExt cx="10567620" cy="3136907"/>
             </a:xfrm>
           </p:grpSpPr>
           <p:pic>
@@ -6476,7 +6568,7 @@
             </p:blipFill>
             <p:spPr>
               <a:xfrm>
-                <a:off x="468807" y="3030494"/>
+                <a:off x="-108795" y="3095950"/>
                 <a:ext cx="1228896" cy="581106"/>
               </a:xfrm>
               <a:prstGeom prst="rect">
@@ -6498,7 +6590,7 @@
             </p:nvSpPr>
             <p:spPr>
               <a:xfrm>
-                <a:off x="204702" y="2865434"/>
+                <a:off x="-361122" y="2865434"/>
                 <a:ext cx="1733550" cy="1127125"/>
               </a:xfrm>
               <a:prstGeom prst="roundRect">
@@ -6550,8 +6642,8 @@
             </p:nvSpPr>
             <p:spPr>
               <a:xfrm>
-                <a:off x="468807" y="3623227"/>
-                <a:ext cx="1228896" cy="369332"/>
+                <a:off x="-181740" y="3634753"/>
+                <a:ext cx="1374785" cy="400110"/>
               </a:xfrm>
               <a:prstGeom prst="rect">
                 <a:avLst/>
@@ -6565,13 +6657,13 @@
               <a:lstStyle/>
               <a:p>
                 <a:r>
-                  <a:rPr lang="en-US" altLang="ko-KR" dirty="0">
+                  <a:rPr lang="en-US" altLang="ko-KR" sz="2000" dirty="0">
                     <a:latin typeface="Times New Roman" panose="02020603050405020304" pitchFamily="18" charset="0"/>
                     <a:cs typeface="Times New Roman" panose="02020603050405020304" pitchFamily="18" charset="0"/>
                   </a:rPr>
                   <a:t>Simulation</a:t>
                 </a:r>
-                <a:endParaRPr lang="ko-KR" altLang="en-US" dirty="0">
+                <a:endParaRPr lang="ko-KR" altLang="en-US" sz="2000" dirty="0">
                   <a:latin typeface="Times New Roman" panose="02020603050405020304" pitchFamily="18" charset="0"/>
                   <a:cs typeface="Times New Roman" panose="02020603050405020304" pitchFamily="18" charset="0"/>
                 </a:endParaRPr>
@@ -6592,7 +6684,7 @@
             </p:nvSpPr>
             <p:spPr>
               <a:xfrm>
-                <a:off x="3731750" y="2865434"/>
+                <a:off x="3551771" y="2865434"/>
                 <a:ext cx="1945149" cy="1127125"/>
               </a:xfrm>
               <a:prstGeom prst="roundRect">
@@ -6627,7 +6719,7 @@
               <a:p>
                 <a:pPr algn="ctr"/>
                 <a:r>
-                  <a:rPr lang="en-US" altLang="ko-KR" dirty="0">
+                  <a:rPr lang="en-US" altLang="ko-KR" sz="2000" dirty="0">
                     <a:solidFill>
                       <a:schemeClr val="tx1"/>
                     </a:solidFill>
@@ -6640,7 +6732,7 @@
               <a:p>
                 <a:pPr algn="ctr"/>
                 <a:r>
-                  <a:rPr lang="en-US" altLang="ko-KR" dirty="0">
+                  <a:rPr lang="en-US" altLang="ko-KR" sz="2000" dirty="0">
                     <a:solidFill>
                       <a:schemeClr val="tx1"/>
                     </a:solidFill>
@@ -6649,7 +6741,7 @@
                   </a:rPr>
                   <a:t>calculation</a:t>
                 </a:r>
-                <a:endParaRPr lang="ko-KR" altLang="en-US" dirty="0">
+                <a:endParaRPr lang="ko-KR" altLang="en-US" sz="2000" dirty="0">
                   <a:solidFill>
                     <a:schemeClr val="tx1"/>
                   </a:solidFill>
@@ -6677,8 +6769,8 @@
             </p:nvCxnSpPr>
             <p:spPr>
               <a:xfrm>
-                <a:off x="1938252" y="3428997"/>
-                <a:ext cx="1793498" cy="0"/>
+                <a:off x="1372428" y="3428997"/>
+                <a:ext cx="2179343" cy="0"/>
               </a:xfrm>
               <a:prstGeom prst="straightConnector1">
                 <a:avLst/>
@@ -6754,7 +6846,7 @@
               <a:p>
                 <a:pPr algn="ctr"/>
                 <a:r>
-                  <a:rPr lang="en-US" altLang="ko-KR" dirty="0">
+                  <a:rPr lang="en-US" altLang="ko-KR" sz="2000" dirty="0">
                     <a:solidFill>
                       <a:schemeClr val="tx1"/>
                     </a:solidFill>
@@ -6763,7 +6855,7 @@
                   </a:rPr>
                   <a:t>Adaptive Extended Kalman Filter</a:t>
                 </a:r>
-                <a:endParaRPr lang="ko-KR" altLang="en-US" dirty="0">
+                <a:endParaRPr lang="ko-KR" altLang="en-US" sz="2000" dirty="0">
                   <a:solidFill>
                     <a:schemeClr val="tx1"/>
                   </a:solidFill>
@@ -6791,8 +6883,8 @@
             </p:nvCxnSpPr>
             <p:spPr>
               <a:xfrm>
-                <a:off x="5676899" y="3428997"/>
-                <a:ext cx="2256299" cy="1"/>
+                <a:off x="5496920" y="3428997"/>
+                <a:ext cx="2436278" cy="1"/>
               </a:xfrm>
               <a:prstGeom prst="straightConnector1">
                 <a:avLst/>
@@ -6868,7 +6960,7 @@
               <a:p>
                 <a:pPr algn="ctr"/>
                 <a:r>
-                  <a:rPr lang="en-US" altLang="ko-KR" dirty="0">
+                  <a:rPr lang="en-US" altLang="ko-KR" sz="2000" dirty="0">
                     <a:solidFill>
                       <a:schemeClr val="tx1"/>
                     </a:solidFill>
@@ -6877,7 +6969,7 @@
                   </a:rPr>
                   <a:t>Sliding Mode Control</a:t>
                 </a:r>
-                <a:endParaRPr lang="ko-KR" altLang="en-US" dirty="0">
+                <a:endParaRPr lang="ko-KR" altLang="en-US" sz="2000" dirty="0">
                   <a:solidFill>
                     <a:schemeClr val="tx1"/>
                   </a:solidFill>
@@ -6902,10 +6994,10 @@
           </p:nvGrpSpPr>
           <p:grpSpPr>
             <a:xfrm>
-              <a:off x="1792953" y="2646794"/>
-              <a:ext cx="7270545" cy="1161616"/>
-              <a:chOff x="1792953" y="2646794"/>
-              <a:chExt cx="7270545" cy="1161616"/>
+              <a:off x="1292950" y="2588634"/>
+              <a:ext cx="7770548" cy="1219776"/>
+              <a:chOff x="1292950" y="2588634"/>
+              <a:chExt cx="7770548" cy="1219776"/>
             </a:xfrm>
           </p:grpSpPr>
           <p:sp>
@@ -6922,8 +7014,8 @@
             </p:nvSpPr>
             <p:spPr>
               <a:xfrm>
-                <a:off x="1792953" y="2646794"/>
-                <a:ext cx="2025650" cy="584775"/>
+                <a:off x="1292950" y="2588634"/>
+                <a:ext cx="2529296" cy="646331"/>
               </a:xfrm>
               <a:prstGeom prst="rect">
                 <a:avLst/>
@@ -6938,7 +7030,7 @@
               <a:p>
                 <a:pPr algn="ctr"/>
                 <a:r>
-                  <a:rPr lang="en-US" altLang="ko-KR" sz="1600" dirty="0">
+                  <a:rPr lang="en-US" altLang="ko-KR" dirty="0">
                     <a:latin typeface="Times New Roman" panose="02020603050405020304" pitchFamily="18" charset="0"/>
                     <a:cs typeface="Times New Roman" panose="02020603050405020304" pitchFamily="18" charset="0"/>
                   </a:rPr>
@@ -6948,13 +7040,13 @@
               <a:p>
                 <a:pPr algn="ctr"/>
                 <a:r>
-                  <a:rPr lang="en-US" altLang="ko-KR" sz="1600" dirty="0">
+                  <a:rPr lang="en-US" altLang="ko-KR" dirty="0">
                     <a:latin typeface="Times New Roman" panose="02020603050405020304" pitchFamily="18" charset="0"/>
                     <a:cs typeface="Times New Roman" panose="02020603050405020304" pitchFamily="18" charset="0"/>
                   </a:rPr>
                   <a:t>with gaussian noise</a:t>
                 </a:r>
-                <a:endParaRPr lang="ko-KR" altLang="en-US" sz="1600" dirty="0">
+                <a:endParaRPr lang="ko-KR" altLang="en-US" dirty="0">
                   <a:latin typeface="Times New Roman" panose="02020603050405020304" pitchFamily="18" charset="0"/>
                   <a:cs typeface="Times New Roman" panose="02020603050405020304" pitchFamily="18" charset="0"/>
                 </a:endParaRPr>
@@ -6978,12 +7070,12 @@
             </p:nvCxnSpPr>
             <p:spPr>
               <a:xfrm>
-                <a:off x="1931902" y="3244847"/>
-                <a:ext cx="7131596" cy="563563"/>
+                <a:off x="1366078" y="3244847"/>
+                <a:ext cx="7697420" cy="563563"/>
               </a:xfrm>
               <a:prstGeom prst="bentConnector4">
                 <a:avLst>
-                  <a:gd name="adj1" fmla="val 10778"/>
+                  <a:gd name="adj1" fmla="val 13579"/>
                   <a:gd name="adj2" fmla="val 140563"/>
                 </a:avLst>
               </a:prstGeom>
@@ -7024,29 +7116,35 @@
               <p:nvPr>
                 <p:extLst>
                   <p:ext uri="{D42A27DB-BD31-4B8C-83A1-F6EECF244321}">
-                    <p14:modId xmlns:p14="http://schemas.microsoft.com/office/powerpoint/2010/main" val="3335987705"/>
+                    <p14:modId xmlns:p14="http://schemas.microsoft.com/office/powerpoint/2010/main" val="243485807"/>
                   </p:ext>
                 </p:extLst>
               </p:nvPr>
             </p:nvGraphicFramePr>
             <p:xfrm>
-              <a:off x="5750948" y="2850569"/>
-              <a:ext cx="2095500" cy="381000"/>
+              <a:off x="5539248" y="3283356"/>
+              <a:ext cx="2349500" cy="419100"/>
             </p:xfrm>
             <a:graphic>
               <a:graphicData uri="http://schemas.openxmlformats.org/presentationml/2006/ole">
                 <mc:AlternateContent xmlns:mc="http://schemas.openxmlformats.org/markup-compatibility/2006">
                   <mc:Choice xmlns:v="urn:schemas-microsoft-com:vml" Requires="v">
-                    <p:oleObj name="Equation" r:id="rId3" imgW="2095200" imgH="380880" progId="Equation.DSMT4">
+                    <p:oleObj name="Equation" r:id="rId3" imgW="2349360" imgH="419040" progId="Equation.DSMT4">
                       <p:embed/>
                     </p:oleObj>
                   </mc:Choice>
                   <mc:Fallback>
-                    <p:oleObj name="Equation" r:id="rId3" imgW="2095200" imgH="380880" progId="Equation.DSMT4">
+                    <p:oleObj name="Equation" r:id="rId3" imgW="2349360" imgH="419040" progId="Equation.DSMT4">
                       <p:embed/>
                       <p:pic>
                         <p:nvPicPr>
-                          <p:cNvPr id="0" name=""/>
+                          <p:cNvPr id="50" name="개체 49">
+                            <a:extLst>
+                              <a:ext uri="{FF2B5EF4-FFF2-40B4-BE49-F238E27FC236}">
+                                <a16:creationId xmlns:a16="http://schemas.microsoft.com/office/drawing/2014/main" id="{6887E39B-E9DB-711D-A29A-37F7CDC90DCA}"/>
+                              </a:ext>
+                            </a:extLst>
+                          </p:cNvPr>
                           <p:cNvPicPr/>
                           <p:nvPr/>
                         </p:nvPicPr>
@@ -7058,8 +7156,8 @@
                         </p:blipFill>
                         <p:spPr>
                           <a:xfrm>
-                            <a:off x="5750948" y="2850569"/>
-                            <a:ext cx="2095500" cy="381000"/>
+                            <a:off x="5539248" y="3283356"/>
+                            <a:ext cx="2349500" cy="419100"/>
                           </a:xfrm>
                           <a:prstGeom prst="rect">
                             <a:avLst/>
@@ -7091,7 +7189,7 @@
         </p:nvCxnSpPr>
         <p:spPr>
           <a:xfrm>
-            <a:off x="10806275" y="2681512"/>
+            <a:off x="10806275" y="3843562"/>
             <a:ext cx="12700" cy="2009781"/>
           </a:xfrm>
           <a:prstGeom prst="bentConnector3">
@@ -7136,29 +7234,35 @@
           <p:nvPr>
             <p:extLst>
               <p:ext uri="{D42A27DB-BD31-4B8C-83A1-F6EECF244321}">
-                <p14:modId xmlns:p14="http://schemas.microsoft.com/office/powerpoint/2010/main" val="37595830"/>
+                <p14:modId xmlns:p14="http://schemas.microsoft.com/office/powerpoint/2010/main" val="1206644064"/>
               </p:ext>
             </p:extLst>
           </p:nvPr>
         </p:nvGraphicFramePr>
         <p:xfrm>
-          <a:off x="11198678" y="3026002"/>
-          <a:ext cx="673100" cy="1320800"/>
+          <a:off x="11094381" y="3100610"/>
+          <a:ext cx="749300" cy="1485900"/>
         </p:xfrm>
         <a:graphic>
           <a:graphicData uri="http://schemas.openxmlformats.org/presentationml/2006/ole">
             <mc:AlternateContent xmlns:mc="http://schemas.openxmlformats.org/markup-compatibility/2006">
               <mc:Choice xmlns:v="urn:schemas-microsoft-com:vml" Requires="v">
-                <p:oleObj name="Equation" r:id="rId5" imgW="672840" imgH="1320480" progId="Equation.DSMT4">
+                <p:oleObj name="Equation" r:id="rId5" imgW="749160" imgH="1485720" progId="Equation.DSMT4">
                   <p:embed/>
                 </p:oleObj>
               </mc:Choice>
               <mc:Fallback>
-                <p:oleObj name="Equation" r:id="rId5" imgW="672840" imgH="1320480" progId="Equation.DSMT4">
+                <p:oleObj name="Equation" r:id="rId5" imgW="749160" imgH="1485720" progId="Equation.DSMT4">
                   <p:embed/>
                   <p:pic>
                     <p:nvPicPr>
-                      <p:cNvPr id="0" name=""/>
+                      <p:cNvPr id="72" name="개체 71">
+                        <a:extLst>
+                          <a:ext uri="{FF2B5EF4-FFF2-40B4-BE49-F238E27FC236}">
+                            <a16:creationId xmlns:a16="http://schemas.microsoft.com/office/drawing/2014/main" id="{B96344F3-816D-F91F-DC88-EED92667F042}"/>
+                          </a:ext>
+                        </a:extLst>
+                      </p:cNvPr>
                       <p:cNvPicPr/>
                       <p:nvPr/>
                     </p:nvPicPr>
@@ -7170,8 +7274,8 @@
                     </p:blipFill>
                     <p:spPr>
                       <a:xfrm>
-                        <a:off x="11198678" y="3026002"/>
-                        <a:ext cx="673100" cy="1320800"/>
+                        <a:off x="11094381" y="3100610"/>
+                        <a:ext cx="749300" cy="1485900"/>
                       </a:xfrm>
                       <a:prstGeom prst="rect">
                         <a:avLst/>

--- a/Paper/논문그림.pptx
+++ b/Paper/논문그림.pptx
@@ -202,7 +202,7 @@
           <a:p>
             <a:fld id="{DF808D06-9E3F-44FB-93F2-5318620A4091}" type="datetimeFigureOut">
               <a:rPr lang="ko-KR" altLang="en-US" smtClean="0"/>
-              <a:t>2024-08-14</a:t>
+              <a:t>2024-08-29</a:t>
             </a:fld>
             <a:endParaRPr lang="ko-KR" altLang="en-US"/>
           </a:p>
@@ -616,7 +616,7 @@
           <a:p>
             <a:fld id="{1E28F0D3-E3FD-49FD-8E82-3F8837207BDD}" type="datetimeFigureOut">
               <a:rPr lang="ko-KR" altLang="en-US" smtClean="0"/>
-              <a:t>2024-08-14</a:t>
+              <a:t>2024-08-29</a:t>
             </a:fld>
             <a:endParaRPr lang="ko-KR" altLang="en-US"/>
           </a:p>
@@ -814,7 +814,7 @@
           <a:p>
             <a:fld id="{1E28F0D3-E3FD-49FD-8E82-3F8837207BDD}" type="datetimeFigureOut">
               <a:rPr lang="ko-KR" altLang="en-US" smtClean="0"/>
-              <a:t>2024-08-14</a:t>
+              <a:t>2024-08-29</a:t>
             </a:fld>
             <a:endParaRPr lang="ko-KR" altLang="en-US"/>
           </a:p>
@@ -1022,7 +1022,7 @@
           <a:p>
             <a:fld id="{1E28F0D3-E3FD-49FD-8E82-3F8837207BDD}" type="datetimeFigureOut">
               <a:rPr lang="ko-KR" altLang="en-US" smtClean="0"/>
-              <a:t>2024-08-14</a:t>
+              <a:t>2024-08-29</a:t>
             </a:fld>
             <a:endParaRPr lang="ko-KR" altLang="en-US"/>
           </a:p>
@@ -1220,7 +1220,7 @@
           <a:p>
             <a:fld id="{1E28F0D3-E3FD-49FD-8E82-3F8837207BDD}" type="datetimeFigureOut">
               <a:rPr lang="ko-KR" altLang="en-US" smtClean="0"/>
-              <a:t>2024-08-14</a:t>
+              <a:t>2024-08-29</a:t>
             </a:fld>
             <a:endParaRPr lang="ko-KR" altLang="en-US"/>
           </a:p>
@@ -1495,7 +1495,7 @@
           <a:p>
             <a:fld id="{1E28F0D3-E3FD-49FD-8E82-3F8837207BDD}" type="datetimeFigureOut">
               <a:rPr lang="ko-KR" altLang="en-US" smtClean="0"/>
-              <a:t>2024-08-14</a:t>
+              <a:t>2024-08-29</a:t>
             </a:fld>
             <a:endParaRPr lang="ko-KR" altLang="en-US"/>
           </a:p>
@@ -1760,7 +1760,7 @@
           <a:p>
             <a:fld id="{1E28F0D3-E3FD-49FD-8E82-3F8837207BDD}" type="datetimeFigureOut">
               <a:rPr lang="ko-KR" altLang="en-US" smtClean="0"/>
-              <a:t>2024-08-14</a:t>
+              <a:t>2024-08-29</a:t>
             </a:fld>
             <a:endParaRPr lang="ko-KR" altLang="en-US"/>
           </a:p>
@@ -2172,7 +2172,7 @@
           <a:p>
             <a:fld id="{1E28F0D3-E3FD-49FD-8E82-3F8837207BDD}" type="datetimeFigureOut">
               <a:rPr lang="ko-KR" altLang="en-US" smtClean="0"/>
-              <a:t>2024-08-14</a:t>
+              <a:t>2024-08-29</a:t>
             </a:fld>
             <a:endParaRPr lang="ko-KR" altLang="en-US"/>
           </a:p>
@@ -2313,7 +2313,7 @@
           <a:p>
             <a:fld id="{1E28F0D3-E3FD-49FD-8E82-3F8837207BDD}" type="datetimeFigureOut">
               <a:rPr lang="ko-KR" altLang="en-US" smtClean="0"/>
-              <a:t>2024-08-14</a:t>
+              <a:t>2024-08-29</a:t>
             </a:fld>
             <a:endParaRPr lang="ko-KR" altLang="en-US"/>
           </a:p>
@@ -2426,7 +2426,7 @@
           <a:p>
             <a:fld id="{1E28F0D3-E3FD-49FD-8E82-3F8837207BDD}" type="datetimeFigureOut">
               <a:rPr lang="ko-KR" altLang="en-US" smtClean="0"/>
-              <a:t>2024-08-14</a:t>
+              <a:t>2024-08-29</a:t>
             </a:fld>
             <a:endParaRPr lang="ko-KR" altLang="en-US"/>
           </a:p>
@@ -2737,7 +2737,7 @@
           <a:p>
             <a:fld id="{1E28F0D3-E3FD-49FD-8E82-3F8837207BDD}" type="datetimeFigureOut">
               <a:rPr lang="ko-KR" altLang="en-US" smtClean="0"/>
-              <a:t>2024-08-14</a:t>
+              <a:t>2024-08-29</a:t>
             </a:fld>
             <a:endParaRPr lang="ko-KR" altLang="en-US"/>
           </a:p>
@@ -3025,7 +3025,7 @@
           <a:p>
             <a:fld id="{1E28F0D3-E3FD-49FD-8E82-3F8837207BDD}" type="datetimeFigureOut">
               <a:rPr lang="ko-KR" altLang="en-US" smtClean="0"/>
-              <a:t>2024-08-14</a:t>
+              <a:t>2024-08-29</a:t>
             </a:fld>
             <a:endParaRPr lang="ko-KR" altLang="en-US"/>
           </a:p>
@@ -3266,7 +3266,7 @@
           <a:p>
             <a:fld id="{1E28F0D3-E3FD-49FD-8E82-3F8837207BDD}" type="datetimeFigureOut">
               <a:rPr lang="ko-KR" altLang="en-US" smtClean="0"/>
-              <a:t>2024-08-14</a:t>
+              <a:t>2024-08-29</a:t>
             </a:fld>
             <a:endParaRPr lang="ko-KR" altLang="en-US"/>
           </a:p>
@@ -6508,10 +6508,10 @@
       </p:grpSpPr>
       <p:grpSp>
         <p:nvGrpSpPr>
-          <p:cNvPr id="63" name="그룹 62">
+          <p:cNvPr id="25" name="그룹 24">
             <a:extLst>
               <a:ext uri="{FF2B5EF4-FFF2-40B4-BE49-F238E27FC236}">
-                <a16:creationId xmlns:a16="http://schemas.microsoft.com/office/drawing/2014/main" id="{9D6C2BC4-DDE3-7050-152A-987CF8DA369A}"/>
+                <a16:creationId xmlns:a16="http://schemas.microsoft.com/office/drawing/2014/main" id="{9F5391FF-C088-8868-3DE0-C6A07515A34F}"/>
               </a:ext>
             </a:extLst>
           </p:cNvPr>
@@ -6520,18 +6520,18 @@
         </p:nvGrpSpPr>
         <p:grpSpPr>
           <a:xfrm>
-            <a:off x="238655" y="3187348"/>
-            <a:ext cx="10567620" cy="3229557"/>
-            <a:chOff x="-367472" y="2588634"/>
-            <a:chExt cx="10567620" cy="3229557"/>
+            <a:off x="152400" y="1350556"/>
+            <a:ext cx="12190575" cy="5229315"/>
+            <a:chOff x="152400" y="1369606"/>
+            <a:chExt cx="12190575" cy="5229315"/>
           </a:xfrm>
         </p:grpSpPr>
         <p:grpSp>
           <p:nvGrpSpPr>
-            <p:cNvPr id="23" name="그룹 22">
+            <p:cNvPr id="63" name="그룹 62">
               <a:extLst>
                 <a:ext uri="{FF2B5EF4-FFF2-40B4-BE49-F238E27FC236}">
-                  <a16:creationId xmlns:a16="http://schemas.microsoft.com/office/drawing/2014/main" id="{D1530FFE-08A0-ED8A-3C1F-3E95A8049EBD}"/>
+                  <a16:creationId xmlns:a16="http://schemas.microsoft.com/office/drawing/2014/main" id="{9D6C2BC4-DDE3-7050-152A-987CF8DA369A}"/>
                 </a:ext>
               </a:extLst>
             </p:cNvPr>
@@ -6540,18 +6540,910 @@
           </p:nvGrpSpPr>
           <p:grpSpPr>
             <a:xfrm>
-              <a:off x="-367472" y="2681284"/>
-              <a:ext cx="10567620" cy="3136907"/>
-              <a:chOff x="-361122" y="2865434"/>
-              <a:chExt cx="10567620" cy="3136907"/>
+              <a:off x="227028" y="2972148"/>
+              <a:ext cx="10661797" cy="2081695"/>
+              <a:chOff x="-461649" y="2419154"/>
+              <a:chExt cx="10661797" cy="2081695"/>
+            </a:xfrm>
+          </p:grpSpPr>
+          <p:grpSp>
+            <p:nvGrpSpPr>
+              <p:cNvPr id="23" name="그룹 22">
+                <a:extLst>
+                  <a:ext uri="{FF2B5EF4-FFF2-40B4-BE49-F238E27FC236}">
+                    <a16:creationId xmlns:a16="http://schemas.microsoft.com/office/drawing/2014/main" id="{D1530FFE-08A0-ED8A-3C1F-3E95A8049EBD}"/>
+                  </a:ext>
+                </a:extLst>
+              </p:cNvPr>
+              <p:cNvGrpSpPr/>
+              <p:nvPr/>
+            </p:nvGrpSpPr>
+            <p:grpSpPr>
+              <a:xfrm>
+                <a:off x="-461649" y="2484368"/>
+                <a:ext cx="10661797" cy="2016481"/>
+                <a:chOff x="-455299" y="2668518"/>
+                <a:chExt cx="10661797" cy="2016481"/>
+              </a:xfrm>
+            </p:grpSpPr>
+            <p:sp>
+              <p:nvSpPr>
+                <p:cNvPr id="5" name="사각형: 둥근 모서리 4">
+                  <a:extLst>
+                    <a:ext uri="{FF2B5EF4-FFF2-40B4-BE49-F238E27FC236}">
+                      <a16:creationId xmlns:a16="http://schemas.microsoft.com/office/drawing/2014/main" id="{D3A06B0F-BD62-AA14-45CD-956E99122FAA}"/>
+                    </a:ext>
+                  </a:extLst>
+                </p:cNvPr>
+                <p:cNvSpPr/>
+                <p:nvPr/>
+              </p:nvSpPr>
+              <p:spPr>
+                <a:xfrm>
+                  <a:off x="-455299" y="2668518"/>
+                  <a:ext cx="1733550" cy="1573753"/>
+                </a:xfrm>
+                <a:prstGeom prst="roundRect">
+                  <a:avLst/>
+                </a:prstGeom>
+                <a:noFill/>
+                <a:ln>
+                  <a:solidFill>
+                    <a:schemeClr val="tx1"/>
+                  </a:solidFill>
+                </a:ln>
+              </p:spPr>
+              <p:style>
+                <a:lnRef idx="2">
+                  <a:schemeClr val="accent1">
+                    <a:shade val="15000"/>
+                  </a:schemeClr>
+                </a:lnRef>
+                <a:fillRef idx="1">
+                  <a:schemeClr val="accent1"/>
+                </a:fillRef>
+                <a:effectRef idx="0">
+                  <a:schemeClr val="accent1"/>
+                </a:effectRef>
+                <a:fontRef idx="minor">
+                  <a:schemeClr val="lt1"/>
+                </a:fontRef>
+              </p:style>
+              <p:txBody>
+                <a:bodyPr rtlCol="0" anchor="ctr"/>
+                <a:lstStyle/>
+                <a:p>
+                  <a:pPr algn="ctr"/>
+                  <a:endParaRPr lang="ko-KR" altLang="en-US" b="1" dirty="0"/>
+                </a:p>
+              </p:txBody>
+            </p:sp>
+            <p:sp>
+              <p:nvSpPr>
+                <p:cNvPr id="6" name="TextBox 5">
+                  <a:extLst>
+                    <a:ext uri="{FF2B5EF4-FFF2-40B4-BE49-F238E27FC236}">
+                      <a16:creationId xmlns:a16="http://schemas.microsoft.com/office/drawing/2014/main" id="{38920677-CC45-9CC7-3DA7-68E983665473}"/>
+                    </a:ext>
+                  </a:extLst>
+                </p:cNvPr>
+                <p:cNvSpPr txBox="1"/>
+                <p:nvPr/>
+              </p:nvSpPr>
+              <p:spPr>
+                <a:xfrm>
+                  <a:off x="-363141" y="4223334"/>
+                  <a:ext cx="1549234" cy="461665"/>
+                </a:xfrm>
+                <a:prstGeom prst="rect">
+                  <a:avLst/>
+                </a:prstGeom>
+                <a:noFill/>
+              </p:spPr>
+              <p:txBody>
+                <a:bodyPr wrap="square" rtlCol="0">
+                  <a:spAutoFit/>
+                </a:bodyPr>
+                <a:lstStyle/>
+                <a:p>
+                  <a:r>
+                    <a:rPr lang="en-US" altLang="ko-KR" sz="2400" dirty="0">
+                      <a:latin typeface="Times New Roman" panose="02020603050405020304" pitchFamily="18" charset="0"/>
+                      <a:cs typeface="Times New Roman" panose="02020603050405020304" pitchFamily="18" charset="0"/>
+                    </a:rPr>
+                    <a:t>Simulation</a:t>
+                  </a:r>
+                  <a:endParaRPr lang="ko-KR" altLang="en-US" sz="2400" dirty="0">
+                    <a:latin typeface="Times New Roman" panose="02020603050405020304" pitchFamily="18" charset="0"/>
+                    <a:cs typeface="Times New Roman" panose="02020603050405020304" pitchFamily="18" charset="0"/>
+                  </a:endParaRPr>
+                </a:p>
+              </p:txBody>
+            </p:sp>
+            <p:sp>
+              <p:nvSpPr>
+                <p:cNvPr id="7" name="사각형: 둥근 모서리 6">
+                  <a:extLst>
+                    <a:ext uri="{FF2B5EF4-FFF2-40B4-BE49-F238E27FC236}">
+                      <a16:creationId xmlns:a16="http://schemas.microsoft.com/office/drawing/2014/main" id="{156F8E37-A027-F87F-CC4C-212B3D81DCA1}"/>
+                    </a:ext>
+                  </a:extLst>
+                </p:cNvPr>
+                <p:cNvSpPr/>
+                <p:nvPr/>
+              </p:nvSpPr>
+              <p:spPr>
+                <a:xfrm>
+                  <a:off x="3253813" y="2865434"/>
+                  <a:ext cx="2273300" cy="1127125"/>
+                </a:xfrm>
+                <a:prstGeom prst="roundRect">
+                  <a:avLst/>
+                </a:prstGeom>
+                <a:noFill/>
+                <a:ln>
+                  <a:solidFill>
+                    <a:schemeClr val="tx1"/>
+                  </a:solidFill>
+                </a:ln>
+              </p:spPr>
+              <p:style>
+                <a:lnRef idx="2">
+                  <a:schemeClr val="accent1">
+                    <a:shade val="15000"/>
+                  </a:schemeClr>
+                </a:lnRef>
+                <a:fillRef idx="1">
+                  <a:schemeClr val="accent1"/>
+                </a:fillRef>
+                <a:effectRef idx="0">
+                  <a:schemeClr val="accent1"/>
+                </a:effectRef>
+                <a:fontRef idx="minor">
+                  <a:schemeClr val="lt1"/>
+                </a:fontRef>
+              </p:style>
+              <p:txBody>
+                <a:bodyPr rtlCol="0" anchor="ctr"/>
+                <a:lstStyle/>
+                <a:p>
+                  <a:pPr algn="ctr"/>
+                  <a:r>
+                    <a:rPr lang="en-US" altLang="ko-KR" sz="2400" dirty="0">
+                      <a:solidFill>
+                        <a:schemeClr val="tx1"/>
+                      </a:solidFill>
+                      <a:latin typeface="Times New Roman" panose="02020603050405020304" pitchFamily="18" charset="0"/>
+                      <a:cs typeface="Times New Roman" panose="02020603050405020304" pitchFamily="18" charset="0"/>
+                    </a:rPr>
+                    <a:t>Vertical force</a:t>
+                  </a:r>
+                </a:p>
+                <a:p>
+                  <a:pPr algn="ctr"/>
+                  <a:r>
+                    <a:rPr lang="en-US" altLang="ko-KR" sz="2400" dirty="0">
+                      <a:solidFill>
+                        <a:schemeClr val="tx1"/>
+                      </a:solidFill>
+                      <a:latin typeface="Times New Roman" panose="02020603050405020304" pitchFamily="18" charset="0"/>
+                      <a:cs typeface="Times New Roman" panose="02020603050405020304" pitchFamily="18" charset="0"/>
+                    </a:rPr>
+                    <a:t>calculation</a:t>
+                  </a:r>
+                  <a:endParaRPr lang="ko-KR" altLang="en-US" sz="2400" dirty="0">
+                    <a:solidFill>
+                      <a:schemeClr val="tx1"/>
+                    </a:solidFill>
+                    <a:latin typeface="Times New Roman" panose="02020603050405020304" pitchFamily="18" charset="0"/>
+                    <a:cs typeface="Times New Roman" panose="02020603050405020304" pitchFamily="18" charset="0"/>
+                  </a:endParaRPr>
+                </a:p>
+              </p:txBody>
+            </p:sp>
+            <p:sp>
+              <p:nvSpPr>
+                <p:cNvPr id="10" name="사각형: 둥근 모서리 9">
+                  <a:extLst>
+                    <a:ext uri="{FF2B5EF4-FFF2-40B4-BE49-F238E27FC236}">
+                      <a16:creationId xmlns:a16="http://schemas.microsoft.com/office/drawing/2014/main" id="{8A4EFFAF-34C2-E9CC-46A4-E1A8F1A9B781}"/>
+                    </a:ext>
+                  </a:extLst>
+                </p:cNvPr>
+                <p:cNvSpPr/>
+                <p:nvPr/>
+              </p:nvSpPr>
+              <p:spPr>
+                <a:xfrm>
+                  <a:off x="8040436" y="2846385"/>
+                  <a:ext cx="2166062" cy="1127125"/>
+                </a:xfrm>
+                <a:prstGeom prst="roundRect">
+                  <a:avLst/>
+                </a:prstGeom>
+                <a:noFill/>
+                <a:ln>
+                  <a:solidFill>
+                    <a:schemeClr val="tx1"/>
+                  </a:solidFill>
+                </a:ln>
+              </p:spPr>
+              <p:style>
+                <a:lnRef idx="2">
+                  <a:schemeClr val="accent1">
+                    <a:shade val="15000"/>
+                  </a:schemeClr>
+                </a:lnRef>
+                <a:fillRef idx="1">
+                  <a:schemeClr val="accent1"/>
+                </a:fillRef>
+                <a:effectRef idx="0">
+                  <a:schemeClr val="accent1"/>
+                </a:effectRef>
+                <a:fontRef idx="minor">
+                  <a:schemeClr val="lt1"/>
+                </a:fontRef>
+              </p:style>
+              <p:txBody>
+                <a:bodyPr rtlCol="0" anchor="ctr"/>
+                <a:lstStyle/>
+                <a:p>
+                  <a:pPr algn="ctr"/>
+                  <a:r>
+                    <a:rPr lang="en-US" altLang="ko-KR" sz="2400" dirty="0">
+                      <a:solidFill>
+                        <a:schemeClr val="tx1"/>
+                      </a:solidFill>
+                      <a:latin typeface="Times New Roman" panose="02020603050405020304" pitchFamily="18" charset="0"/>
+                      <a:cs typeface="Times New Roman" panose="02020603050405020304" pitchFamily="18" charset="0"/>
+                    </a:rPr>
+                    <a:t>Adaptive Extended Kalman Filter</a:t>
+                  </a:r>
+                  <a:endParaRPr lang="ko-KR" altLang="en-US" sz="2400" dirty="0">
+                    <a:solidFill>
+                      <a:schemeClr val="tx1"/>
+                    </a:solidFill>
+                    <a:latin typeface="Times New Roman" panose="02020603050405020304" pitchFamily="18" charset="0"/>
+                    <a:cs typeface="Times New Roman" panose="02020603050405020304" pitchFamily="18" charset="0"/>
+                  </a:endParaRPr>
+                </a:p>
+              </p:txBody>
+            </p:sp>
+            <p:cxnSp>
+              <p:nvCxnSpPr>
+                <p:cNvPr id="12" name="직선 화살표 연결선 11">
+                  <a:extLst>
+                    <a:ext uri="{FF2B5EF4-FFF2-40B4-BE49-F238E27FC236}">
+                      <a16:creationId xmlns:a16="http://schemas.microsoft.com/office/drawing/2014/main" id="{819F99CD-245C-F8A2-7438-BDB52E4E4CE1}"/>
+                    </a:ext>
+                  </a:extLst>
+                </p:cNvPr>
+                <p:cNvCxnSpPr>
+                  <a:cxnSpLocks/>
+                  <a:stCxn id="7" idx="3"/>
+                  <a:endCxn id="10" idx="1"/>
+                </p:cNvCxnSpPr>
+                <p:nvPr/>
+              </p:nvCxnSpPr>
+              <p:spPr>
+                <a:xfrm flipV="1">
+                  <a:off x="5527113" y="3409948"/>
+                  <a:ext cx="2513323" cy="19049"/>
+                </a:xfrm>
+                <a:prstGeom prst="straightConnector1">
+                  <a:avLst/>
+                </a:prstGeom>
+                <a:ln>
+                  <a:solidFill>
+                    <a:schemeClr val="tx1"/>
+                  </a:solidFill>
+                  <a:tailEnd type="triangle"/>
+                </a:ln>
+              </p:spPr>
+              <p:style>
+                <a:lnRef idx="2">
+                  <a:schemeClr val="accent1"/>
+                </a:lnRef>
+                <a:fillRef idx="0">
+                  <a:schemeClr val="accent1"/>
+                </a:fillRef>
+                <a:effectRef idx="1">
+                  <a:schemeClr val="accent1"/>
+                </a:effectRef>
+                <a:fontRef idx="minor">
+                  <a:schemeClr val="tx1"/>
+                </a:fontRef>
+              </p:style>
+            </p:cxnSp>
+          </p:grpSp>
+          <p:sp>
+            <p:nvSpPr>
+              <p:cNvPr id="26" name="TextBox 25">
+                <a:extLst>
+                  <a:ext uri="{FF2B5EF4-FFF2-40B4-BE49-F238E27FC236}">
+                    <a16:creationId xmlns:a16="http://schemas.microsoft.com/office/drawing/2014/main" id="{535B2B62-824A-0A73-8F57-E2F82BC528D8}"/>
+                  </a:ext>
+                </a:extLst>
+              </p:cNvPr>
+              <p:cNvSpPr txBox="1"/>
+              <p:nvPr/>
+            </p:nvSpPr>
+            <p:spPr>
+              <a:xfrm>
+                <a:off x="1338798" y="2419154"/>
+                <a:ext cx="1202927" cy="830997"/>
+              </a:xfrm>
+              <a:prstGeom prst="rect">
+                <a:avLst/>
+              </a:prstGeom>
+              <a:noFill/>
+            </p:spPr>
+            <p:txBody>
+              <a:bodyPr wrap="square" rtlCol="0">
+                <a:spAutoFit/>
+              </a:bodyPr>
+              <a:lstStyle/>
+              <a:p>
+                <a:pPr algn="ctr"/>
+                <a:r>
+                  <a:rPr lang="en-US" altLang="ko-KR" sz="2400" dirty="0">
+                    <a:latin typeface="Times New Roman" panose="02020603050405020304" pitchFamily="18" charset="0"/>
+                    <a:cs typeface="Times New Roman" panose="02020603050405020304" pitchFamily="18" charset="0"/>
+                  </a:rPr>
+                  <a:t>Sensor </a:t>
+                </a:r>
+              </a:p>
+              <a:p>
+                <a:pPr algn="ctr"/>
+                <a:r>
+                  <a:rPr lang="en-US" altLang="ko-KR" sz="2400" dirty="0">
+                    <a:latin typeface="Times New Roman" panose="02020603050405020304" pitchFamily="18" charset="0"/>
+                    <a:cs typeface="Times New Roman" panose="02020603050405020304" pitchFamily="18" charset="0"/>
+                  </a:rPr>
+                  <a:t>data</a:t>
+                </a:r>
+              </a:p>
+            </p:txBody>
+          </p:sp>
+        </p:grpSp>
+        <p:cxnSp>
+          <p:nvCxnSpPr>
+            <p:cNvPr id="71" name="연결선: 꺾임 70">
+              <a:extLst>
+                <a:ext uri="{FF2B5EF4-FFF2-40B4-BE49-F238E27FC236}">
+                  <a16:creationId xmlns:a16="http://schemas.microsoft.com/office/drawing/2014/main" id="{E4B60A48-C21C-81C2-A2BA-DF0F70542C2D}"/>
+                </a:ext>
+              </a:extLst>
+            </p:cNvPr>
+            <p:cNvCxnSpPr>
+              <a:cxnSpLocks/>
+              <a:stCxn id="10" idx="3"/>
+              <a:endCxn id="2" idx="3"/>
+            </p:cNvCxnSpPr>
+            <p:nvPr/>
+          </p:nvCxnSpPr>
+          <p:spPr>
+            <a:xfrm flipH="1">
+              <a:off x="10850725" y="3778792"/>
+              <a:ext cx="38100" cy="2028831"/>
+            </a:xfrm>
+            <a:prstGeom prst="bentConnector3">
+              <a:avLst>
+                <a:gd name="adj1" fmla="val -600000"/>
+              </a:avLst>
+            </a:prstGeom>
+            <a:ln>
+              <a:solidFill>
+                <a:schemeClr val="tx1"/>
+              </a:solidFill>
+              <a:tailEnd type="triangle"/>
+            </a:ln>
+          </p:spPr>
+          <p:style>
+            <a:lnRef idx="2">
+              <a:schemeClr val="accent1"/>
+            </a:lnRef>
+            <a:fillRef idx="0">
+              <a:schemeClr val="accent1"/>
+            </a:fillRef>
+            <a:effectRef idx="1">
+              <a:schemeClr val="accent1"/>
+            </a:effectRef>
+            <a:fontRef idx="minor">
+              <a:schemeClr val="tx1"/>
+            </a:fontRef>
+          </p:style>
+        </p:cxnSp>
+        <p:graphicFrame>
+          <p:nvGraphicFramePr>
+            <p:cNvPr id="72" name="개체 71">
+              <a:extLst>
+                <a:ext uri="{FF2B5EF4-FFF2-40B4-BE49-F238E27FC236}">
+                  <a16:creationId xmlns:a16="http://schemas.microsoft.com/office/drawing/2014/main" id="{B96344F3-816D-F91F-DC88-EED92667F042}"/>
+                </a:ext>
+              </a:extLst>
+            </p:cNvPr>
+            <p:cNvGraphicFramePr>
+              <a:graphicFrameLocks noChangeAspect="1"/>
+            </p:cNvGraphicFramePr>
+            <p:nvPr>
+              <p:extLst>
+                <p:ext uri="{D42A27DB-BD31-4B8C-83A1-F6EECF244321}">
+                  <p14:modId xmlns:p14="http://schemas.microsoft.com/office/powerpoint/2010/main" val="3315174902"/>
+                </p:ext>
+              </p:extLst>
+            </p:nvPr>
+          </p:nvGraphicFramePr>
+          <p:xfrm>
+            <a:off x="11160043" y="3809141"/>
+            <a:ext cx="965200" cy="1981200"/>
+          </p:xfrm>
+          <a:graphic>
+            <a:graphicData uri="http://schemas.openxmlformats.org/presentationml/2006/ole">
+              <mc:AlternateContent xmlns:mc="http://schemas.openxmlformats.org/markup-compatibility/2006">
+                <mc:Choice xmlns:v="urn:schemas-microsoft-com:vml" Requires="v">
+                  <p:oleObj name="Equation" r:id="rId2" imgW="965160" imgH="1981080" progId="Equation.DSMT4">
+                    <p:embed/>
+                  </p:oleObj>
+                </mc:Choice>
+                <mc:Fallback>
+                  <p:oleObj name="Equation" r:id="rId2" imgW="965160" imgH="1981080" progId="Equation.DSMT4">
+                    <p:embed/>
+                    <p:pic>
+                      <p:nvPicPr>
+                        <p:cNvPr id="72" name="개체 71">
+                          <a:extLst>
+                            <a:ext uri="{FF2B5EF4-FFF2-40B4-BE49-F238E27FC236}">
+                              <a16:creationId xmlns:a16="http://schemas.microsoft.com/office/drawing/2014/main" id="{B96344F3-816D-F91F-DC88-EED92667F042}"/>
+                            </a:ext>
+                          </a:extLst>
+                        </p:cNvPr>
+                        <p:cNvPicPr/>
+                        <p:nvPr/>
+                      </p:nvPicPr>
+                      <p:blipFill>
+                        <a:blip r:embed="rId3"/>
+                        <a:stretch>
+                          <a:fillRect/>
+                        </a:stretch>
+                      </p:blipFill>
+                      <p:spPr>
+                        <a:xfrm>
+                          <a:off x="11160043" y="3809141"/>
+                          <a:ext cx="965200" cy="1981200"/>
+                        </a:xfrm>
+                        <a:prstGeom prst="rect">
+                          <a:avLst/>
+                        </a:prstGeom>
+                      </p:spPr>
+                    </p:pic>
+                  </p:oleObj>
+                </mc:Fallback>
+              </mc:AlternateContent>
+            </a:graphicData>
+          </a:graphic>
+        </p:graphicFrame>
+        <p:sp>
+          <p:nvSpPr>
+            <p:cNvPr id="2" name="사각형: 둥근 모서리 1">
+              <a:extLst>
+                <a:ext uri="{FF2B5EF4-FFF2-40B4-BE49-F238E27FC236}">
+                  <a16:creationId xmlns:a16="http://schemas.microsoft.com/office/drawing/2014/main" id="{0C4E13C0-1700-AEF2-6A52-4073EF54B423}"/>
+                </a:ext>
+              </a:extLst>
+            </p:cNvPr>
+            <p:cNvSpPr/>
+            <p:nvPr/>
+          </p:nvSpPr>
+          <p:spPr>
+            <a:xfrm>
+              <a:off x="8722763" y="5244060"/>
+              <a:ext cx="2127962" cy="1127125"/>
+            </a:xfrm>
+            <a:prstGeom prst="roundRect">
+              <a:avLst/>
+            </a:prstGeom>
+            <a:noFill/>
+            <a:ln>
+              <a:solidFill>
+                <a:schemeClr val="tx1"/>
+              </a:solidFill>
+            </a:ln>
+          </p:spPr>
+          <p:style>
+            <a:lnRef idx="2">
+              <a:schemeClr val="accent1">
+                <a:shade val="15000"/>
+              </a:schemeClr>
+            </a:lnRef>
+            <a:fillRef idx="1">
+              <a:schemeClr val="accent1"/>
+            </a:fillRef>
+            <a:effectRef idx="0">
+              <a:schemeClr val="accent1"/>
+            </a:effectRef>
+            <a:fontRef idx="minor">
+              <a:schemeClr val="lt1"/>
+            </a:fontRef>
+          </p:style>
+          <p:txBody>
+            <a:bodyPr rtlCol="0" anchor="ctr"/>
+            <a:lstStyle/>
+            <a:p>
+              <a:r>
+                <a:rPr lang="en-US" altLang="ko-KR" sz="2400" dirty="0">
+                  <a:solidFill>
+                    <a:schemeClr val="tx1"/>
+                  </a:solidFill>
+                  <a:latin typeface="Times New Roman" panose="02020603050405020304" pitchFamily="18" charset="0"/>
+                  <a:cs typeface="Times New Roman" panose="02020603050405020304" pitchFamily="18" charset="0"/>
+                </a:rPr>
+                <a:t>      calculation</a:t>
+              </a:r>
+              <a:endParaRPr lang="ko-KR" altLang="en-US" sz="2400" dirty="0">
+                <a:solidFill>
+                  <a:schemeClr val="tx1"/>
+                </a:solidFill>
+                <a:latin typeface="Times New Roman" panose="02020603050405020304" pitchFamily="18" charset="0"/>
+                <a:cs typeface="Times New Roman" panose="02020603050405020304" pitchFamily="18" charset="0"/>
+              </a:endParaRPr>
+            </a:p>
+          </p:txBody>
+        </p:sp>
+        <p:sp>
+          <p:nvSpPr>
+            <p:cNvPr id="8" name="사각형: 둥근 모서리 7">
+              <a:extLst>
+                <a:ext uri="{FF2B5EF4-FFF2-40B4-BE49-F238E27FC236}">
+                  <a16:creationId xmlns:a16="http://schemas.microsoft.com/office/drawing/2014/main" id="{9C3915A5-3134-18E1-B543-08CFCE33B964}"/>
+                </a:ext>
+              </a:extLst>
+            </p:cNvPr>
+            <p:cNvSpPr/>
+            <p:nvPr/>
+          </p:nvSpPr>
+          <p:spPr>
+            <a:xfrm>
+              <a:off x="3904263" y="5244059"/>
+              <a:ext cx="2273300" cy="1127125"/>
+            </a:xfrm>
+            <a:prstGeom prst="roundRect">
+              <a:avLst/>
+            </a:prstGeom>
+            <a:noFill/>
+            <a:ln>
+              <a:solidFill>
+                <a:schemeClr val="tx1"/>
+              </a:solidFill>
+            </a:ln>
+          </p:spPr>
+          <p:style>
+            <a:lnRef idx="2">
+              <a:schemeClr val="accent1">
+                <a:shade val="15000"/>
+              </a:schemeClr>
+            </a:lnRef>
+            <a:fillRef idx="1">
+              <a:schemeClr val="accent1"/>
+            </a:fillRef>
+            <a:effectRef idx="0">
+              <a:schemeClr val="accent1"/>
+            </a:effectRef>
+            <a:fontRef idx="minor">
+              <a:schemeClr val="lt1"/>
+            </a:fontRef>
+          </p:style>
+          <p:txBody>
+            <a:bodyPr rtlCol="0" anchor="ctr"/>
+            <a:lstStyle/>
+            <a:p>
+              <a:pPr algn="ctr"/>
+              <a:r>
+                <a:rPr lang="en-US" altLang="ko-KR" sz="2400" dirty="0">
+                  <a:solidFill>
+                    <a:schemeClr val="tx1"/>
+                  </a:solidFill>
+                  <a:latin typeface="Times New Roman" panose="02020603050405020304" pitchFamily="18" charset="0"/>
+                  <a:cs typeface="Times New Roman" panose="02020603050405020304" pitchFamily="18" charset="0"/>
+                </a:rPr>
+                <a:t>Sliding Mode Control</a:t>
+              </a:r>
+              <a:endParaRPr lang="ko-KR" altLang="en-US" sz="2400" dirty="0">
+                <a:solidFill>
+                  <a:schemeClr val="tx1"/>
+                </a:solidFill>
+                <a:latin typeface="Times New Roman" panose="02020603050405020304" pitchFamily="18" charset="0"/>
+                <a:cs typeface="Times New Roman" panose="02020603050405020304" pitchFamily="18" charset="0"/>
+              </a:endParaRPr>
+            </a:p>
+          </p:txBody>
+        </p:sp>
+        <p:cxnSp>
+          <p:nvCxnSpPr>
+            <p:cNvPr id="14" name="직선 화살표 연결선 13">
+              <a:extLst>
+                <a:ext uri="{FF2B5EF4-FFF2-40B4-BE49-F238E27FC236}">
+                  <a16:creationId xmlns:a16="http://schemas.microsoft.com/office/drawing/2014/main" id="{4C95694F-00D3-69FB-8365-EEF04C85171D}"/>
+                </a:ext>
+              </a:extLst>
+            </p:cNvPr>
+            <p:cNvCxnSpPr>
+              <a:cxnSpLocks/>
+              <a:stCxn id="2" idx="1"/>
+              <a:endCxn id="8" idx="3"/>
+            </p:cNvCxnSpPr>
+            <p:nvPr/>
+          </p:nvCxnSpPr>
+          <p:spPr>
+            <a:xfrm flipH="1" flipV="1">
+              <a:off x="6177563" y="5807622"/>
+              <a:ext cx="2545200" cy="1"/>
+            </a:xfrm>
+            <a:prstGeom prst="straightConnector1">
+              <a:avLst/>
+            </a:prstGeom>
+            <a:ln>
+              <a:tailEnd type="triangle"/>
+            </a:ln>
+          </p:spPr>
+          <p:style>
+            <a:lnRef idx="2">
+              <a:schemeClr val="dk1"/>
+            </a:lnRef>
+            <a:fillRef idx="0">
+              <a:schemeClr val="dk1"/>
+            </a:fillRef>
+            <a:effectRef idx="1">
+              <a:schemeClr val="dk1"/>
+            </a:effectRef>
+            <a:fontRef idx="minor">
+              <a:schemeClr val="tx1"/>
+            </a:fontRef>
+          </p:style>
+        </p:cxnSp>
+        <p:sp>
+          <p:nvSpPr>
+            <p:cNvPr id="15" name="사각형: 둥근 모서리 14">
+              <a:extLst>
+                <a:ext uri="{FF2B5EF4-FFF2-40B4-BE49-F238E27FC236}">
+                  <a16:creationId xmlns:a16="http://schemas.microsoft.com/office/drawing/2014/main" id="{59D24ABD-267E-E029-A88D-05BF0F8AA281}"/>
+                </a:ext>
+              </a:extLst>
+            </p:cNvPr>
+            <p:cNvSpPr/>
+            <p:nvPr/>
+          </p:nvSpPr>
+          <p:spPr>
+            <a:xfrm>
+              <a:off x="6647126" y="1369606"/>
+              <a:ext cx="2685740" cy="1127125"/>
+            </a:xfrm>
+            <a:prstGeom prst="roundRect">
+              <a:avLst/>
+            </a:prstGeom>
+            <a:solidFill>
+              <a:srgbClr val="FFCC00"/>
+            </a:solidFill>
+            <a:ln>
+              <a:solidFill>
+                <a:schemeClr val="tx1"/>
+              </a:solidFill>
+            </a:ln>
+          </p:spPr>
+          <p:style>
+            <a:lnRef idx="2">
+              <a:schemeClr val="accent1">
+                <a:shade val="15000"/>
+              </a:schemeClr>
+            </a:lnRef>
+            <a:fillRef idx="1">
+              <a:schemeClr val="accent1"/>
+            </a:fillRef>
+            <a:effectRef idx="0">
+              <a:schemeClr val="accent1"/>
+            </a:effectRef>
+            <a:fontRef idx="minor">
+              <a:schemeClr val="lt1"/>
+            </a:fontRef>
+          </p:style>
+          <p:txBody>
+            <a:bodyPr rtlCol="0" anchor="ctr"/>
+            <a:lstStyle/>
+            <a:p>
+              <a:pPr algn="ctr"/>
+              <a:r>
+                <a:rPr lang="en-US" altLang="ko-KR" sz="2000" dirty="0">
+                  <a:solidFill>
+                    <a:schemeClr val="tx1"/>
+                  </a:solidFill>
+                  <a:latin typeface="Times New Roman" panose="02020603050405020304" pitchFamily="18" charset="0"/>
+                  <a:cs typeface="Times New Roman" panose="02020603050405020304" pitchFamily="18" charset="0"/>
+                </a:rPr>
+                <a:t>Cornering stiffness optimization</a:t>
+              </a:r>
+              <a:endParaRPr lang="ko-KR" altLang="en-US" sz="2000" dirty="0">
+                <a:solidFill>
+                  <a:schemeClr val="tx1"/>
+                </a:solidFill>
+                <a:latin typeface="Times New Roman" panose="02020603050405020304" pitchFamily="18" charset="0"/>
+                <a:cs typeface="Times New Roman" panose="02020603050405020304" pitchFamily="18" charset="0"/>
+              </a:endParaRPr>
+            </a:p>
+          </p:txBody>
+        </p:sp>
+        <p:cxnSp>
+          <p:nvCxnSpPr>
+            <p:cNvPr id="21" name="연결선: 꺾임 20">
+              <a:extLst>
+                <a:ext uri="{FF2B5EF4-FFF2-40B4-BE49-F238E27FC236}">
+                  <a16:creationId xmlns:a16="http://schemas.microsoft.com/office/drawing/2014/main" id="{334EB9F2-DF33-4A5B-79E3-C5AAE0DD1C00}"/>
+                </a:ext>
+              </a:extLst>
+            </p:cNvPr>
+            <p:cNvCxnSpPr>
+              <a:cxnSpLocks/>
+              <a:stCxn id="7" idx="3"/>
+              <a:endCxn id="15" idx="1"/>
+            </p:cNvCxnSpPr>
+            <p:nvPr/>
+          </p:nvCxnSpPr>
+          <p:spPr>
+            <a:xfrm flipV="1">
+              <a:off x="6209440" y="1933169"/>
+              <a:ext cx="437686" cy="1864672"/>
+            </a:xfrm>
+            <a:prstGeom prst="bentConnector3">
+              <a:avLst>
+                <a:gd name="adj1" fmla="val 50000"/>
+              </a:avLst>
+            </a:prstGeom>
+            <a:ln>
+              <a:solidFill>
+                <a:schemeClr val="tx1"/>
+              </a:solidFill>
+              <a:tailEnd type="triangle"/>
+            </a:ln>
+          </p:spPr>
+          <p:style>
+            <a:lnRef idx="2">
+              <a:schemeClr val="accent1"/>
+            </a:lnRef>
+            <a:fillRef idx="0">
+              <a:schemeClr val="accent1"/>
+            </a:fillRef>
+            <a:effectRef idx="1">
+              <a:schemeClr val="accent1"/>
+            </a:effectRef>
+            <a:fontRef idx="minor">
+              <a:schemeClr val="tx1"/>
+            </a:fontRef>
+          </p:style>
+        </p:cxnSp>
+        <p:cxnSp>
+          <p:nvCxnSpPr>
+            <p:cNvPr id="27" name="연결선: 꺾임 26">
+              <a:extLst>
+                <a:ext uri="{FF2B5EF4-FFF2-40B4-BE49-F238E27FC236}">
+                  <a16:creationId xmlns:a16="http://schemas.microsoft.com/office/drawing/2014/main" id="{83736AE5-4F35-72DA-0EBB-F6F07EF23898}"/>
+                </a:ext>
+              </a:extLst>
+            </p:cNvPr>
+            <p:cNvCxnSpPr>
+              <a:cxnSpLocks/>
+              <a:stCxn id="15" idx="3"/>
+              <a:endCxn id="10" idx="0"/>
+            </p:cNvCxnSpPr>
+            <p:nvPr/>
+          </p:nvCxnSpPr>
+          <p:spPr>
+            <a:xfrm>
+              <a:off x="9332866" y="1933169"/>
+              <a:ext cx="472928" cy="1282060"/>
+            </a:xfrm>
+            <a:prstGeom prst="bentConnector2">
+              <a:avLst/>
+            </a:prstGeom>
+            <a:ln>
+              <a:solidFill>
+                <a:schemeClr val="tx1"/>
+              </a:solidFill>
+              <a:tailEnd type="triangle"/>
+            </a:ln>
+          </p:spPr>
+          <p:style>
+            <a:lnRef idx="2">
+              <a:schemeClr val="accent1"/>
+            </a:lnRef>
+            <a:fillRef idx="0">
+              <a:schemeClr val="accent1"/>
+            </a:fillRef>
+            <a:effectRef idx="1">
+              <a:schemeClr val="accent1"/>
+            </a:effectRef>
+            <a:fontRef idx="minor">
+              <a:schemeClr val="tx1"/>
+            </a:fontRef>
+          </p:style>
+        </p:cxnSp>
+        <p:sp>
+          <p:nvSpPr>
+            <p:cNvPr id="31" name="직사각형 30">
+              <a:extLst>
+                <a:ext uri="{FF2B5EF4-FFF2-40B4-BE49-F238E27FC236}">
+                  <a16:creationId xmlns:a16="http://schemas.microsoft.com/office/drawing/2014/main" id="{9D665D0E-8112-4AEB-B5FC-54C99FB7D68D}"/>
+                </a:ext>
+              </a:extLst>
+            </p:cNvPr>
+            <p:cNvSpPr/>
+            <p:nvPr/>
+          </p:nvSpPr>
+          <p:spPr>
+            <a:xfrm>
+              <a:off x="152400" y="2654301"/>
+              <a:ext cx="12190575" cy="3944620"/>
+            </a:xfrm>
+            <a:prstGeom prst="rect">
+              <a:avLst/>
+            </a:prstGeom>
+            <a:noFill/>
+            <a:ln>
+              <a:solidFill>
+                <a:schemeClr val="tx1"/>
+              </a:solidFill>
+              <a:prstDash val="dash"/>
+            </a:ln>
+          </p:spPr>
+          <p:style>
+            <a:lnRef idx="2">
+              <a:schemeClr val="accent1">
+                <a:shade val="15000"/>
+              </a:schemeClr>
+            </a:lnRef>
+            <a:fillRef idx="1">
+              <a:schemeClr val="accent1"/>
+            </a:fillRef>
+            <a:effectRef idx="0">
+              <a:schemeClr val="accent1"/>
+            </a:effectRef>
+            <a:fontRef idx="minor">
+              <a:schemeClr val="lt1"/>
+            </a:fontRef>
+          </p:style>
+          <p:txBody>
+            <a:bodyPr rtlCol="0" anchor="ctr"/>
+            <a:lstStyle/>
+            <a:p>
+              <a:pPr algn="ctr"/>
+              <a:endParaRPr lang="ko-KR" altLang="en-US"/>
+            </a:p>
+          </p:txBody>
+        </p:sp>
+        <p:grpSp>
+          <p:nvGrpSpPr>
+            <p:cNvPr id="41" name="그룹 40">
+              <a:extLst>
+                <a:ext uri="{FF2B5EF4-FFF2-40B4-BE49-F238E27FC236}">
+                  <a16:creationId xmlns:a16="http://schemas.microsoft.com/office/drawing/2014/main" id="{633897F3-0A60-8EEB-C6C7-BCC269626361}"/>
+                </a:ext>
+              </a:extLst>
+            </p:cNvPr>
+            <p:cNvGrpSpPr/>
+            <p:nvPr/>
+          </p:nvGrpSpPr>
+          <p:grpSpPr>
+            <a:xfrm>
+              <a:off x="255155" y="5271987"/>
+              <a:ext cx="1733550" cy="889946"/>
+              <a:chOff x="548186" y="5897111"/>
+              <a:chExt cx="1882140" cy="914400"/>
             </a:xfrm>
           </p:grpSpPr>
           <p:pic>
             <p:nvPicPr>
-              <p:cNvPr id="4" name="그림 3">
+              <p:cNvPr id="39" name="그림 38">
                 <a:extLst>
                   <a:ext uri="{FF2B5EF4-FFF2-40B4-BE49-F238E27FC236}">
-                    <a16:creationId xmlns:a16="http://schemas.microsoft.com/office/drawing/2014/main" id="{1954D5AF-8D45-502F-3E35-10FE39AED040}"/>
+                    <a16:creationId xmlns:a16="http://schemas.microsoft.com/office/drawing/2014/main" id="{9A78C5FB-CAF0-C6E4-E312-4589E022C3B4}"/>
                   </a:ext>
                 </a:extLst>
               </p:cNvPr>
@@ -6561,27 +7453,36 @@
               <p:nvPr/>
             </p:nvPicPr>
             <p:blipFill>
-              <a:blip r:embed="rId2"/>
+              <a:blip r:embed="rId4">
+                <a:extLst>
+                  <a:ext uri="{28A0092B-C50C-407E-A947-70E740481C1C}">
+                    <a14:useLocalDpi xmlns:a14="http://schemas.microsoft.com/office/drawing/2010/main" val="0"/>
+                  </a:ext>
+                </a:extLst>
+              </a:blip>
               <a:stretch>
                 <a:fillRect/>
               </a:stretch>
             </p:blipFill>
             <p:spPr>
               <a:xfrm>
-                <a:off x="-108795" y="3095950"/>
-                <a:ext cx="1228896" cy="581106"/>
+                <a:off x="708006" y="5907213"/>
+                <a:ext cx="1529085" cy="871449"/>
               </a:xfrm>
               <a:prstGeom prst="rect">
                 <a:avLst/>
               </a:prstGeom>
+              <a:ln>
+                <a:noFill/>
+              </a:ln>
             </p:spPr>
           </p:pic>
           <p:sp>
             <p:nvSpPr>
-              <p:cNvPr id="5" name="사각형: 둥근 모서리 4">
+              <p:cNvPr id="40" name="사각형: 둥근 모서리 39">
                 <a:extLst>
                   <a:ext uri="{FF2B5EF4-FFF2-40B4-BE49-F238E27FC236}">
-                    <a16:creationId xmlns:a16="http://schemas.microsoft.com/office/drawing/2014/main" id="{D3A06B0F-BD62-AA14-45CD-956E99122FAA}"/>
+                    <a16:creationId xmlns:a16="http://schemas.microsoft.com/office/drawing/2014/main" id="{06D05A99-8ABB-ED76-3087-F991B8ECABAA}"/>
                   </a:ext>
                 </a:extLst>
               </p:cNvPr>
@@ -6590,8 +7491,8 @@
             </p:nvSpPr>
             <p:spPr>
               <a:xfrm>
-                <a:off x="-361122" y="2865434"/>
-                <a:ext cx="1733550" cy="1127125"/>
+                <a:off x="548186" y="5897111"/>
+                <a:ext cx="1882140" cy="914400"/>
               </a:xfrm>
               <a:prstGeom prst="roundRect">
                 <a:avLst/>
@@ -6624,670 +7525,407 @@
               <a:lstStyle/>
               <a:p>
                 <a:pPr algn="ctr"/>
-                <a:endParaRPr lang="ko-KR" altLang="en-US" b="1" dirty="0"/>
-              </a:p>
-            </p:txBody>
-          </p:sp>
-          <p:sp>
-            <p:nvSpPr>
-              <p:cNvPr id="6" name="TextBox 5">
-                <a:extLst>
-                  <a:ext uri="{FF2B5EF4-FFF2-40B4-BE49-F238E27FC236}">
-                    <a16:creationId xmlns:a16="http://schemas.microsoft.com/office/drawing/2014/main" id="{38920677-CC45-9CC7-3DA7-68E983665473}"/>
-                  </a:ext>
-                </a:extLst>
-              </p:cNvPr>
-              <p:cNvSpPr txBox="1"/>
-              <p:nvPr/>
-            </p:nvSpPr>
-            <p:spPr>
-              <a:xfrm>
-                <a:off x="-181740" y="3634753"/>
-                <a:ext cx="1374785" cy="400110"/>
-              </a:xfrm>
-              <a:prstGeom prst="rect">
-                <a:avLst/>
-              </a:prstGeom>
-              <a:noFill/>
-            </p:spPr>
-            <p:txBody>
-              <a:bodyPr wrap="square" rtlCol="0">
-                <a:spAutoFit/>
-              </a:bodyPr>
-              <a:lstStyle/>
-              <a:p>
-                <a:r>
-                  <a:rPr lang="en-US" altLang="ko-KR" sz="2000" dirty="0">
-                    <a:latin typeface="Times New Roman" panose="02020603050405020304" pitchFamily="18" charset="0"/>
-                    <a:cs typeface="Times New Roman" panose="02020603050405020304" pitchFamily="18" charset="0"/>
-                  </a:rPr>
-                  <a:t>Simulation</a:t>
-                </a:r>
-                <a:endParaRPr lang="ko-KR" altLang="en-US" sz="2000" dirty="0">
-                  <a:latin typeface="Times New Roman" panose="02020603050405020304" pitchFamily="18" charset="0"/>
-                  <a:cs typeface="Times New Roman" panose="02020603050405020304" pitchFamily="18" charset="0"/>
-                </a:endParaRPr>
-              </a:p>
-            </p:txBody>
-          </p:sp>
-          <p:sp>
-            <p:nvSpPr>
-              <p:cNvPr id="7" name="사각형: 둥근 모서리 6">
-                <a:extLst>
-                  <a:ext uri="{FF2B5EF4-FFF2-40B4-BE49-F238E27FC236}">
-                    <a16:creationId xmlns:a16="http://schemas.microsoft.com/office/drawing/2014/main" id="{156F8E37-A027-F87F-CC4C-212B3D81DCA1}"/>
-                  </a:ext>
-                </a:extLst>
-              </p:cNvPr>
-              <p:cNvSpPr/>
-              <p:nvPr/>
-            </p:nvSpPr>
-            <p:spPr>
-              <a:xfrm>
-                <a:off x="3551771" y="2865434"/>
-                <a:ext cx="1945149" cy="1127125"/>
-              </a:xfrm>
-              <a:prstGeom prst="roundRect">
-                <a:avLst/>
-              </a:prstGeom>
-              <a:noFill/>
-              <a:ln>
-                <a:solidFill>
-                  <a:schemeClr val="tx1"/>
-                </a:solidFill>
-              </a:ln>
-            </p:spPr>
-            <p:style>
-              <a:lnRef idx="2">
-                <a:schemeClr val="accent1">
-                  <a:shade val="15000"/>
-                </a:schemeClr>
-              </a:lnRef>
-              <a:fillRef idx="1">
-                <a:schemeClr val="accent1"/>
-              </a:fillRef>
-              <a:effectRef idx="0">
-                <a:schemeClr val="accent1"/>
-              </a:effectRef>
-              <a:fontRef idx="minor">
-                <a:schemeClr val="lt1"/>
-              </a:fontRef>
-            </p:style>
-            <p:txBody>
-              <a:bodyPr rtlCol="0" anchor="ctr"/>
-              <a:lstStyle/>
-              <a:p>
-                <a:pPr algn="ctr"/>
-                <a:r>
-                  <a:rPr lang="en-US" altLang="ko-KR" sz="2000" dirty="0">
-                    <a:solidFill>
-                      <a:schemeClr val="tx1"/>
-                    </a:solidFill>
-                    <a:latin typeface="Times New Roman" panose="02020603050405020304" pitchFamily="18" charset="0"/>
-                    <a:cs typeface="Times New Roman" panose="02020603050405020304" pitchFamily="18" charset="0"/>
-                  </a:rPr>
-                  <a:t>Vertical force</a:t>
-                </a:r>
-              </a:p>
-              <a:p>
-                <a:pPr algn="ctr"/>
-                <a:r>
-                  <a:rPr lang="en-US" altLang="ko-KR" sz="2000" dirty="0">
-                    <a:solidFill>
-                      <a:schemeClr val="tx1"/>
-                    </a:solidFill>
-                    <a:latin typeface="Times New Roman" panose="02020603050405020304" pitchFamily="18" charset="0"/>
-                    <a:cs typeface="Times New Roman" panose="02020603050405020304" pitchFamily="18" charset="0"/>
-                  </a:rPr>
-                  <a:t>calculation</a:t>
-                </a:r>
-                <a:endParaRPr lang="ko-KR" altLang="en-US" sz="2000" dirty="0">
-                  <a:solidFill>
-                    <a:schemeClr val="tx1"/>
-                  </a:solidFill>
-                  <a:latin typeface="Times New Roman" panose="02020603050405020304" pitchFamily="18" charset="0"/>
-                  <a:cs typeface="Times New Roman" panose="02020603050405020304" pitchFamily="18" charset="0"/>
-                </a:endParaRPr>
-              </a:p>
-            </p:txBody>
-          </p:sp>
-          <p:cxnSp>
-            <p:nvCxnSpPr>
-              <p:cNvPr id="9" name="직선 화살표 연결선 8">
-                <a:extLst>
-                  <a:ext uri="{FF2B5EF4-FFF2-40B4-BE49-F238E27FC236}">
-                    <a16:creationId xmlns:a16="http://schemas.microsoft.com/office/drawing/2014/main" id="{273B194D-13DA-2CAD-10DD-E0D27689DB3F}"/>
-                  </a:ext>
-                </a:extLst>
-              </p:cNvPr>
-              <p:cNvCxnSpPr>
-                <a:cxnSpLocks/>
-                <a:stCxn id="5" idx="3"/>
-                <a:endCxn id="7" idx="1"/>
-              </p:cNvCxnSpPr>
-              <p:nvPr/>
-            </p:nvCxnSpPr>
-            <p:spPr>
-              <a:xfrm>
-                <a:off x="1372428" y="3428997"/>
-                <a:ext cx="2179343" cy="0"/>
-              </a:xfrm>
-              <a:prstGeom prst="straightConnector1">
-                <a:avLst/>
-              </a:prstGeom>
-              <a:ln>
-                <a:solidFill>
-                  <a:schemeClr val="tx1"/>
-                </a:solidFill>
-                <a:tailEnd type="triangle"/>
-              </a:ln>
-            </p:spPr>
-            <p:style>
-              <a:lnRef idx="2">
-                <a:schemeClr val="accent1"/>
-              </a:lnRef>
-              <a:fillRef idx="0">
-                <a:schemeClr val="accent1"/>
-              </a:fillRef>
-              <a:effectRef idx="1">
-                <a:schemeClr val="accent1"/>
-              </a:effectRef>
-              <a:fontRef idx="minor">
-                <a:schemeClr val="tx1"/>
-              </a:fontRef>
-            </p:style>
-          </p:cxnSp>
-          <p:sp>
-            <p:nvSpPr>
-              <p:cNvPr id="10" name="사각형: 둥근 모서리 9">
-                <a:extLst>
-                  <a:ext uri="{FF2B5EF4-FFF2-40B4-BE49-F238E27FC236}">
-                    <a16:creationId xmlns:a16="http://schemas.microsoft.com/office/drawing/2014/main" id="{8A4EFFAF-34C2-E9CC-46A4-E1A8F1A9B781}"/>
-                  </a:ext>
-                </a:extLst>
-              </p:cNvPr>
-              <p:cNvSpPr/>
-              <p:nvPr/>
-            </p:nvSpPr>
-            <p:spPr>
-              <a:xfrm>
-                <a:off x="7933198" y="2865435"/>
-                <a:ext cx="2273300" cy="1127125"/>
-              </a:xfrm>
-              <a:prstGeom prst="roundRect">
-                <a:avLst/>
-              </a:prstGeom>
-              <a:noFill/>
-              <a:ln>
-                <a:solidFill>
-                  <a:schemeClr val="tx1"/>
-                </a:solidFill>
-              </a:ln>
-            </p:spPr>
-            <p:style>
-              <a:lnRef idx="2">
-                <a:schemeClr val="accent1">
-                  <a:shade val="15000"/>
-                </a:schemeClr>
-              </a:lnRef>
-              <a:fillRef idx="1">
-                <a:schemeClr val="accent1"/>
-              </a:fillRef>
-              <a:effectRef idx="0">
-                <a:schemeClr val="accent1"/>
-              </a:effectRef>
-              <a:fontRef idx="minor">
-                <a:schemeClr val="lt1"/>
-              </a:fontRef>
-            </p:style>
-            <p:txBody>
-              <a:bodyPr rtlCol="0" anchor="ctr"/>
-              <a:lstStyle/>
-              <a:p>
-                <a:pPr algn="ctr"/>
-                <a:r>
-                  <a:rPr lang="en-US" altLang="ko-KR" sz="2000" dirty="0">
-                    <a:solidFill>
-                      <a:schemeClr val="tx1"/>
-                    </a:solidFill>
-                    <a:latin typeface="Times New Roman" panose="02020603050405020304" pitchFamily="18" charset="0"/>
-                    <a:cs typeface="Times New Roman" panose="02020603050405020304" pitchFamily="18" charset="0"/>
-                  </a:rPr>
-                  <a:t>Adaptive Extended Kalman Filter</a:t>
-                </a:r>
-                <a:endParaRPr lang="ko-KR" altLang="en-US" sz="2000" dirty="0">
-                  <a:solidFill>
-                    <a:schemeClr val="tx1"/>
-                  </a:solidFill>
-                  <a:latin typeface="Times New Roman" panose="02020603050405020304" pitchFamily="18" charset="0"/>
-                  <a:cs typeface="Times New Roman" panose="02020603050405020304" pitchFamily="18" charset="0"/>
-                </a:endParaRPr>
-              </a:p>
-            </p:txBody>
-          </p:sp>
-          <p:cxnSp>
-            <p:nvCxnSpPr>
-              <p:cNvPr id="12" name="직선 화살표 연결선 11">
-                <a:extLst>
-                  <a:ext uri="{FF2B5EF4-FFF2-40B4-BE49-F238E27FC236}">
-                    <a16:creationId xmlns:a16="http://schemas.microsoft.com/office/drawing/2014/main" id="{819F99CD-245C-F8A2-7438-BDB52E4E4CE1}"/>
-                  </a:ext>
-                </a:extLst>
-              </p:cNvPr>
-              <p:cNvCxnSpPr>
-                <a:cxnSpLocks/>
-                <a:stCxn id="7" idx="3"/>
-                <a:endCxn id="10" idx="1"/>
-              </p:cNvCxnSpPr>
-              <p:nvPr/>
-            </p:nvCxnSpPr>
-            <p:spPr>
-              <a:xfrm>
-                <a:off x="5496920" y="3428997"/>
-                <a:ext cx="2436278" cy="1"/>
-              </a:xfrm>
-              <a:prstGeom prst="straightConnector1">
-                <a:avLst/>
-              </a:prstGeom>
-              <a:ln>
-                <a:solidFill>
-                  <a:schemeClr val="tx1"/>
-                </a:solidFill>
-                <a:tailEnd type="triangle"/>
-              </a:ln>
-            </p:spPr>
-            <p:style>
-              <a:lnRef idx="2">
-                <a:schemeClr val="accent1"/>
-              </a:lnRef>
-              <a:fillRef idx="0">
-                <a:schemeClr val="accent1"/>
-              </a:fillRef>
-              <a:effectRef idx="1">
-                <a:schemeClr val="accent1"/>
-              </a:effectRef>
-              <a:fontRef idx="minor">
-                <a:schemeClr val="tx1"/>
-              </a:fontRef>
-            </p:style>
-          </p:cxnSp>
-          <p:sp>
-            <p:nvSpPr>
-              <p:cNvPr id="13" name="사각형: 둥근 모서리 12">
-                <a:extLst>
-                  <a:ext uri="{FF2B5EF4-FFF2-40B4-BE49-F238E27FC236}">
-                    <a16:creationId xmlns:a16="http://schemas.microsoft.com/office/drawing/2014/main" id="{43DB56D2-17F5-F9CF-0422-C79DEB91FFAA}"/>
-                  </a:ext>
-                </a:extLst>
-              </p:cNvPr>
-              <p:cNvSpPr/>
-              <p:nvPr/>
-            </p:nvSpPr>
-            <p:spPr>
-              <a:xfrm>
-                <a:off x="7933198" y="4875216"/>
-                <a:ext cx="2273300" cy="1127125"/>
-              </a:xfrm>
-              <a:prstGeom prst="roundRect">
-                <a:avLst/>
-              </a:prstGeom>
-              <a:noFill/>
-              <a:ln>
-                <a:solidFill>
-                  <a:schemeClr val="tx1"/>
-                </a:solidFill>
-              </a:ln>
-            </p:spPr>
-            <p:style>
-              <a:lnRef idx="2">
-                <a:schemeClr val="accent1">
-                  <a:shade val="15000"/>
-                </a:schemeClr>
-              </a:lnRef>
-              <a:fillRef idx="1">
-                <a:schemeClr val="accent1"/>
-              </a:fillRef>
-              <a:effectRef idx="0">
-                <a:schemeClr val="accent1"/>
-              </a:effectRef>
-              <a:fontRef idx="minor">
-                <a:schemeClr val="lt1"/>
-              </a:fontRef>
-            </p:style>
-            <p:txBody>
-              <a:bodyPr rtlCol="0" anchor="ctr"/>
-              <a:lstStyle/>
-              <a:p>
-                <a:pPr algn="ctr"/>
-                <a:r>
-                  <a:rPr lang="en-US" altLang="ko-KR" sz="2000" dirty="0">
-                    <a:solidFill>
-                      <a:schemeClr val="tx1"/>
-                    </a:solidFill>
-                    <a:latin typeface="Times New Roman" panose="02020603050405020304" pitchFamily="18" charset="0"/>
-                    <a:cs typeface="Times New Roman" panose="02020603050405020304" pitchFamily="18" charset="0"/>
-                  </a:rPr>
-                  <a:t>Sliding Mode Control</a:t>
-                </a:r>
-                <a:endParaRPr lang="ko-KR" altLang="en-US" sz="2000" dirty="0">
-                  <a:solidFill>
-                    <a:schemeClr val="tx1"/>
-                  </a:solidFill>
-                  <a:latin typeface="Times New Roman" panose="02020603050405020304" pitchFamily="18" charset="0"/>
-                  <a:cs typeface="Times New Roman" panose="02020603050405020304" pitchFamily="18" charset="0"/>
-                </a:endParaRPr>
+                <a:endParaRPr lang="ko-KR" altLang="en-US"/>
               </a:p>
             </p:txBody>
           </p:sp>
         </p:grpSp>
-        <p:grpSp>
-          <p:nvGrpSpPr>
-            <p:cNvPr id="62" name="그룹 61">
+        <p:sp>
+          <p:nvSpPr>
+            <p:cNvPr id="42" name="TextBox 41">
               <a:extLst>
                 <a:ext uri="{FF2B5EF4-FFF2-40B4-BE49-F238E27FC236}">
-                  <a16:creationId xmlns:a16="http://schemas.microsoft.com/office/drawing/2014/main" id="{E9342F1B-9AEC-E5CD-B0A8-99316F9DA1A1}"/>
+                  <a16:creationId xmlns:a16="http://schemas.microsoft.com/office/drawing/2014/main" id="{8F697F87-6183-1422-093A-5947C78CA733}"/>
                 </a:ext>
               </a:extLst>
             </p:cNvPr>
-            <p:cNvGrpSpPr/>
+            <p:cNvSpPr txBox="1"/>
             <p:nvPr/>
-          </p:nvGrpSpPr>
-          <p:grpSpPr>
+          </p:nvSpPr>
+          <p:spPr>
             <a:xfrm>
-              <a:off x="1292950" y="2588634"/>
-              <a:ext cx="7770548" cy="1219776"/>
-              <a:chOff x="1292950" y="2588634"/>
-              <a:chExt cx="7770548" cy="1219776"/>
+              <a:off x="152400" y="6117190"/>
+              <a:ext cx="2127962" cy="461665"/>
             </a:xfrm>
-          </p:grpSpPr>
-          <p:sp>
-            <p:nvSpPr>
-              <p:cNvPr id="26" name="TextBox 25">
-                <a:extLst>
-                  <a:ext uri="{FF2B5EF4-FFF2-40B4-BE49-F238E27FC236}">
-                    <a16:creationId xmlns:a16="http://schemas.microsoft.com/office/drawing/2014/main" id="{535B2B62-824A-0A73-8F57-E2F82BC528D8}"/>
-                  </a:ext>
-                </a:extLst>
-              </p:cNvPr>
-              <p:cNvSpPr txBox="1"/>
-              <p:nvPr/>
-            </p:nvSpPr>
-            <p:spPr>
-              <a:xfrm>
-                <a:off x="1292950" y="2588634"/>
-                <a:ext cx="2529296" cy="646331"/>
-              </a:xfrm>
-              <a:prstGeom prst="rect">
-                <a:avLst/>
-              </a:prstGeom>
-              <a:noFill/>
-            </p:spPr>
-            <p:txBody>
-              <a:bodyPr wrap="square" rtlCol="0">
-                <a:spAutoFit/>
-              </a:bodyPr>
-              <a:lstStyle/>
-              <a:p>
-                <a:pPr algn="ctr"/>
-                <a:r>
-                  <a:rPr lang="en-US" altLang="ko-KR" dirty="0">
-                    <a:latin typeface="Times New Roman" panose="02020603050405020304" pitchFamily="18" charset="0"/>
-                    <a:cs typeface="Times New Roman" panose="02020603050405020304" pitchFamily="18" charset="0"/>
-                  </a:rPr>
-                  <a:t>Sensor data </a:t>
-                </a:r>
-              </a:p>
-              <a:p>
-                <a:pPr algn="ctr"/>
-                <a:r>
-                  <a:rPr lang="en-US" altLang="ko-KR" dirty="0">
-                    <a:latin typeface="Times New Roman" panose="02020603050405020304" pitchFamily="18" charset="0"/>
-                    <a:cs typeface="Times New Roman" panose="02020603050405020304" pitchFamily="18" charset="0"/>
-                  </a:rPr>
-                  <a:t>with gaussian noise</a:t>
-                </a:r>
-                <a:endParaRPr lang="ko-KR" altLang="en-US" dirty="0">
+            <a:prstGeom prst="rect">
+              <a:avLst/>
+            </a:prstGeom>
+            <a:noFill/>
+          </p:spPr>
+          <p:txBody>
+            <a:bodyPr wrap="square" rtlCol="0">
+              <a:spAutoFit/>
+            </a:bodyPr>
+            <a:lstStyle/>
+            <a:p>
+              <a:r>
+                <a:rPr lang="en-US" altLang="ko-KR" sz="2400" dirty="0">
                   <a:latin typeface="Times New Roman" panose="02020603050405020304" pitchFamily="18" charset="0"/>
                   <a:cs typeface="Times New Roman" panose="02020603050405020304" pitchFamily="18" charset="0"/>
-                </a:endParaRPr>
-              </a:p>
-            </p:txBody>
-          </p:sp>
-          <p:cxnSp>
-            <p:nvCxnSpPr>
-              <p:cNvPr id="45" name="연결선: 꺾임 44">
-                <a:extLst>
-                  <a:ext uri="{FF2B5EF4-FFF2-40B4-BE49-F238E27FC236}">
-                    <a16:creationId xmlns:a16="http://schemas.microsoft.com/office/drawing/2014/main" id="{3B7B1163-D827-FB4D-6133-3C399254417B}"/>
-                  </a:ext>
-                </a:extLst>
-              </p:cNvPr>
-              <p:cNvCxnSpPr>
-                <a:stCxn id="5" idx="3"/>
-                <a:endCxn id="10" idx="2"/>
-              </p:cNvCxnSpPr>
-              <p:nvPr/>
-            </p:nvCxnSpPr>
-            <p:spPr>
-              <a:xfrm>
-                <a:off x="1366078" y="3244847"/>
-                <a:ext cx="7697420" cy="563563"/>
-              </a:xfrm>
-              <a:prstGeom prst="bentConnector4">
-                <a:avLst>
-                  <a:gd name="adj1" fmla="val 13579"/>
-                  <a:gd name="adj2" fmla="val 140563"/>
-                </a:avLst>
-              </a:prstGeom>
-              <a:ln>
+                </a:rPr>
+                <a:t>Gaussian noise</a:t>
+              </a:r>
+              <a:endParaRPr lang="ko-KR" altLang="en-US" sz="2400" dirty="0">
+                <a:latin typeface="Times New Roman" panose="02020603050405020304" pitchFamily="18" charset="0"/>
+                <a:cs typeface="Times New Roman" panose="02020603050405020304" pitchFamily="18" charset="0"/>
+              </a:endParaRPr>
+            </a:p>
+          </p:txBody>
+        </p:sp>
+        <p:sp>
+          <p:nvSpPr>
+            <p:cNvPr id="43" name="타원 42">
+              <a:extLst>
+                <a:ext uri="{FF2B5EF4-FFF2-40B4-BE49-F238E27FC236}">
+                  <a16:creationId xmlns:a16="http://schemas.microsoft.com/office/drawing/2014/main" id="{1436762D-9D9C-820D-D607-5BE549AA0ED8}"/>
+                </a:ext>
+              </a:extLst>
+            </p:cNvPr>
+            <p:cNvSpPr/>
+            <p:nvPr/>
+          </p:nvSpPr>
+          <p:spPr>
+            <a:xfrm>
+              <a:off x="3293338" y="3639384"/>
+              <a:ext cx="320040" cy="316911"/>
+            </a:xfrm>
+            <a:prstGeom prst="ellipse">
+              <a:avLst/>
+            </a:prstGeom>
+            <a:noFill/>
+          </p:spPr>
+          <p:style>
+            <a:lnRef idx="2">
+              <a:schemeClr val="accent1">
+                <a:shade val="15000"/>
+              </a:schemeClr>
+            </a:lnRef>
+            <a:fillRef idx="1">
+              <a:schemeClr val="accent1"/>
+            </a:fillRef>
+            <a:effectRef idx="0">
+              <a:schemeClr val="accent1"/>
+            </a:effectRef>
+            <a:fontRef idx="minor">
+              <a:schemeClr val="lt1"/>
+            </a:fontRef>
+          </p:style>
+          <p:txBody>
+            <a:bodyPr rtlCol="0" anchor="ctr"/>
+            <a:lstStyle/>
+            <a:p>
+              <a:pPr algn="ctr"/>
+              <a:r>
+                <a:rPr lang="en-US" altLang="ko-KR" dirty="0">
+                  <a:solidFill>
+                    <a:schemeClr val="tx1"/>
+                  </a:solidFill>
+                </a:rPr>
+                <a:t>+</a:t>
+              </a:r>
+              <a:endParaRPr lang="ko-KR" altLang="en-US" dirty="0">
                 <a:solidFill>
                   <a:schemeClr val="tx1"/>
                 </a:solidFill>
-                <a:tailEnd type="triangle"/>
-              </a:ln>
-            </p:spPr>
-            <p:style>
-              <a:lnRef idx="2">
-                <a:schemeClr val="accent1"/>
-              </a:lnRef>
-              <a:fillRef idx="0">
-                <a:schemeClr val="accent1"/>
-              </a:fillRef>
-              <a:effectRef idx="1">
-                <a:schemeClr val="accent1"/>
-              </a:effectRef>
-              <a:fontRef idx="minor">
+              </a:endParaRPr>
+            </a:p>
+          </p:txBody>
+        </p:sp>
+        <p:cxnSp>
+          <p:nvCxnSpPr>
+            <p:cNvPr id="46" name="직선 화살표 연결선 45">
+              <a:extLst>
+                <a:ext uri="{FF2B5EF4-FFF2-40B4-BE49-F238E27FC236}">
+                  <a16:creationId xmlns:a16="http://schemas.microsoft.com/office/drawing/2014/main" id="{22FBFE85-6404-8788-13A0-F343E30222CD}"/>
+                </a:ext>
+              </a:extLst>
+            </p:cNvPr>
+            <p:cNvCxnSpPr>
+              <a:cxnSpLocks/>
+              <a:stCxn id="5" idx="3"/>
+              <a:endCxn id="43" idx="2"/>
+            </p:cNvCxnSpPr>
+            <p:nvPr/>
+          </p:nvCxnSpPr>
+          <p:spPr>
+            <a:xfrm flipV="1">
+              <a:off x="1960578" y="3797840"/>
+              <a:ext cx="1332760" cy="26399"/>
+            </a:xfrm>
+            <a:prstGeom prst="straightConnector1">
+              <a:avLst/>
+            </a:prstGeom>
+            <a:ln>
+              <a:solidFill>
                 <a:schemeClr val="tx1"/>
-              </a:fontRef>
-            </p:style>
-          </p:cxnSp>
-          <p:graphicFrame>
-            <p:nvGraphicFramePr>
-              <p:cNvPr id="50" name="개체 49">
-                <a:extLst>
-                  <a:ext uri="{FF2B5EF4-FFF2-40B4-BE49-F238E27FC236}">
-                    <a16:creationId xmlns:a16="http://schemas.microsoft.com/office/drawing/2014/main" id="{6887E39B-E9DB-711D-A29A-37F7CDC90DCA}"/>
-                  </a:ext>
-                </a:extLst>
-              </p:cNvPr>
-              <p:cNvGraphicFramePr>
-                <a:graphicFrameLocks noChangeAspect="1"/>
-              </p:cNvGraphicFramePr>
-              <p:nvPr>
-                <p:extLst>
-                  <p:ext uri="{D42A27DB-BD31-4B8C-83A1-F6EECF244321}">
-                    <p14:modId xmlns:p14="http://schemas.microsoft.com/office/powerpoint/2010/main" val="243485807"/>
-                  </p:ext>
-                </p:extLst>
-              </p:nvPr>
-            </p:nvGraphicFramePr>
-            <p:xfrm>
-              <a:off x="5539248" y="3283356"/>
-              <a:ext cx="2349500" cy="419100"/>
-            </p:xfrm>
-            <a:graphic>
-              <a:graphicData uri="http://schemas.openxmlformats.org/presentationml/2006/ole">
-                <mc:AlternateContent xmlns:mc="http://schemas.openxmlformats.org/markup-compatibility/2006">
-                  <mc:Choice xmlns:v="urn:schemas-microsoft-com:vml" Requires="v">
-                    <p:oleObj name="Equation" r:id="rId3" imgW="2349360" imgH="419040" progId="Equation.DSMT4">
-                      <p:embed/>
-                    </p:oleObj>
-                  </mc:Choice>
-                  <mc:Fallback>
-                    <p:oleObj name="Equation" r:id="rId3" imgW="2349360" imgH="419040" progId="Equation.DSMT4">
-                      <p:embed/>
-                      <p:pic>
-                        <p:nvPicPr>
-                          <p:cNvPr id="50" name="개체 49">
-                            <a:extLst>
-                              <a:ext uri="{FF2B5EF4-FFF2-40B4-BE49-F238E27FC236}">
-                                <a16:creationId xmlns:a16="http://schemas.microsoft.com/office/drawing/2014/main" id="{6887E39B-E9DB-711D-A29A-37F7CDC90DCA}"/>
-                              </a:ext>
-                            </a:extLst>
-                          </p:cNvPr>
-                          <p:cNvPicPr/>
-                          <p:nvPr/>
-                        </p:nvPicPr>
-                        <p:blipFill>
-                          <a:blip r:embed="rId4"/>
-                          <a:stretch>
-                            <a:fillRect/>
-                          </a:stretch>
-                        </p:blipFill>
-                        <p:spPr>
-                          <a:xfrm>
-                            <a:off x="5539248" y="3283356"/>
-                            <a:ext cx="2349500" cy="419100"/>
-                          </a:xfrm>
-                          <a:prstGeom prst="rect">
-                            <a:avLst/>
-                          </a:prstGeom>
-                        </p:spPr>
-                      </p:pic>
-                    </p:oleObj>
-                  </mc:Fallback>
-                </mc:AlternateContent>
-              </a:graphicData>
-            </a:graphic>
-          </p:graphicFrame>
-        </p:grpSp>
+              </a:solidFill>
+              <a:tailEnd type="triangle"/>
+            </a:ln>
+          </p:spPr>
+          <p:style>
+            <a:lnRef idx="2">
+              <a:schemeClr val="accent1"/>
+            </a:lnRef>
+            <a:fillRef idx="0">
+              <a:schemeClr val="accent1"/>
+            </a:fillRef>
+            <a:effectRef idx="1">
+              <a:schemeClr val="accent1"/>
+            </a:effectRef>
+            <a:fontRef idx="minor">
+              <a:schemeClr val="tx1"/>
+            </a:fontRef>
+          </p:style>
+        </p:cxnSp>
+        <p:cxnSp>
+          <p:nvCxnSpPr>
+            <p:cNvPr id="48" name="연결선: 꺾임 47">
+              <a:extLst>
+                <a:ext uri="{FF2B5EF4-FFF2-40B4-BE49-F238E27FC236}">
+                  <a16:creationId xmlns:a16="http://schemas.microsoft.com/office/drawing/2014/main" id="{31973FBC-742B-399D-0FFB-07DD7C1A41DA}"/>
+                </a:ext>
+              </a:extLst>
+            </p:cNvPr>
+            <p:cNvCxnSpPr>
+              <a:cxnSpLocks/>
+              <a:stCxn id="40" idx="3"/>
+              <a:endCxn id="43" idx="4"/>
+            </p:cNvCxnSpPr>
+            <p:nvPr/>
+          </p:nvCxnSpPr>
+          <p:spPr>
+            <a:xfrm flipV="1">
+              <a:off x="1988705" y="3956295"/>
+              <a:ext cx="1464653" cy="1760667"/>
+            </a:xfrm>
+            <a:prstGeom prst="bentConnector2">
+              <a:avLst/>
+            </a:prstGeom>
+            <a:ln>
+              <a:solidFill>
+                <a:schemeClr val="tx1"/>
+              </a:solidFill>
+              <a:tailEnd type="triangle"/>
+            </a:ln>
+          </p:spPr>
+          <p:style>
+            <a:lnRef idx="2">
+              <a:schemeClr val="accent1"/>
+            </a:lnRef>
+            <a:fillRef idx="0">
+              <a:schemeClr val="accent1"/>
+            </a:fillRef>
+            <a:effectRef idx="1">
+              <a:schemeClr val="accent1"/>
+            </a:effectRef>
+            <a:fontRef idx="minor">
+              <a:schemeClr val="tx1"/>
+            </a:fontRef>
+          </p:style>
+        </p:cxnSp>
+        <p:graphicFrame>
+          <p:nvGraphicFramePr>
+            <p:cNvPr id="49" name="개체 48">
+              <a:extLst>
+                <a:ext uri="{FF2B5EF4-FFF2-40B4-BE49-F238E27FC236}">
+                  <a16:creationId xmlns:a16="http://schemas.microsoft.com/office/drawing/2014/main" id="{B8039ED9-5BEB-8F4E-AF76-11E1E849F1BC}"/>
+                </a:ext>
+              </a:extLst>
+            </p:cNvPr>
+            <p:cNvGraphicFramePr>
+              <a:graphicFrameLocks noChangeAspect="1"/>
+            </p:cNvGraphicFramePr>
+            <p:nvPr>
+              <p:extLst>
+                <p:ext uri="{D42A27DB-BD31-4B8C-83A1-F6EECF244321}">
+                  <p14:modId xmlns:p14="http://schemas.microsoft.com/office/powerpoint/2010/main" val="417933419"/>
+                </p:ext>
+              </p:extLst>
+            </p:nvPr>
+          </p:nvGraphicFramePr>
+          <p:xfrm>
+            <a:off x="8821188" y="5656035"/>
+            <a:ext cx="431800" cy="419100"/>
+          </p:xfrm>
+          <a:graphic>
+            <a:graphicData uri="http://schemas.openxmlformats.org/presentationml/2006/ole">
+              <mc:AlternateContent xmlns:mc="http://schemas.openxmlformats.org/markup-compatibility/2006">
+                <mc:Choice xmlns:v="urn:schemas-microsoft-com:vml" Requires="v">
+                  <p:oleObj name="Equation" r:id="rId5" imgW="431640" imgH="419040" progId="Equation.DSMT4">
+                    <p:embed/>
+                  </p:oleObj>
+                </mc:Choice>
+                <mc:Fallback>
+                  <p:oleObj name="Equation" r:id="rId5" imgW="431640" imgH="419040" progId="Equation.DSMT4">
+                    <p:embed/>
+                    <p:pic>
+                      <p:nvPicPr>
+                        <p:cNvPr id="0" name=""/>
+                        <p:cNvPicPr/>
+                        <p:nvPr/>
+                      </p:nvPicPr>
+                      <p:blipFill>
+                        <a:blip r:embed="rId6"/>
+                        <a:stretch>
+                          <a:fillRect/>
+                        </a:stretch>
+                      </p:blipFill>
+                      <p:spPr>
+                        <a:xfrm>
+                          <a:off x="8821188" y="5656035"/>
+                          <a:ext cx="431800" cy="419100"/>
+                        </a:xfrm>
+                        <a:prstGeom prst="rect">
+                          <a:avLst/>
+                        </a:prstGeom>
+                      </p:spPr>
+                    </p:pic>
+                  </p:oleObj>
+                </mc:Fallback>
+              </mc:AlternateContent>
+            </a:graphicData>
+          </a:graphic>
+        </p:graphicFrame>
+        <p:cxnSp>
+          <p:nvCxnSpPr>
+            <p:cNvPr id="52" name="직선 화살표 연결선 51">
+              <a:extLst>
+                <a:ext uri="{FF2B5EF4-FFF2-40B4-BE49-F238E27FC236}">
+                  <a16:creationId xmlns:a16="http://schemas.microsoft.com/office/drawing/2014/main" id="{5BA12BD3-33CC-2978-33F0-63D91EE0C5E0}"/>
+                </a:ext>
+              </a:extLst>
+            </p:cNvPr>
+            <p:cNvCxnSpPr>
+              <a:cxnSpLocks/>
+              <a:stCxn id="43" idx="6"/>
+              <a:endCxn id="7" idx="1"/>
+            </p:cNvCxnSpPr>
+            <p:nvPr/>
+          </p:nvCxnSpPr>
+          <p:spPr>
+            <a:xfrm>
+              <a:off x="3613378" y="3797840"/>
+              <a:ext cx="322762" cy="1"/>
+            </a:xfrm>
+            <a:prstGeom prst="straightConnector1">
+              <a:avLst/>
+            </a:prstGeom>
+            <a:ln>
+              <a:solidFill>
+                <a:schemeClr val="tx1"/>
+              </a:solidFill>
+              <a:tailEnd type="triangle"/>
+            </a:ln>
+          </p:spPr>
+          <p:style>
+            <a:lnRef idx="2">
+              <a:schemeClr val="accent1"/>
+            </a:lnRef>
+            <a:fillRef idx="0">
+              <a:schemeClr val="accent1"/>
+            </a:fillRef>
+            <a:effectRef idx="1">
+              <a:schemeClr val="accent1"/>
+            </a:effectRef>
+            <a:fontRef idx="minor">
+              <a:schemeClr val="tx1"/>
+            </a:fontRef>
+          </p:style>
+        </p:cxnSp>
+        <p:graphicFrame>
+          <p:nvGraphicFramePr>
+            <p:cNvPr id="61" name="개체 60">
+              <a:extLst>
+                <a:ext uri="{FF2B5EF4-FFF2-40B4-BE49-F238E27FC236}">
+                  <a16:creationId xmlns:a16="http://schemas.microsoft.com/office/drawing/2014/main" id="{53A83F78-45F2-F18C-1944-EE18F1E09DC6}"/>
+                </a:ext>
+              </a:extLst>
+            </p:cNvPr>
+            <p:cNvGraphicFramePr>
+              <a:graphicFrameLocks noChangeAspect="1"/>
+            </p:cNvGraphicFramePr>
+            <p:nvPr>
+              <p:extLst>
+                <p:ext uri="{D42A27DB-BD31-4B8C-83A1-F6EECF244321}">
+                  <p14:modId xmlns:p14="http://schemas.microsoft.com/office/powerpoint/2010/main" val="2458939457"/>
+                </p:ext>
+              </p:extLst>
+            </p:nvPr>
+          </p:nvGraphicFramePr>
+          <p:xfrm>
+            <a:off x="9434675" y="1429138"/>
+            <a:ext cx="2908300" cy="444500"/>
+          </p:xfrm>
+          <a:graphic>
+            <a:graphicData uri="http://schemas.openxmlformats.org/presentationml/2006/ole">
+              <mc:AlternateContent xmlns:mc="http://schemas.openxmlformats.org/markup-compatibility/2006">
+                <mc:Choice xmlns:v="urn:schemas-microsoft-com:vml" Requires="v">
+                  <p:oleObj name="Equation" r:id="rId7" imgW="2908080" imgH="444240" progId="Equation.DSMT4">
+                    <p:embed/>
+                  </p:oleObj>
+                </mc:Choice>
+                <mc:Fallback>
+                  <p:oleObj name="Equation" r:id="rId7" imgW="2908080" imgH="444240" progId="Equation.DSMT4">
+                    <p:embed/>
+                    <p:pic>
+                      <p:nvPicPr>
+                        <p:cNvPr id="0" name=""/>
+                        <p:cNvPicPr/>
+                        <p:nvPr/>
+                      </p:nvPicPr>
+                      <p:blipFill>
+                        <a:blip r:embed="rId8"/>
+                        <a:stretch>
+                          <a:fillRect/>
+                        </a:stretch>
+                      </p:blipFill>
+                      <p:spPr>
+                        <a:xfrm>
+                          <a:off x="9434675" y="1429138"/>
+                          <a:ext cx="2908300" cy="444500"/>
+                        </a:xfrm>
+                        <a:prstGeom prst="rect">
+                          <a:avLst/>
+                        </a:prstGeom>
+                      </p:spPr>
+                    </p:pic>
+                  </p:oleObj>
+                </mc:Fallback>
+              </mc:AlternateContent>
+            </a:graphicData>
+          </a:graphic>
+        </p:graphicFrame>
       </p:grpSp>
-      <p:cxnSp>
-        <p:nvCxnSpPr>
-          <p:cNvPr id="71" name="연결선: 꺾임 70">
+      <p:pic>
+        <p:nvPicPr>
+          <p:cNvPr id="3" name="그림 2">
             <a:extLst>
               <a:ext uri="{FF2B5EF4-FFF2-40B4-BE49-F238E27FC236}">
-                <a16:creationId xmlns:a16="http://schemas.microsoft.com/office/drawing/2014/main" id="{E4B60A48-C21C-81C2-A2BA-DF0F70542C2D}"/>
+                <a16:creationId xmlns:a16="http://schemas.microsoft.com/office/drawing/2014/main" id="{DCE76281-6EEF-8F4E-AB42-F20FAA6897CF}"/>
               </a:ext>
             </a:extLst>
           </p:cNvPr>
-          <p:cNvCxnSpPr>
-            <a:stCxn id="10" idx="3"/>
-            <a:endCxn id="13" idx="3"/>
-          </p:cNvCxnSpPr>
+          <p:cNvPicPr>
+            <a:picLocks noChangeAspect="1"/>
+          </p:cNvPicPr>
           <p:nvPr/>
-        </p:nvCxnSpPr>
+        </p:nvPicPr>
+        <p:blipFill>
+          <a:blip r:embed="rId9"/>
+          <a:stretch>
+            <a:fillRect/>
+          </a:stretch>
+        </p:blipFill>
         <p:spPr>
           <a:xfrm>
-            <a:off x="10806275" y="3843562"/>
-            <a:ext cx="12700" cy="2009781"/>
+            <a:off x="366485" y="3076269"/>
+            <a:ext cx="1419423" cy="1467055"/>
           </a:xfrm>
-          <a:prstGeom prst="bentConnector3">
-            <a:avLst>
-              <a:gd name="adj1" fmla="val 1800000"/>
-            </a:avLst>
+          <a:prstGeom prst="rect">
+            <a:avLst/>
           </a:prstGeom>
-          <a:ln>
-            <a:solidFill>
-              <a:schemeClr val="tx1"/>
-            </a:solidFill>
-            <a:tailEnd type="triangle"/>
-          </a:ln>
         </p:spPr>
-        <p:style>
-          <a:lnRef idx="2">
-            <a:schemeClr val="accent1"/>
-          </a:lnRef>
-          <a:fillRef idx="0">
-            <a:schemeClr val="accent1"/>
-          </a:fillRef>
-          <a:effectRef idx="1">
-            <a:schemeClr val="accent1"/>
-          </a:effectRef>
-          <a:fontRef idx="minor">
-            <a:schemeClr val="tx1"/>
-          </a:fontRef>
-        </p:style>
-      </p:cxnSp>
-      <p:graphicFrame>
-        <p:nvGraphicFramePr>
-          <p:cNvPr id="72" name="개체 71">
-            <a:extLst>
-              <a:ext uri="{FF2B5EF4-FFF2-40B4-BE49-F238E27FC236}">
-                <a16:creationId xmlns:a16="http://schemas.microsoft.com/office/drawing/2014/main" id="{B96344F3-816D-F91F-DC88-EED92667F042}"/>
-              </a:ext>
-            </a:extLst>
-          </p:cNvPr>
-          <p:cNvGraphicFramePr>
-            <a:graphicFrameLocks noChangeAspect="1"/>
-          </p:cNvGraphicFramePr>
-          <p:nvPr>
-            <p:extLst>
-              <p:ext uri="{D42A27DB-BD31-4B8C-83A1-F6EECF244321}">
-                <p14:modId xmlns:p14="http://schemas.microsoft.com/office/powerpoint/2010/main" val="1206644064"/>
-              </p:ext>
-            </p:extLst>
-          </p:nvPr>
-        </p:nvGraphicFramePr>
-        <p:xfrm>
-          <a:off x="11094381" y="3100610"/>
-          <a:ext cx="749300" cy="1485900"/>
-        </p:xfrm>
-        <a:graphic>
-          <a:graphicData uri="http://schemas.openxmlformats.org/presentationml/2006/ole">
-            <mc:AlternateContent xmlns:mc="http://schemas.openxmlformats.org/markup-compatibility/2006">
-              <mc:Choice xmlns:v="urn:schemas-microsoft-com:vml" Requires="v">
-                <p:oleObj name="Equation" r:id="rId5" imgW="749160" imgH="1485720" progId="Equation.DSMT4">
-                  <p:embed/>
-                </p:oleObj>
-              </mc:Choice>
-              <mc:Fallback>
-                <p:oleObj name="Equation" r:id="rId5" imgW="749160" imgH="1485720" progId="Equation.DSMT4">
-                  <p:embed/>
-                  <p:pic>
-                    <p:nvPicPr>
-                      <p:cNvPr id="72" name="개체 71">
-                        <a:extLst>
-                          <a:ext uri="{FF2B5EF4-FFF2-40B4-BE49-F238E27FC236}">
-                            <a16:creationId xmlns:a16="http://schemas.microsoft.com/office/drawing/2014/main" id="{B96344F3-816D-F91F-DC88-EED92667F042}"/>
-                          </a:ext>
-                        </a:extLst>
-                      </p:cNvPr>
-                      <p:cNvPicPr/>
-                      <p:nvPr/>
-                    </p:nvPicPr>
-                    <p:blipFill>
-                      <a:blip r:embed="rId6"/>
-                      <a:stretch>
-                        <a:fillRect/>
-                      </a:stretch>
-                    </p:blipFill>
-                    <p:spPr>
-                      <a:xfrm>
-                        <a:off x="11094381" y="3100610"/>
-                        <a:ext cx="749300" cy="1485900"/>
-                      </a:xfrm>
-                      <a:prstGeom prst="rect">
-                        <a:avLst/>
-                      </a:prstGeom>
-                    </p:spPr>
-                  </p:pic>
-                </p:oleObj>
-              </mc:Fallback>
-            </mc:AlternateContent>
-          </a:graphicData>
-        </a:graphic>
-      </p:graphicFrame>
+      </p:pic>
     </p:spTree>
     <p:extLst>
       <p:ext uri="{BB962C8B-B14F-4D97-AF65-F5344CB8AC3E}">

--- a/Paper/논문그림.pptx
+++ b/Paper/논문그림.pptx
@@ -6508,10 +6508,10 @@
       </p:grpSpPr>
       <p:grpSp>
         <p:nvGrpSpPr>
-          <p:cNvPr id="25" name="그룹 24">
+          <p:cNvPr id="30" name="그룹 29">
             <a:extLst>
               <a:ext uri="{FF2B5EF4-FFF2-40B4-BE49-F238E27FC236}">
-                <a16:creationId xmlns:a16="http://schemas.microsoft.com/office/drawing/2014/main" id="{9F5391FF-C088-8868-3DE0-C6A07515A34F}"/>
+                <a16:creationId xmlns:a16="http://schemas.microsoft.com/office/drawing/2014/main" id="{B94DADEB-F701-E087-CD39-1031EA9A4FF0}"/>
               </a:ext>
             </a:extLst>
           </p:cNvPr>
@@ -6520,18 +6520,18 @@
         </p:nvGrpSpPr>
         <p:grpSpPr>
           <a:xfrm>
-            <a:off x="152400" y="1350556"/>
+            <a:off x="114300" y="1395006"/>
             <a:ext cx="12190575" cy="5229315"/>
-            <a:chOff x="152400" y="1369606"/>
+            <a:chOff x="152400" y="1350556"/>
             <a:chExt cx="12190575" cy="5229315"/>
           </a:xfrm>
         </p:grpSpPr>
         <p:grpSp>
           <p:nvGrpSpPr>
-            <p:cNvPr id="63" name="그룹 62">
+            <p:cNvPr id="25" name="그룹 24">
               <a:extLst>
                 <a:ext uri="{FF2B5EF4-FFF2-40B4-BE49-F238E27FC236}">
-                  <a16:creationId xmlns:a16="http://schemas.microsoft.com/office/drawing/2014/main" id="{9D6C2BC4-DDE3-7050-152A-987CF8DA369A}"/>
+                  <a16:creationId xmlns:a16="http://schemas.microsoft.com/office/drawing/2014/main" id="{9F5391FF-C088-8868-3DE0-C6A07515A34F}"/>
                 </a:ext>
               </a:extLst>
             </p:cNvPr>
@@ -6540,18 +6540,18 @@
           </p:nvGrpSpPr>
           <p:grpSpPr>
             <a:xfrm>
-              <a:off x="227028" y="2972148"/>
-              <a:ext cx="10661797" cy="2081695"/>
-              <a:chOff x="-461649" y="2419154"/>
-              <a:chExt cx="10661797" cy="2081695"/>
+              <a:off x="152400" y="1350556"/>
+              <a:ext cx="12190575" cy="5229315"/>
+              <a:chOff x="152400" y="1369606"/>
+              <a:chExt cx="12190575" cy="5229315"/>
             </a:xfrm>
           </p:grpSpPr>
           <p:grpSp>
             <p:nvGrpSpPr>
-              <p:cNvPr id="23" name="그룹 22">
+              <p:cNvPr id="63" name="그룹 62">
                 <a:extLst>
                   <a:ext uri="{FF2B5EF4-FFF2-40B4-BE49-F238E27FC236}">
-                    <a16:creationId xmlns:a16="http://schemas.microsoft.com/office/drawing/2014/main" id="{D1530FFE-08A0-ED8A-3C1F-3E95A8049EBD}"/>
+                    <a16:creationId xmlns:a16="http://schemas.microsoft.com/office/drawing/2014/main" id="{9D6C2BC4-DDE3-7050-152A-987CF8DA369A}"/>
                   </a:ext>
                 </a:extLst>
               </p:cNvPr>
@@ -6560,18 +6560,949 @@
             </p:nvGrpSpPr>
             <p:grpSpPr>
               <a:xfrm>
-                <a:off x="-461649" y="2484368"/>
-                <a:ext cx="10661797" cy="2016481"/>
-                <a:chOff x="-455299" y="2668518"/>
-                <a:chExt cx="10661797" cy="2016481"/>
+                <a:off x="227028" y="2972148"/>
+                <a:ext cx="10661797" cy="2081695"/>
+                <a:chOff x="-461649" y="2419154"/>
+                <a:chExt cx="10661797" cy="2081695"/>
               </a:xfrm>
             </p:grpSpPr>
+            <p:grpSp>
+              <p:nvGrpSpPr>
+                <p:cNvPr id="23" name="그룹 22">
+                  <a:extLst>
+                    <a:ext uri="{FF2B5EF4-FFF2-40B4-BE49-F238E27FC236}">
+                      <a16:creationId xmlns:a16="http://schemas.microsoft.com/office/drawing/2014/main" id="{D1530FFE-08A0-ED8A-3C1F-3E95A8049EBD}"/>
+                    </a:ext>
+                  </a:extLst>
+                </p:cNvPr>
+                <p:cNvGrpSpPr/>
+                <p:nvPr/>
+              </p:nvGrpSpPr>
+              <p:grpSpPr>
+                <a:xfrm>
+                  <a:off x="-461649" y="2484368"/>
+                  <a:ext cx="10661797" cy="2016481"/>
+                  <a:chOff x="-455299" y="2668518"/>
+                  <a:chExt cx="10661797" cy="2016481"/>
+                </a:xfrm>
+              </p:grpSpPr>
+              <p:sp>
+                <p:nvSpPr>
+                  <p:cNvPr id="5" name="사각형: 둥근 모서리 4">
+                    <a:extLst>
+                      <a:ext uri="{FF2B5EF4-FFF2-40B4-BE49-F238E27FC236}">
+                        <a16:creationId xmlns:a16="http://schemas.microsoft.com/office/drawing/2014/main" id="{D3A06B0F-BD62-AA14-45CD-956E99122FAA}"/>
+                      </a:ext>
+                    </a:extLst>
+                  </p:cNvPr>
+                  <p:cNvSpPr/>
+                  <p:nvPr/>
+                </p:nvSpPr>
+                <p:spPr>
+                  <a:xfrm>
+                    <a:off x="-455299" y="2668518"/>
+                    <a:ext cx="1733550" cy="1573753"/>
+                  </a:xfrm>
+                  <a:prstGeom prst="roundRect">
+                    <a:avLst/>
+                  </a:prstGeom>
+                  <a:noFill/>
+                  <a:ln>
+                    <a:solidFill>
+                      <a:schemeClr val="tx1"/>
+                    </a:solidFill>
+                  </a:ln>
+                </p:spPr>
+                <p:style>
+                  <a:lnRef idx="2">
+                    <a:schemeClr val="accent1">
+                      <a:shade val="15000"/>
+                    </a:schemeClr>
+                  </a:lnRef>
+                  <a:fillRef idx="1">
+                    <a:schemeClr val="accent1"/>
+                  </a:fillRef>
+                  <a:effectRef idx="0">
+                    <a:schemeClr val="accent1"/>
+                  </a:effectRef>
+                  <a:fontRef idx="minor">
+                    <a:schemeClr val="lt1"/>
+                  </a:fontRef>
+                </p:style>
+                <p:txBody>
+                  <a:bodyPr rtlCol="0" anchor="ctr"/>
+                  <a:lstStyle/>
+                  <a:p>
+                    <a:pPr algn="ctr"/>
+                    <a:endParaRPr lang="ko-KR" altLang="en-US" b="1" dirty="0"/>
+                  </a:p>
+                </p:txBody>
+              </p:sp>
+              <p:sp>
+                <p:nvSpPr>
+                  <p:cNvPr id="6" name="TextBox 5">
+                    <a:extLst>
+                      <a:ext uri="{FF2B5EF4-FFF2-40B4-BE49-F238E27FC236}">
+                        <a16:creationId xmlns:a16="http://schemas.microsoft.com/office/drawing/2014/main" id="{38920677-CC45-9CC7-3DA7-68E983665473}"/>
+                      </a:ext>
+                    </a:extLst>
+                  </p:cNvPr>
+                  <p:cNvSpPr txBox="1"/>
+                  <p:nvPr/>
+                </p:nvSpPr>
+                <p:spPr>
+                  <a:xfrm>
+                    <a:off x="-363141" y="4223334"/>
+                    <a:ext cx="1549234" cy="461665"/>
+                  </a:xfrm>
+                  <a:prstGeom prst="rect">
+                    <a:avLst/>
+                  </a:prstGeom>
+                  <a:noFill/>
+                </p:spPr>
+                <p:txBody>
+                  <a:bodyPr wrap="square" rtlCol="0">
+                    <a:spAutoFit/>
+                  </a:bodyPr>
+                  <a:lstStyle/>
+                  <a:p>
+                    <a:r>
+                      <a:rPr lang="en-US" altLang="ko-KR" sz="2400" dirty="0">
+                        <a:latin typeface="Times New Roman" panose="02020603050405020304" pitchFamily="18" charset="0"/>
+                        <a:cs typeface="Times New Roman" panose="02020603050405020304" pitchFamily="18" charset="0"/>
+                      </a:rPr>
+                      <a:t>Simulation</a:t>
+                    </a:r>
+                    <a:endParaRPr lang="ko-KR" altLang="en-US" sz="2400" dirty="0">
+                      <a:latin typeface="Times New Roman" panose="02020603050405020304" pitchFamily="18" charset="0"/>
+                      <a:cs typeface="Times New Roman" panose="02020603050405020304" pitchFamily="18" charset="0"/>
+                    </a:endParaRPr>
+                  </a:p>
+                </p:txBody>
+              </p:sp>
+              <p:sp>
+                <p:nvSpPr>
+                  <p:cNvPr id="7" name="사각형: 둥근 모서리 6">
+                    <a:extLst>
+                      <a:ext uri="{FF2B5EF4-FFF2-40B4-BE49-F238E27FC236}">
+                        <a16:creationId xmlns:a16="http://schemas.microsoft.com/office/drawing/2014/main" id="{156F8E37-A027-F87F-CC4C-212B3D81DCA1}"/>
+                      </a:ext>
+                    </a:extLst>
+                  </p:cNvPr>
+                  <p:cNvSpPr/>
+                  <p:nvPr/>
+                </p:nvSpPr>
+                <p:spPr>
+                  <a:xfrm>
+                    <a:off x="3253813" y="2865434"/>
+                    <a:ext cx="2273300" cy="1127125"/>
+                  </a:xfrm>
+                  <a:prstGeom prst="roundRect">
+                    <a:avLst/>
+                  </a:prstGeom>
+                  <a:noFill/>
+                  <a:ln>
+                    <a:solidFill>
+                      <a:schemeClr val="tx1"/>
+                    </a:solidFill>
+                  </a:ln>
+                </p:spPr>
+                <p:style>
+                  <a:lnRef idx="2">
+                    <a:schemeClr val="accent1">
+                      <a:shade val="15000"/>
+                    </a:schemeClr>
+                  </a:lnRef>
+                  <a:fillRef idx="1">
+                    <a:schemeClr val="accent1"/>
+                  </a:fillRef>
+                  <a:effectRef idx="0">
+                    <a:schemeClr val="accent1"/>
+                  </a:effectRef>
+                  <a:fontRef idx="minor">
+                    <a:schemeClr val="lt1"/>
+                  </a:fontRef>
+                </p:style>
+                <p:txBody>
+                  <a:bodyPr rtlCol="0" anchor="ctr"/>
+                  <a:lstStyle/>
+                  <a:p>
+                    <a:pPr algn="ctr"/>
+                    <a:r>
+                      <a:rPr lang="en-US" altLang="ko-KR" sz="2800" dirty="0">
+                        <a:solidFill>
+                          <a:schemeClr val="tx1"/>
+                        </a:solidFill>
+                        <a:latin typeface="Times New Roman" panose="02020603050405020304" pitchFamily="18" charset="0"/>
+                        <a:cs typeface="Times New Roman" panose="02020603050405020304" pitchFamily="18" charset="0"/>
+                      </a:rPr>
+                      <a:t>Vertical force</a:t>
+                    </a:r>
+                  </a:p>
+                  <a:p>
+                    <a:pPr algn="ctr"/>
+                    <a:r>
+                      <a:rPr lang="en-US" altLang="ko-KR" sz="2800" dirty="0">
+                        <a:solidFill>
+                          <a:schemeClr val="tx1"/>
+                        </a:solidFill>
+                        <a:latin typeface="Times New Roman" panose="02020603050405020304" pitchFamily="18" charset="0"/>
+                        <a:cs typeface="Times New Roman" panose="02020603050405020304" pitchFamily="18" charset="0"/>
+                      </a:rPr>
+                      <a:t>calculation</a:t>
+                    </a:r>
+                    <a:endParaRPr lang="ko-KR" altLang="en-US" sz="2800" dirty="0">
+                      <a:solidFill>
+                        <a:schemeClr val="tx1"/>
+                      </a:solidFill>
+                      <a:latin typeface="Times New Roman" panose="02020603050405020304" pitchFamily="18" charset="0"/>
+                      <a:cs typeface="Times New Roman" panose="02020603050405020304" pitchFamily="18" charset="0"/>
+                    </a:endParaRPr>
+                  </a:p>
+                </p:txBody>
+              </p:sp>
+              <p:sp>
+                <p:nvSpPr>
+                  <p:cNvPr id="10" name="사각형: 둥근 모서리 9">
+                    <a:extLst>
+                      <a:ext uri="{FF2B5EF4-FFF2-40B4-BE49-F238E27FC236}">
+                        <a16:creationId xmlns:a16="http://schemas.microsoft.com/office/drawing/2014/main" id="{8A4EFFAF-34C2-E9CC-46A4-E1A8F1A9B781}"/>
+                      </a:ext>
+                    </a:extLst>
+                  </p:cNvPr>
+                  <p:cNvSpPr/>
+                  <p:nvPr/>
+                </p:nvSpPr>
+                <p:spPr>
+                  <a:xfrm>
+                    <a:off x="7394873" y="2803272"/>
+                    <a:ext cx="2811625" cy="1291281"/>
+                  </a:xfrm>
+                  <a:prstGeom prst="roundRect">
+                    <a:avLst/>
+                  </a:prstGeom>
+                  <a:noFill/>
+                  <a:ln>
+                    <a:solidFill>
+                      <a:schemeClr val="tx1"/>
+                    </a:solidFill>
+                  </a:ln>
+                </p:spPr>
+                <p:style>
+                  <a:lnRef idx="2">
+                    <a:schemeClr val="accent1">
+                      <a:shade val="15000"/>
+                    </a:schemeClr>
+                  </a:lnRef>
+                  <a:fillRef idx="1">
+                    <a:schemeClr val="accent1"/>
+                  </a:fillRef>
+                  <a:effectRef idx="0">
+                    <a:schemeClr val="accent1"/>
+                  </a:effectRef>
+                  <a:fontRef idx="minor">
+                    <a:schemeClr val="lt1"/>
+                  </a:fontRef>
+                </p:style>
+                <p:txBody>
+                  <a:bodyPr rtlCol="0" anchor="ctr"/>
+                  <a:lstStyle/>
+                  <a:p>
+                    <a:pPr algn="ctr"/>
+                    <a:r>
+                      <a:rPr lang="en-US" altLang="ko-KR" sz="2800" dirty="0">
+                        <a:solidFill>
+                          <a:schemeClr val="tx1"/>
+                        </a:solidFill>
+                        <a:latin typeface="Times New Roman" panose="02020603050405020304" pitchFamily="18" charset="0"/>
+                        <a:cs typeface="Times New Roman" panose="02020603050405020304" pitchFamily="18" charset="0"/>
+                      </a:rPr>
+                      <a:t>Adaptive Extended Kalman Filter</a:t>
+                    </a:r>
+                    <a:endParaRPr lang="ko-KR" altLang="en-US" sz="2800" dirty="0">
+                      <a:solidFill>
+                        <a:schemeClr val="tx1"/>
+                      </a:solidFill>
+                      <a:latin typeface="Times New Roman" panose="02020603050405020304" pitchFamily="18" charset="0"/>
+                      <a:cs typeface="Times New Roman" panose="02020603050405020304" pitchFamily="18" charset="0"/>
+                    </a:endParaRPr>
+                  </a:p>
+                </p:txBody>
+              </p:sp>
+              <p:cxnSp>
+                <p:nvCxnSpPr>
+                  <p:cNvPr id="12" name="직선 화살표 연결선 11">
+                    <a:extLst>
+                      <a:ext uri="{FF2B5EF4-FFF2-40B4-BE49-F238E27FC236}">
+                        <a16:creationId xmlns:a16="http://schemas.microsoft.com/office/drawing/2014/main" id="{819F99CD-245C-F8A2-7438-BDB52E4E4CE1}"/>
+                      </a:ext>
+                    </a:extLst>
+                  </p:cNvPr>
+                  <p:cNvCxnSpPr>
+                    <a:cxnSpLocks/>
+                    <a:stCxn id="7" idx="3"/>
+                    <a:endCxn id="10" idx="1"/>
+                  </p:cNvCxnSpPr>
+                  <p:nvPr/>
+                </p:nvCxnSpPr>
+                <p:spPr>
+                  <a:xfrm>
+                    <a:off x="5527113" y="3428997"/>
+                    <a:ext cx="1867760" cy="19916"/>
+                  </a:xfrm>
+                  <a:prstGeom prst="straightConnector1">
+                    <a:avLst/>
+                  </a:prstGeom>
+                  <a:ln>
+                    <a:solidFill>
+                      <a:schemeClr val="tx1"/>
+                    </a:solidFill>
+                    <a:tailEnd type="triangle"/>
+                  </a:ln>
+                </p:spPr>
+                <p:style>
+                  <a:lnRef idx="2">
+                    <a:schemeClr val="accent1"/>
+                  </a:lnRef>
+                  <a:fillRef idx="0">
+                    <a:schemeClr val="accent1"/>
+                  </a:fillRef>
+                  <a:effectRef idx="1">
+                    <a:schemeClr val="accent1"/>
+                  </a:effectRef>
+                  <a:fontRef idx="minor">
+                    <a:schemeClr val="tx1"/>
+                  </a:fontRef>
+                </p:style>
+              </p:cxnSp>
+            </p:grpSp>
             <p:sp>
               <p:nvSpPr>
-                <p:cNvPr id="5" name="사각형: 둥근 모서리 4">
+                <p:cNvPr id="26" name="TextBox 25">
                   <a:extLst>
                     <a:ext uri="{FF2B5EF4-FFF2-40B4-BE49-F238E27FC236}">
-                      <a16:creationId xmlns:a16="http://schemas.microsoft.com/office/drawing/2014/main" id="{D3A06B0F-BD62-AA14-45CD-956E99122FAA}"/>
+                      <a16:creationId xmlns:a16="http://schemas.microsoft.com/office/drawing/2014/main" id="{535B2B62-824A-0A73-8F57-E2F82BC528D8}"/>
+                    </a:ext>
+                  </a:extLst>
+                </p:cNvPr>
+                <p:cNvSpPr txBox="1"/>
+                <p:nvPr/>
+              </p:nvSpPr>
+              <p:spPr>
+                <a:xfrm>
+                  <a:off x="1338798" y="2419154"/>
+                  <a:ext cx="1202927" cy="830997"/>
+                </a:xfrm>
+                <a:prstGeom prst="rect">
+                  <a:avLst/>
+                </a:prstGeom>
+                <a:noFill/>
+              </p:spPr>
+              <p:txBody>
+                <a:bodyPr wrap="square" rtlCol="0">
+                  <a:spAutoFit/>
+                </a:bodyPr>
+                <a:lstStyle/>
+                <a:p>
+                  <a:pPr algn="ctr"/>
+                  <a:r>
+                    <a:rPr lang="en-US" altLang="ko-KR" sz="2400" dirty="0">
+                      <a:latin typeface="Times New Roman" panose="02020603050405020304" pitchFamily="18" charset="0"/>
+                      <a:cs typeface="Times New Roman" panose="02020603050405020304" pitchFamily="18" charset="0"/>
+                    </a:rPr>
+                    <a:t>Sensor </a:t>
+                  </a:r>
+                </a:p>
+                <a:p>
+                  <a:pPr algn="ctr"/>
+                  <a:r>
+                    <a:rPr lang="en-US" altLang="ko-KR" sz="2400" dirty="0">
+                      <a:latin typeface="Times New Roman" panose="02020603050405020304" pitchFamily="18" charset="0"/>
+                      <a:cs typeface="Times New Roman" panose="02020603050405020304" pitchFamily="18" charset="0"/>
+                    </a:rPr>
+                    <a:t>data</a:t>
+                  </a:r>
+                </a:p>
+              </p:txBody>
+            </p:sp>
+          </p:grpSp>
+          <p:cxnSp>
+            <p:nvCxnSpPr>
+              <p:cNvPr id="71" name="연결선: 꺾임 70">
+                <a:extLst>
+                  <a:ext uri="{FF2B5EF4-FFF2-40B4-BE49-F238E27FC236}">
+                    <a16:creationId xmlns:a16="http://schemas.microsoft.com/office/drawing/2014/main" id="{E4B60A48-C21C-81C2-A2BA-DF0F70542C2D}"/>
+                  </a:ext>
+                </a:extLst>
+              </p:cNvPr>
+              <p:cNvCxnSpPr>
+                <a:cxnSpLocks/>
+                <a:stCxn id="10" idx="3"/>
+                <a:endCxn id="2" idx="3"/>
+              </p:cNvCxnSpPr>
+              <p:nvPr/>
+            </p:nvCxnSpPr>
+            <p:spPr>
+              <a:xfrm flipH="1">
+                <a:off x="10850725" y="3817757"/>
+                <a:ext cx="38100" cy="1989866"/>
+              </a:xfrm>
+              <a:prstGeom prst="bentConnector3">
+                <a:avLst>
+                  <a:gd name="adj1" fmla="val -600000"/>
+                </a:avLst>
+              </a:prstGeom>
+              <a:ln>
+                <a:solidFill>
+                  <a:schemeClr val="tx1"/>
+                </a:solidFill>
+                <a:tailEnd type="triangle"/>
+              </a:ln>
+            </p:spPr>
+            <p:style>
+              <a:lnRef idx="2">
+                <a:schemeClr val="accent1"/>
+              </a:lnRef>
+              <a:fillRef idx="0">
+                <a:schemeClr val="accent1"/>
+              </a:fillRef>
+              <a:effectRef idx="1">
+                <a:schemeClr val="accent1"/>
+              </a:effectRef>
+              <a:fontRef idx="minor">
+                <a:schemeClr val="tx1"/>
+              </a:fontRef>
+            </p:style>
+          </p:cxnSp>
+          <p:graphicFrame>
+            <p:nvGraphicFramePr>
+              <p:cNvPr id="72" name="개체 71">
+                <a:extLst>
+                  <a:ext uri="{FF2B5EF4-FFF2-40B4-BE49-F238E27FC236}">
+                    <a16:creationId xmlns:a16="http://schemas.microsoft.com/office/drawing/2014/main" id="{B96344F3-816D-F91F-DC88-EED92667F042}"/>
+                  </a:ext>
+                </a:extLst>
+              </p:cNvPr>
+              <p:cNvGraphicFramePr>
+                <a:graphicFrameLocks noChangeAspect="1"/>
+              </p:cNvGraphicFramePr>
+              <p:nvPr>
+                <p:extLst>
+                  <p:ext uri="{D42A27DB-BD31-4B8C-83A1-F6EECF244321}">
+                    <p14:modId xmlns:p14="http://schemas.microsoft.com/office/powerpoint/2010/main" val="3315174902"/>
+                  </p:ext>
+                </p:extLst>
+              </p:nvPr>
+            </p:nvGraphicFramePr>
+            <p:xfrm>
+              <a:off x="11160043" y="3809141"/>
+              <a:ext cx="965200" cy="1981200"/>
+            </p:xfrm>
+            <a:graphic>
+              <a:graphicData uri="http://schemas.openxmlformats.org/presentationml/2006/ole">
+                <mc:AlternateContent xmlns:mc="http://schemas.openxmlformats.org/markup-compatibility/2006">
+                  <mc:Choice xmlns:v="urn:schemas-microsoft-com:vml" Requires="v">
+                    <p:oleObj name="Equation" r:id="rId2" imgW="965160" imgH="1981080" progId="Equation.DSMT4">
+                      <p:embed/>
+                    </p:oleObj>
+                  </mc:Choice>
+                  <mc:Fallback>
+                    <p:oleObj name="Equation" r:id="rId2" imgW="965160" imgH="1981080" progId="Equation.DSMT4">
+                      <p:embed/>
+                      <p:pic>
+                        <p:nvPicPr>
+                          <p:cNvPr id="72" name="개체 71">
+                            <a:extLst>
+                              <a:ext uri="{FF2B5EF4-FFF2-40B4-BE49-F238E27FC236}">
+                                <a16:creationId xmlns:a16="http://schemas.microsoft.com/office/drawing/2014/main" id="{B96344F3-816D-F91F-DC88-EED92667F042}"/>
+                              </a:ext>
+                            </a:extLst>
+                          </p:cNvPr>
+                          <p:cNvPicPr/>
+                          <p:nvPr/>
+                        </p:nvPicPr>
+                        <p:blipFill>
+                          <a:blip r:embed="rId3"/>
+                          <a:stretch>
+                            <a:fillRect/>
+                          </a:stretch>
+                        </p:blipFill>
+                        <p:spPr>
+                          <a:xfrm>
+                            <a:off x="11160043" y="3809141"/>
+                            <a:ext cx="965200" cy="1981200"/>
+                          </a:xfrm>
+                          <a:prstGeom prst="rect">
+                            <a:avLst/>
+                          </a:prstGeom>
+                        </p:spPr>
+                      </p:pic>
+                    </p:oleObj>
+                  </mc:Fallback>
+                </mc:AlternateContent>
+              </a:graphicData>
+            </a:graphic>
+          </p:graphicFrame>
+          <p:sp>
+            <p:nvSpPr>
+              <p:cNvPr id="2" name="사각형: 둥근 모서리 1">
+                <a:extLst>
+                  <a:ext uri="{FF2B5EF4-FFF2-40B4-BE49-F238E27FC236}">
+                    <a16:creationId xmlns:a16="http://schemas.microsoft.com/office/drawing/2014/main" id="{0C4E13C0-1700-AEF2-6A52-4073EF54B423}"/>
+                  </a:ext>
+                </a:extLst>
+              </p:cNvPr>
+              <p:cNvSpPr/>
+              <p:nvPr/>
+            </p:nvSpPr>
+            <p:spPr>
+              <a:xfrm>
+                <a:off x="8077200" y="5244060"/>
+                <a:ext cx="2773525" cy="1127125"/>
+              </a:xfrm>
+              <a:prstGeom prst="roundRect">
+                <a:avLst/>
+              </a:prstGeom>
+              <a:noFill/>
+              <a:ln>
+                <a:solidFill>
+                  <a:schemeClr val="tx1"/>
+                </a:solidFill>
+              </a:ln>
+            </p:spPr>
+            <p:style>
+              <a:lnRef idx="2">
+                <a:schemeClr val="accent1">
+                  <a:shade val="15000"/>
+                </a:schemeClr>
+              </a:lnRef>
+              <a:fillRef idx="1">
+                <a:schemeClr val="accent1"/>
+              </a:fillRef>
+              <a:effectRef idx="0">
+                <a:schemeClr val="accent1"/>
+              </a:effectRef>
+              <a:fontRef idx="minor">
+                <a:schemeClr val="lt1"/>
+              </a:fontRef>
+            </p:style>
+            <p:txBody>
+              <a:bodyPr rtlCol="0" anchor="ctr"/>
+              <a:lstStyle/>
+              <a:p>
+                <a:r>
+                  <a:rPr lang="en-US" altLang="ko-KR" sz="2800" dirty="0">
+                    <a:solidFill>
+                      <a:schemeClr val="tx1"/>
+                    </a:solidFill>
+                    <a:latin typeface="Times New Roman" panose="02020603050405020304" pitchFamily="18" charset="0"/>
+                    <a:cs typeface="Times New Roman" panose="02020603050405020304" pitchFamily="18" charset="0"/>
+                  </a:rPr>
+                  <a:t>         calculation</a:t>
+                </a:r>
+                <a:endParaRPr lang="ko-KR" altLang="en-US" sz="2800" dirty="0">
+                  <a:solidFill>
+                    <a:schemeClr val="tx1"/>
+                  </a:solidFill>
+                  <a:latin typeface="Times New Roman" panose="02020603050405020304" pitchFamily="18" charset="0"/>
+                  <a:cs typeface="Times New Roman" panose="02020603050405020304" pitchFamily="18" charset="0"/>
+                </a:endParaRPr>
+              </a:p>
+            </p:txBody>
+          </p:sp>
+          <p:sp>
+            <p:nvSpPr>
+              <p:cNvPr id="8" name="사각형: 둥근 모서리 7">
+                <a:extLst>
+                  <a:ext uri="{FF2B5EF4-FFF2-40B4-BE49-F238E27FC236}">
+                    <a16:creationId xmlns:a16="http://schemas.microsoft.com/office/drawing/2014/main" id="{9C3915A5-3134-18E1-B543-08CFCE33B964}"/>
+                  </a:ext>
+                </a:extLst>
+              </p:cNvPr>
+              <p:cNvSpPr/>
+              <p:nvPr/>
+            </p:nvSpPr>
+            <p:spPr>
+              <a:xfrm>
+                <a:off x="3904263" y="5244059"/>
+                <a:ext cx="2273300" cy="1127125"/>
+              </a:xfrm>
+              <a:prstGeom prst="roundRect">
+                <a:avLst/>
+              </a:prstGeom>
+              <a:noFill/>
+              <a:ln>
+                <a:solidFill>
+                  <a:schemeClr val="tx1"/>
+                </a:solidFill>
+              </a:ln>
+            </p:spPr>
+            <p:style>
+              <a:lnRef idx="2">
+                <a:schemeClr val="accent1">
+                  <a:shade val="15000"/>
+                </a:schemeClr>
+              </a:lnRef>
+              <a:fillRef idx="1">
+                <a:schemeClr val="accent1"/>
+              </a:fillRef>
+              <a:effectRef idx="0">
+                <a:schemeClr val="accent1"/>
+              </a:effectRef>
+              <a:fontRef idx="minor">
+                <a:schemeClr val="lt1"/>
+              </a:fontRef>
+            </p:style>
+            <p:txBody>
+              <a:bodyPr rtlCol="0" anchor="ctr"/>
+              <a:lstStyle/>
+              <a:p>
+                <a:pPr algn="ctr"/>
+                <a:r>
+                  <a:rPr lang="en-US" altLang="ko-KR" sz="2800" dirty="0">
+                    <a:solidFill>
+                      <a:schemeClr val="tx1"/>
+                    </a:solidFill>
+                    <a:latin typeface="Times New Roman" panose="02020603050405020304" pitchFamily="18" charset="0"/>
+                    <a:cs typeface="Times New Roman" panose="02020603050405020304" pitchFamily="18" charset="0"/>
+                  </a:rPr>
+                  <a:t>Sliding Mode Control</a:t>
+                </a:r>
+                <a:endParaRPr lang="ko-KR" altLang="en-US" sz="2800" dirty="0">
+                  <a:solidFill>
+                    <a:schemeClr val="tx1"/>
+                  </a:solidFill>
+                  <a:latin typeface="Times New Roman" panose="02020603050405020304" pitchFamily="18" charset="0"/>
+                  <a:cs typeface="Times New Roman" panose="02020603050405020304" pitchFamily="18" charset="0"/>
+                </a:endParaRPr>
+              </a:p>
+            </p:txBody>
+          </p:sp>
+          <p:cxnSp>
+            <p:nvCxnSpPr>
+              <p:cNvPr id="14" name="직선 화살표 연결선 13">
+                <a:extLst>
+                  <a:ext uri="{FF2B5EF4-FFF2-40B4-BE49-F238E27FC236}">
+                    <a16:creationId xmlns:a16="http://schemas.microsoft.com/office/drawing/2014/main" id="{4C95694F-00D3-69FB-8365-EEF04C85171D}"/>
+                  </a:ext>
+                </a:extLst>
+              </p:cNvPr>
+              <p:cNvCxnSpPr>
+                <a:cxnSpLocks/>
+                <a:stCxn id="2" idx="1"/>
+                <a:endCxn id="8" idx="3"/>
+              </p:cNvCxnSpPr>
+              <p:nvPr/>
+            </p:nvCxnSpPr>
+            <p:spPr>
+              <a:xfrm flipH="1" flipV="1">
+                <a:off x="6177563" y="5807622"/>
+                <a:ext cx="1899637" cy="1"/>
+              </a:xfrm>
+              <a:prstGeom prst="straightConnector1">
+                <a:avLst/>
+              </a:prstGeom>
+              <a:ln>
+                <a:tailEnd type="triangle"/>
+              </a:ln>
+            </p:spPr>
+            <p:style>
+              <a:lnRef idx="2">
+                <a:schemeClr val="dk1"/>
+              </a:lnRef>
+              <a:fillRef idx="0">
+                <a:schemeClr val="dk1"/>
+              </a:fillRef>
+              <a:effectRef idx="1">
+                <a:schemeClr val="dk1"/>
+              </a:effectRef>
+              <a:fontRef idx="minor">
+                <a:schemeClr val="tx1"/>
+              </a:fontRef>
+            </p:style>
+          </p:cxnSp>
+          <p:sp>
+            <p:nvSpPr>
+              <p:cNvPr id="15" name="사각형: 둥근 모서리 14">
+                <a:extLst>
+                  <a:ext uri="{FF2B5EF4-FFF2-40B4-BE49-F238E27FC236}">
+                    <a16:creationId xmlns:a16="http://schemas.microsoft.com/office/drawing/2014/main" id="{59D24ABD-267E-E029-A88D-05BF0F8AA281}"/>
+                  </a:ext>
+                </a:extLst>
+              </p:cNvPr>
+              <p:cNvSpPr/>
+              <p:nvPr/>
+            </p:nvSpPr>
+            <p:spPr>
+              <a:xfrm>
+                <a:off x="6647126" y="1369606"/>
+                <a:ext cx="2685740" cy="1127125"/>
+              </a:xfrm>
+              <a:prstGeom prst="roundRect">
+                <a:avLst/>
+              </a:prstGeom>
+              <a:solidFill>
+                <a:srgbClr val="FFCC00"/>
+              </a:solidFill>
+              <a:ln>
+                <a:solidFill>
+                  <a:schemeClr val="tx1"/>
+                </a:solidFill>
+              </a:ln>
+            </p:spPr>
+            <p:style>
+              <a:lnRef idx="2">
+                <a:schemeClr val="accent1">
+                  <a:shade val="15000"/>
+                </a:schemeClr>
+              </a:lnRef>
+              <a:fillRef idx="1">
+                <a:schemeClr val="accent1"/>
+              </a:fillRef>
+              <a:effectRef idx="0">
+                <a:schemeClr val="accent1"/>
+              </a:effectRef>
+              <a:fontRef idx="minor">
+                <a:schemeClr val="lt1"/>
+              </a:fontRef>
+            </p:style>
+            <p:txBody>
+              <a:bodyPr rtlCol="0" anchor="ctr"/>
+              <a:lstStyle/>
+              <a:p>
+                <a:pPr algn="ctr"/>
+                <a:r>
+                  <a:rPr lang="en-US" altLang="ko-KR" sz="2400" dirty="0">
+                    <a:solidFill>
+                      <a:schemeClr val="tx1"/>
+                    </a:solidFill>
+                    <a:latin typeface="Times New Roman" panose="02020603050405020304" pitchFamily="18" charset="0"/>
+                    <a:cs typeface="Times New Roman" panose="02020603050405020304" pitchFamily="18" charset="0"/>
+                  </a:rPr>
+                  <a:t>Cornering stiffness optimization</a:t>
+                </a:r>
+                <a:endParaRPr lang="ko-KR" altLang="en-US" sz="2400" dirty="0">
+                  <a:solidFill>
+                    <a:schemeClr val="tx1"/>
+                  </a:solidFill>
+                  <a:latin typeface="Times New Roman" panose="02020603050405020304" pitchFamily="18" charset="0"/>
+                  <a:cs typeface="Times New Roman" panose="02020603050405020304" pitchFamily="18" charset="0"/>
+                </a:endParaRPr>
+              </a:p>
+            </p:txBody>
+          </p:sp>
+          <p:cxnSp>
+            <p:nvCxnSpPr>
+              <p:cNvPr id="21" name="연결선: 꺾임 20">
+                <a:extLst>
+                  <a:ext uri="{FF2B5EF4-FFF2-40B4-BE49-F238E27FC236}">
+                    <a16:creationId xmlns:a16="http://schemas.microsoft.com/office/drawing/2014/main" id="{334EB9F2-DF33-4A5B-79E3-C5AAE0DD1C00}"/>
+                  </a:ext>
+                </a:extLst>
+              </p:cNvPr>
+              <p:cNvCxnSpPr>
+                <a:cxnSpLocks/>
+                <a:stCxn id="7" idx="3"/>
+                <a:endCxn id="15" idx="1"/>
+              </p:cNvCxnSpPr>
+              <p:nvPr/>
+            </p:nvCxnSpPr>
+            <p:spPr>
+              <a:xfrm flipV="1">
+                <a:off x="6209440" y="1933169"/>
+                <a:ext cx="437686" cy="1864672"/>
+              </a:xfrm>
+              <a:prstGeom prst="bentConnector3">
+                <a:avLst>
+                  <a:gd name="adj1" fmla="val 50000"/>
+                </a:avLst>
+              </a:prstGeom>
+              <a:ln>
+                <a:solidFill>
+                  <a:schemeClr val="tx1"/>
+                </a:solidFill>
+                <a:tailEnd type="triangle"/>
+              </a:ln>
+            </p:spPr>
+            <p:style>
+              <a:lnRef idx="2">
+                <a:schemeClr val="accent1"/>
+              </a:lnRef>
+              <a:fillRef idx="0">
+                <a:schemeClr val="accent1"/>
+              </a:fillRef>
+              <a:effectRef idx="1">
+                <a:schemeClr val="accent1"/>
+              </a:effectRef>
+              <a:fontRef idx="minor">
+                <a:schemeClr val="tx1"/>
+              </a:fontRef>
+            </p:style>
+          </p:cxnSp>
+          <p:cxnSp>
+            <p:nvCxnSpPr>
+              <p:cNvPr id="27" name="연결선: 꺾임 26">
+                <a:extLst>
+                  <a:ext uri="{FF2B5EF4-FFF2-40B4-BE49-F238E27FC236}">
+                    <a16:creationId xmlns:a16="http://schemas.microsoft.com/office/drawing/2014/main" id="{83736AE5-4F35-72DA-0EBB-F6F07EF23898}"/>
+                  </a:ext>
+                </a:extLst>
+              </p:cNvPr>
+              <p:cNvCxnSpPr>
+                <a:cxnSpLocks/>
+                <a:stCxn id="15" idx="3"/>
+                <a:endCxn id="10" idx="0"/>
+              </p:cNvCxnSpPr>
+              <p:nvPr/>
+            </p:nvCxnSpPr>
+            <p:spPr>
+              <a:xfrm>
+                <a:off x="9332866" y="1933169"/>
+                <a:ext cx="150147" cy="1238947"/>
+              </a:xfrm>
+              <a:prstGeom prst="bentConnector2">
+                <a:avLst/>
+              </a:prstGeom>
+              <a:ln>
+                <a:solidFill>
+                  <a:schemeClr val="tx1"/>
+                </a:solidFill>
+                <a:tailEnd type="triangle"/>
+              </a:ln>
+            </p:spPr>
+            <p:style>
+              <a:lnRef idx="2">
+                <a:schemeClr val="accent1"/>
+              </a:lnRef>
+              <a:fillRef idx="0">
+                <a:schemeClr val="accent1"/>
+              </a:fillRef>
+              <a:effectRef idx="1">
+                <a:schemeClr val="accent1"/>
+              </a:effectRef>
+              <a:fontRef idx="minor">
+                <a:schemeClr val="tx1"/>
+              </a:fontRef>
+            </p:style>
+          </p:cxnSp>
+          <p:sp>
+            <p:nvSpPr>
+              <p:cNvPr id="31" name="직사각형 30">
+                <a:extLst>
+                  <a:ext uri="{FF2B5EF4-FFF2-40B4-BE49-F238E27FC236}">
+                    <a16:creationId xmlns:a16="http://schemas.microsoft.com/office/drawing/2014/main" id="{9D665D0E-8112-4AEB-B5FC-54C99FB7D68D}"/>
+                  </a:ext>
+                </a:extLst>
+              </p:cNvPr>
+              <p:cNvSpPr/>
+              <p:nvPr/>
+            </p:nvSpPr>
+            <p:spPr>
+              <a:xfrm>
+                <a:off x="152400" y="2654301"/>
+                <a:ext cx="12190575" cy="3944620"/>
+              </a:xfrm>
+              <a:prstGeom prst="rect">
+                <a:avLst/>
+              </a:prstGeom>
+              <a:noFill/>
+              <a:ln>
+                <a:solidFill>
+                  <a:schemeClr val="tx1"/>
+                </a:solidFill>
+                <a:prstDash val="dash"/>
+              </a:ln>
+            </p:spPr>
+            <p:style>
+              <a:lnRef idx="2">
+                <a:schemeClr val="accent1">
+                  <a:shade val="15000"/>
+                </a:schemeClr>
+              </a:lnRef>
+              <a:fillRef idx="1">
+                <a:schemeClr val="accent1"/>
+              </a:fillRef>
+              <a:effectRef idx="0">
+                <a:schemeClr val="accent1"/>
+              </a:effectRef>
+              <a:fontRef idx="minor">
+                <a:schemeClr val="lt1"/>
+              </a:fontRef>
+            </p:style>
+            <p:txBody>
+              <a:bodyPr rtlCol="0" anchor="ctr"/>
+              <a:lstStyle/>
+              <a:p>
+                <a:pPr algn="ctr"/>
+                <a:endParaRPr lang="ko-KR" altLang="en-US"/>
+              </a:p>
+            </p:txBody>
+          </p:sp>
+          <p:grpSp>
+            <p:nvGrpSpPr>
+              <p:cNvPr id="41" name="그룹 40">
+                <a:extLst>
+                  <a:ext uri="{FF2B5EF4-FFF2-40B4-BE49-F238E27FC236}">
+                    <a16:creationId xmlns:a16="http://schemas.microsoft.com/office/drawing/2014/main" id="{633897F3-0A60-8EEB-C6C7-BCC269626361}"/>
+                  </a:ext>
+                </a:extLst>
+              </p:cNvPr>
+              <p:cNvGrpSpPr/>
+              <p:nvPr/>
+            </p:nvGrpSpPr>
+            <p:grpSpPr>
+              <a:xfrm>
+                <a:off x="255155" y="5271987"/>
+                <a:ext cx="1733550" cy="889946"/>
+                <a:chOff x="548186" y="5897111"/>
+                <a:chExt cx="1882140" cy="914400"/>
+              </a:xfrm>
+            </p:grpSpPr>
+            <p:pic>
+              <p:nvPicPr>
+                <p:cNvPr id="39" name="그림 38">
+                  <a:extLst>
+                    <a:ext uri="{FF2B5EF4-FFF2-40B4-BE49-F238E27FC236}">
+                      <a16:creationId xmlns:a16="http://schemas.microsoft.com/office/drawing/2014/main" id="{9A78C5FB-CAF0-C6E4-E312-4589E022C3B4}"/>
+                    </a:ext>
+                  </a:extLst>
+                </p:cNvPr>
+                <p:cNvPicPr>
+                  <a:picLocks noChangeAspect="1"/>
+                </p:cNvPicPr>
+                <p:nvPr/>
+              </p:nvPicPr>
+              <p:blipFill>
+                <a:blip r:embed="rId4">
+                  <a:extLst>
+                    <a:ext uri="{28A0092B-C50C-407E-A947-70E740481C1C}">
+                      <a14:useLocalDpi xmlns:a14="http://schemas.microsoft.com/office/drawing/2010/main" val="0"/>
+                    </a:ext>
+                  </a:extLst>
+                </a:blip>
+                <a:stretch>
+                  <a:fillRect/>
+                </a:stretch>
+              </p:blipFill>
+              <p:spPr>
+                <a:xfrm>
+                  <a:off x="708006" y="5907213"/>
+                  <a:ext cx="1529085" cy="871449"/>
+                </a:xfrm>
+                <a:prstGeom prst="rect">
+                  <a:avLst/>
+                </a:prstGeom>
+                <a:ln>
+                  <a:noFill/>
+                </a:ln>
+              </p:spPr>
+            </p:pic>
+            <p:sp>
+              <p:nvSpPr>
+                <p:cNvPr id="40" name="사각형: 둥근 모서리 39">
+                  <a:extLst>
+                    <a:ext uri="{FF2B5EF4-FFF2-40B4-BE49-F238E27FC236}">
+                      <a16:creationId xmlns:a16="http://schemas.microsoft.com/office/drawing/2014/main" id="{06D05A99-8ABB-ED76-3087-F991B8ECABAA}"/>
                     </a:ext>
                   </a:extLst>
                 </p:cNvPr>
@@ -6580,8 +7511,8 @@
               </p:nvSpPr>
               <p:spPr>
                 <a:xfrm>
-                  <a:off x="-455299" y="2668518"/>
-                  <a:ext cx="1733550" cy="1573753"/>
+                  <a:off x="548186" y="5897111"/>
+                  <a:ext cx="1882140" cy="914400"/>
                 </a:xfrm>
                 <a:prstGeom prst="roundRect">
                   <a:avLst/>
@@ -6614,254 +7545,17 @@
                 <a:lstStyle/>
                 <a:p>
                   <a:pPr algn="ctr"/>
-                  <a:endParaRPr lang="ko-KR" altLang="en-US" b="1" dirty="0"/>
+                  <a:endParaRPr lang="ko-KR" altLang="en-US"/>
                 </a:p>
               </p:txBody>
             </p:sp>
-            <p:sp>
-              <p:nvSpPr>
-                <p:cNvPr id="6" name="TextBox 5">
-                  <a:extLst>
-                    <a:ext uri="{FF2B5EF4-FFF2-40B4-BE49-F238E27FC236}">
-                      <a16:creationId xmlns:a16="http://schemas.microsoft.com/office/drawing/2014/main" id="{38920677-CC45-9CC7-3DA7-68E983665473}"/>
-                    </a:ext>
-                  </a:extLst>
-                </p:cNvPr>
-                <p:cNvSpPr txBox="1"/>
-                <p:nvPr/>
-              </p:nvSpPr>
-              <p:spPr>
-                <a:xfrm>
-                  <a:off x="-363141" y="4223334"/>
-                  <a:ext cx="1549234" cy="461665"/>
-                </a:xfrm>
-                <a:prstGeom prst="rect">
-                  <a:avLst/>
-                </a:prstGeom>
-                <a:noFill/>
-              </p:spPr>
-              <p:txBody>
-                <a:bodyPr wrap="square" rtlCol="0">
-                  <a:spAutoFit/>
-                </a:bodyPr>
-                <a:lstStyle/>
-                <a:p>
-                  <a:r>
-                    <a:rPr lang="en-US" altLang="ko-KR" sz="2400" dirty="0">
-                      <a:latin typeface="Times New Roman" panose="02020603050405020304" pitchFamily="18" charset="0"/>
-                      <a:cs typeface="Times New Roman" panose="02020603050405020304" pitchFamily="18" charset="0"/>
-                    </a:rPr>
-                    <a:t>Simulation</a:t>
-                  </a:r>
-                  <a:endParaRPr lang="ko-KR" altLang="en-US" sz="2400" dirty="0">
-                    <a:latin typeface="Times New Roman" panose="02020603050405020304" pitchFamily="18" charset="0"/>
-                    <a:cs typeface="Times New Roman" panose="02020603050405020304" pitchFamily="18" charset="0"/>
-                  </a:endParaRPr>
-                </a:p>
-              </p:txBody>
-            </p:sp>
-            <p:sp>
-              <p:nvSpPr>
-                <p:cNvPr id="7" name="사각형: 둥근 모서리 6">
-                  <a:extLst>
-                    <a:ext uri="{FF2B5EF4-FFF2-40B4-BE49-F238E27FC236}">
-                      <a16:creationId xmlns:a16="http://schemas.microsoft.com/office/drawing/2014/main" id="{156F8E37-A027-F87F-CC4C-212B3D81DCA1}"/>
-                    </a:ext>
-                  </a:extLst>
-                </p:cNvPr>
-                <p:cNvSpPr/>
-                <p:nvPr/>
-              </p:nvSpPr>
-              <p:spPr>
-                <a:xfrm>
-                  <a:off x="3253813" y="2865434"/>
-                  <a:ext cx="2273300" cy="1127125"/>
-                </a:xfrm>
-                <a:prstGeom prst="roundRect">
-                  <a:avLst/>
-                </a:prstGeom>
-                <a:noFill/>
-                <a:ln>
-                  <a:solidFill>
-                    <a:schemeClr val="tx1"/>
-                  </a:solidFill>
-                </a:ln>
-              </p:spPr>
-              <p:style>
-                <a:lnRef idx="2">
-                  <a:schemeClr val="accent1">
-                    <a:shade val="15000"/>
-                  </a:schemeClr>
-                </a:lnRef>
-                <a:fillRef idx="1">
-                  <a:schemeClr val="accent1"/>
-                </a:fillRef>
-                <a:effectRef idx="0">
-                  <a:schemeClr val="accent1"/>
-                </a:effectRef>
-                <a:fontRef idx="minor">
-                  <a:schemeClr val="lt1"/>
-                </a:fontRef>
-              </p:style>
-              <p:txBody>
-                <a:bodyPr rtlCol="0" anchor="ctr"/>
-                <a:lstStyle/>
-                <a:p>
-                  <a:pPr algn="ctr"/>
-                  <a:r>
-                    <a:rPr lang="en-US" altLang="ko-KR" sz="2400" dirty="0">
-                      <a:solidFill>
-                        <a:schemeClr val="tx1"/>
-                      </a:solidFill>
-                      <a:latin typeface="Times New Roman" panose="02020603050405020304" pitchFamily="18" charset="0"/>
-                      <a:cs typeface="Times New Roman" panose="02020603050405020304" pitchFamily="18" charset="0"/>
-                    </a:rPr>
-                    <a:t>Vertical force</a:t>
-                  </a:r>
-                </a:p>
-                <a:p>
-                  <a:pPr algn="ctr"/>
-                  <a:r>
-                    <a:rPr lang="en-US" altLang="ko-KR" sz="2400" dirty="0">
-                      <a:solidFill>
-                        <a:schemeClr val="tx1"/>
-                      </a:solidFill>
-                      <a:latin typeface="Times New Roman" panose="02020603050405020304" pitchFamily="18" charset="0"/>
-                      <a:cs typeface="Times New Roman" panose="02020603050405020304" pitchFamily="18" charset="0"/>
-                    </a:rPr>
-                    <a:t>calculation</a:t>
-                  </a:r>
-                  <a:endParaRPr lang="ko-KR" altLang="en-US" sz="2400" dirty="0">
-                    <a:solidFill>
-                      <a:schemeClr val="tx1"/>
-                    </a:solidFill>
-                    <a:latin typeface="Times New Roman" panose="02020603050405020304" pitchFamily="18" charset="0"/>
-                    <a:cs typeface="Times New Roman" panose="02020603050405020304" pitchFamily="18" charset="0"/>
-                  </a:endParaRPr>
-                </a:p>
-              </p:txBody>
-            </p:sp>
-            <p:sp>
-              <p:nvSpPr>
-                <p:cNvPr id="10" name="사각형: 둥근 모서리 9">
-                  <a:extLst>
-                    <a:ext uri="{FF2B5EF4-FFF2-40B4-BE49-F238E27FC236}">
-                      <a16:creationId xmlns:a16="http://schemas.microsoft.com/office/drawing/2014/main" id="{8A4EFFAF-34C2-E9CC-46A4-E1A8F1A9B781}"/>
-                    </a:ext>
-                  </a:extLst>
-                </p:cNvPr>
-                <p:cNvSpPr/>
-                <p:nvPr/>
-              </p:nvSpPr>
-              <p:spPr>
-                <a:xfrm>
-                  <a:off x="8040436" y="2846385"/>
-                  <a:ext cx="2166062" cy="1127125"/>
-                </a:xfrm>
-                <a:prstGeom prst="roundRect">
-                  <a:avLst/>
-                </a:prstGeom>
-                <a:noFill/>
-                <a:ln>
-                  <a:solidFill>
-                    <a:schemeClr val="tx1"/>
-                  </a:solidFill>
-                </a:ln>
-              </p:spPr>
-              <p:style>
-                <a:lnRef idx="2">
-                  <a:schemeClr val="accent1">
-                    <a:shade val="15000"/>
-                  </a:schemeClr>
-                </a:lnRef>
-                <a:fillRef idx="1">
-                  <a:schemeClr val="accent1"/>
-                </a:fillRef>
-                <a:effectRef idx="0">
-                  <a:schemeClr val="accent1"/>
-                </a:effectRef>
-                <a:fontRef idx="minor">
-                  <a:schemeClr val="lt1"/>
-                </a:fontRef>
-              </p:style>
-              <p:txBody>
-                <a:bodyPr rtlCol="0" anchor="ctr"/>
-                <a:lstStyle/>
-                <a:p>
-                  <a:pPr algn="ctr"/>
-                  <a:r>
-                    <a:rPr lang="en-US" altLang="ko-KR" sz="2400" dirty="0">
-                      <a:solidFill>
-                        <a:schemeClr val="tx1"/>
-                      </a:solidFill>
-                      <a:latin typeface="Times New Roman" panose="02020603050405020304" pitchFamily="18" charset="0"/>
-                      <a:cs typeface="Times New Roman" panose="02020603050405020304" pitchFamily="18" charset="0"/>
-                    </a:rPr>
-                    <a:t>Adaptive Extended Kalman Filter</a:t>
-                  </a:r>
-                  <a:endParaRPr lang="ko-KR" altLang="en-US" sz="2400" dirty="0">
-                    <a:solidFill>
-                      <a:schemeClr val="tx1"/>
-                    </a:solidFill>
-                    <a:latin typeface="Times New Roman" panose="02020603050405020304" pitchFamily="18" charset="0"/>
-                    <a:cs typeface="Times New Roman" panose="02020603050405020304" pitchFamily="18" charset="0"/>
-                  </a:endParaRPr>
-                </a:p>
-              </p:txBody>
-            </p:sp>
-            <p:cxnSp>
-              <p:nvCxnSpPr>
-                <p:cNvPr id="12" name="직선 화살표 연결선 11">
-                  <a:extLst>
-                    <a:ext uri="{FF2B5EF4-FFF2-40B4-BE49-F238E27FC236}">
-                      <a16:creationId xmlns:a16="http://schemas.microsoft.com/office/drawing/2014/main" id="{819F99CD-245C-F8A2-7438-BDB52E4E4CE1}"/>
-                    </a:ext>
-                  </a:extLst>
-                </p:cNvPr>
-                <p:cNvCxnSpPr>
-                  <a:cxnSpLocks/>
-                  <a:stCxn id="7" idx="3"/>
-                  <a:endCxn id="10" idx="1"/>
-                </p:cNvCxnSpPr>
-                <p:nvPr/>
-              </p:nvCxnSpPr>
-              <p:spPr>
-                <a:xfrm flipV="1">
-                  <a:off x="5527113" y="3409948"/>
-                  <a:ext cx="2513323" cy="19049"/>
-                </a:xfrm>
-                <a:prstGeom prst="straightConnector1">
-                  <a:avLst/>
-                </a:prstGeom>
-                <a:ln>
-                  <a:solidFill>
-                    <a:schemeClr val="tx1"/>
-                  </a:solidFill>
-                  <a:tailEnd type="triangle"/>
-                </a:ln>
-              </p:spPr>
-              <p:style>
-                <a:lnRef idx="2">
-                  <a:schemeClr val="accent1"/>
-                </a:lnRef>
-                <a:fillRef idx="0">
-                  <a:schemeClr val="accent1"/>
-                </a:fillRef>
-                <a:effectRef idx="1">
-                  <a:schemeClr val="accent1"/>
-                </a:effectRef>
-                <a:fontRef idx="minor">
-                  <a:schemeClr val="tx1"/>
-                </a:fontRef>
-              </p:style>
-            </p:cxnSp>
           </p:grpSp>
           <p:sp>
             <p:nvSpPr>
-              <p:cNvPr id="26" name="TextBox 25">
+              <p:cNvPr id="42" name="TextBox 41">
                 <a:extLst>
                   <a:ext uri="{FF2B5EF4-FFF2-40B4-BE49-F238E27FC236}">
-                    <a16:creationId xmlns:a16="http://schemas.microsoft.com/office/drawing/2014/main" id="{535B2B62-824A-0A73-8F57-E2F82BC528D8}"/>
+                    <a16:creationId xmlns:a16="http://schemas.microsoft.com/office/drawing/2014/main" id="{8F697F87-6183-1422-093A-5947C78CA733}"/>
                   </a:ext>
                 </a:extLst>
               </p:cNvPr>
@@ -6870,8 +7564,8 @@
             </p:nvSpPr>
             <p:spPr>
               <a:xfrm>
-                <a:off x="1338798" y="2419154"/>
-                <a:ext cx="1202927" cy="830997"/>
+                <a:off x="152400" y="6117190"/>
+                <a:ext cx="2127962" cy="461665"/>
               </a:xfrm>
               <a:prstGeom prst="rect">
                 <a:avLst/>
@@ -6884,605 +7578,26 @@
               </a:bodyPr>
               <a:lstStyle/>
               <a:p>
-                <a:pPr algn="ctr"/>
                 <a:r>
                   <a:rPr lang="en-US" altLang="ko-KR" sz="2400" dirty="0">
                     <a:latin typeface="Times New Roman" panose="02020603050405020304" pitchFamily="18" charset="0"/>
                     <a:cs typeface="Times New Roman" panose="02020603050405020304" pitchFamily="18" charset="0"/>
                   </a:rPr>
-                  <a:t>Sensor </a:t>
+                  <a:t>Gaussian noise</a:t>
                 </a:r>
-              </a:p>
-              <a:p>
-                <a:pPr algn="ctr"/>
-                <a:r>
-                  <a:rPr lang="en-US" altLang="ko-KR" sz="2400" dirty="0">
-                    <a:latin typeface="Times New Roman" panose="02020603050405020304" pitchFamily="18" charset="0"/>
-                    <a:cs typeface="Times New Roman" panose="02020603050405020304" pitchFamily="18" charset="0"/>
-                  </a:rPr>
-                  <a:t>data</a:t>
-                </a:r>
+                <a:endParaRPr lang="ko-KR" altLang="en-US" sz="2400" dirty="0">
+                  <a:latin typeface="Times New Roman" panose="02020603050405020304" pitchFamily="18" charset="0"/>
+                  <a:cs typeface="Times New Roman" panose="02020603050405020304" pitchFamily="18" charset="0"/>
+                </a:endParaRPr>
               </a:p>
             </p:txBody>
           </p:sp>
-        </p:grpSp>
-        <p:cxnSp>
-          <p:nvCxnSpPr>
-            <p:cNvPr id="71" name="연결선: 꺾임 70">
-              <a:extLst>
-                <a:ext uri="{FF2B5EF4-FFF2-40B4-BE49-F238E27FC236}">
-                  <a16:creationId xmlns:a16="http://schemas.microsoft.com/office/drawing/2014/main" id="{E4B60A48-C21C-81C2-A2BA-DF0F70542C2D}"/>
-                </a:ext>
-              </a:extLst>
-            </p:cNvPr>
-            <p:cNvCxnSpPr>
-              <a:cxnSpLocks/>
-              <a:stCxn id="10" idx="3"/>
-              <a:endCxn id="2" idx="3"/>
-            </p:cNvCxnSpPr>
-            <p:nvPr/>
-          </p:nvCxnSpPr>
-          <p:spPr>
-            <a:xfrm flipH="1">
-              <a:off x="10850725" y="3778792"/>
-              <a:ext cx="38100" cy="2028831"/>
-            </a:xfrm>
-            <a:prstGeom prst="bentConnector3">
-              <a:avLst>
-                <a:gd name="adj1" fmla="val -600000"/>
-              </a:avLst>
-            </a:prstGeom>
-            <a:ln>
-              <a:solidFill>
-                <a:schemeClr val="tx1"/>
-              </a:solidFill>
-              <a:tailEnd type="triangle"/>
-            </a:ln>
-          </p:spPr>
-          <p:style>
-            <a:lnRef idx="2">
-              <a:schemeClr val="accent1"/>
-            </a:lnRef>
-            <a:fillRef idx="0">
-              <a:schemeClr val="accent1"/>
-            </a:fillRef>
-            <a:effectRef idx="1">
-              <a:schemeClr val="accent1"/>
-            </a:effectRef>
-            <a:fontRef idx="minor">
-              <a:schemeClr val="tx1"/>
-            </a:fontRef>
-          </p:style>
-        </p:cxnSp>
-        <p:graphicFrame>
-          <p:nvGraphicFramePr>
-            <p:cNvPr id="72" name="개체 71">
-              <a:extLst>
-                <a:ext uri="{FF2B5EF4-FFF2-40B4-BE49-F238E27FC236}">
-                  <a16:creationId xmlns:a16="http://schemas.microsoft.com/office/drawing/2014/main" id="{B96344F3-816D-F91F-DC88-EED92667F042}"/>
-                </a:ext>
-              </a:extLst>
-            </p:cNvPr>
-            <p:cNvGraphicFramePr>
-              <a:graphicFrameLocks noChangeAspect="1"/>
-            </p:cNvGraphicFramePr>
-            <p:nvPr>
-              <p:extLst>
-                <p:ext uri="{D42A27DB-BD31-4B8C-83A1-F6EECF244321}">
-                  <p14:modId xmlns:p14="http://schemas.microsoft.com/office/powerpoint/2010/main" val="3315174902"/>
-                </p:ext>
-              </p:extLst>
-            </p:nvPr>
-          </p:nvGraphicFramePr>
-          <p:xfrm>
-            <a:off x="11160043" y="3809141"/>
-            <a:ext cx="965200" cy="1981200"/>
-          </p:xfrm>
-          <a:graphic>
-            <a:graphicData uri="http://schemas.openxmlformats.org/presentationml/2006/ole">
-              <mc:AlternateContent xmlns:mc="http://schemas.openxmlformats.org/markup-compatibility/2006">
-                <mc:Choice xmlns:v="urn:schemas-microsoft-com:vml" Requires="v">
-                  <p:oleObj name="Equation" r:id="rId2" imgW="965160" imgH="1981080" progId="Equation.DSMT4">
-                    <p:embed/>
-                  </p:oleObj>
-                </mc:Choice>
-                <mc:Fallback>
-                  <p:oleObj name="Equation" r:id="rId2" imgW="965160" imgH="1981080" progId="Equation.DSMT4">
-                    <p:embed/>
-                    <p:pic>
-                      <p:nvPicPr>
-                        <p:cNvPr id="72" name="개체 71">
-                          <a:extLst>
-                            <a:ext uri="{FF2B5EF4-FFF2-40B4-BE49-F238E27FC236}">
-                              <a16:creationId xmlns:a16="http://schemas.microsoft.com/office/drawing/2014/main" id="{B96344F3-816D-F91F-DC88-EED92667F042}"/>
-                            </a:ext>
-                          </a:extLst>
-                        </p:cNvPr>
-                        <p:cNvPicPr/>
-                        <p:nvPr/>
-                      </p:nvPicPr>
-                      <p:blipFill>
-                        <a:blip r:embed="rId3"/>
-                        <a:stretch>
-                          <a:fillRect/>
-                        </a:stretch>
-                      </p:blipFill>
-                      <p:spPr>
-                        <a:xfrm>
-                          <a:off x="11160043" y="3809141"/>
-                          <a:ext cx="965200" cy="1981200"/>
-                        </a:xfrm>
-                        <a:prstGeom prst="rect">
-                          <a:avLst/>
-                        </a:prstGeom>
-                      </p:spPr>
-                    </p:pic>
-                  </p:oleObj>
-                </mc:Fallback>
-              </mc:AlternateContent>
-            </a:graphicData>
-          </a:graphic>
-        </p:graphicFrame>
-        <p:sp>
-          <p:nvSpPr>
-            <p:cNvPr id="2" name="사각형: 둥근 모서리 1">
-              <a:extLst>
-                <a:ext uri="{FF2B5EF4-FFF2-40B4-BE49-F238E27FC236}">
-                  <a16:creationId xmlns:a16="http://schemas.microsoft.com/office/drawing/2014/main" id="{0C4E13C0-1700-AEF2-6A52-4073EF54B423}"/>
-                </a:ext>
-              </a:extLst>
-            </p:cNvPr>
-            <p:cNvSpPr/>
-            <p:nvPr/>
-          </p:nvSpPr>
-          <p:spPr>
-            <a:xfrm>
-              <a:off x="8722763" y="5244060"/>
-              <a:ext cx="2127962" cy="1127125"/>
-            </a:xfrm>
-            <a:prstGeom prst="roundRect">
-              <a:avLst/>
-            </a:prstGeom>
-            <a:noFill/>
-            <a:ln>
-              <a:solidFill>
-                <a:schemeClr val="tx1"/>
-              </a:solidFill>
-            </a:ln>
-          </p:spPr>
-          <p:style>
-            <a:lnRef idx="2">
-              <a:schemeClr val="accent1">
-                <a:shade val="15000"/>
-              </a:schemeClr>
-            </a:lnRef>
-            <a:fillRef idx="1">
-              <a:schemeClr val="accent1"/>
-            </a:fillRef>
-            <a:effectRef idx="0">
-              <a:schemeClr val="accent1"/>
-            </a:effectRef>
-            <a:fontRef idx="minor">
-              <a:schemeClr val="lt1"/>
-            </a:fontRef>
-          </p:style>
-          <p:txBody>
-            <a:bodyPr rtlCol="0" anchor="ctr"/>
-            <a:lstStyle/>
-            <a:p>
-              <a:r>
-                <a:rPr lang="en-US" altLang="ko-KR" sz="2400" dirty="0">
-                  <a:solidFill>
-                    <a:schemeClr val="tx1"/>
-                  </a:solidFill>
-                  <a:latin typeface="Times New Roman" panose="02020603050405020304" pitchFamily="18" charset="0"/>
-                  <a:cs typeface="Times New Roman" panose="02020603050405020304" pitchFamily="18" charset="0"/>
-                </a:rPr>
-                <a:t>      calculation</a:t>
-              </a:r>
-              <a:endParaRPr lang="ko-KR" altLang="en-US" sz="2400" dirty="0">
-                <a:solidFill>
-                  <a:schemeClr val="tx1"/>
-                </a:solidFill>
-                <a:latin typeface="Times New Roman" panose="02020603050405020304" pitchFamily="18" charset="0"/>
-                <a:cs typeface="Times New Roman" panose="02020603050405020304" pitchFamily="18" charset="0"/>
-              </a:endParaRPr>
-            </a:p>
-          </p:txBody>
-        </p:sp>
-        <p:sp>
-          <p:nvSpPr>
-            <p:cNvPr id="8" name="사각형: 둥근 모서리 7">
-              <a:extLst>
-                <a:ext uri="{FF2B5EF4-FFF2-40B4-BE49-F238E27FC236}">
-                  <a16:creationId xmlns:a16="http://schemas.microsoft.com/office/drawing/2014/main" id="{9C3915A5-3134-18E1-B543-08CFCE33B964}"/>
-                </a:ext>
-              </a:extLst>
-            </p:cNvPr>
-            <p:cNvSpPr/>
-            <p:nvPr/>
-          </p:nvSpPr>
-          <p:spPr>
-            <a:xfrm>
-              <a:off x="3904263" y="5244059"/>
-              <a:ext cx="2273300" cy="1127125"/>
-            </a:xfrm>
-            <a:prstGeom prst="roundRect">
-              <a:avLst/>
-            </a:prstGeom>
-            <a:noFill/>
-            <a:ln>
-              <a:solidFill>
-                <a:schemeClr val="tx1"/>
-              </a:solidFill>
-            </a:ln>
-          </p:spPr>
-          <p:style>
-            <a:lnRef idx="2">
-              <a:schemeClr val="accent1">
-                <a:shade val="15000"/>
-              </a:schemeClr>
-            </a:lnRef>
-            <a:fillRef idx="1">
-              <a:schemeClr val="accent1"/>
-            </a:fillRef>
-            <a:effectRef idx="0">
-              <a:schemeClr val="accent1"/>
-            </a:effectRef>
-            <a:fontRef idx="minor">
-              <a:schemeClr val="lt1"/>
-            </a:fontRef>
-          </p:style>
-          <p:txBody>
-            <a:bodyPr rtlCol="0" anchor="ctr"/>
-            <a:lstStyle/>
-            <a:p>
-              <a:pPr algn="ctr"/>
-              <a:r>
-                <a:rPr lang="en-US" altLang="ko-KR" sz="2400" dirty="0">
-                  <a:solidFill>
-                    <a:schemeClr val="tx1"/>
-                  </a:solidFill>
-                  <a:latin typeface="Times New Roman" panose="02020603050405020304" pitchFamily="18" charset="0"/>
-                  <a:cs typeface="Times New Roman" panose="02020603050405020304" pitchFamily="18" charset="0"/>
-                </a:rPr>
-                <a:t>Sliding Mode Control</a:t>
-              </a:r>
-              <a:endParaRPr lang="ko-KR" altLang="en-US" sz="2400" dirty="0">
-                <a:solidFill>
-                  <a:schemeClr val="tx1"/>
-                </a:solidFill>
-                <a:latin typeface="Times New Roman" panose="02020603050405020304" pitchFamily="18" charset="0"/>
-                <a:cs typeface="Times New Roman" panose="02020603050405020304" pitchFamily="18" charset="0"/>
-              </a:endParaRPr>
-            </a:p>
-          </p:txBody>
-        </p:sp>
-        <p:cxnSp>
-          <p:nvCxnSpPr>
-            <p:cNvPr id="14" name="직선 화살표 연결선 13">
-              <a:extLst>
-                <a:ext uri="{FF2B5EF4-FFF2-40B4-BE49-F238E27FC236}">
-                  <a16:creationId xmlns:a16="http://schemas.microsoft.com/office/drawing/2014/main" id="{4C95694F-00D3-69FB-8365-EEF04C85171D}"/>
-                </a:ext>
-              </a:extLst>
-            </p:cNvPr>
-            <p:cNvCxnSpPr>
-              <a:cxnSpLocks/>
-              <a:stCxn id="2" idx="1"/>
-              <a:endCxn id="8" idx="3"/>
-            </p:cNvCxnSpPr>
-            <p:nvPr/>
-          </p:nvCxnSpPr>
-          <p:spPr>
-            <a:xfrm flipH="1" flipV="1">
-              <a:off x="6177563" y="5807622"/>
-              <a:ext cx="2545200" cy="1"/>
-            </a:xfrm>
-            <a:prstGeom prst="straightConnector1">
-              <a:avLst/>
-            </a:prstGeom>
-            <a:ln>
-              <a:tailEnd type="triangle"/>
-            </a:ln>
-          </p:spPr>
-          <p:style>
-            <a:lnRef idx="2">
-              <a:schemeClr val="dk1"/>
-            </a:lnRef>
-            <a:fillRef idx="0">
-              <a:schemeClr val="dk1"/>
-            </a:fillRef>
-            <a:effectRef idx="1">
-              <a:schemeClr val="dk1"/>
-            </a:effectRef>
-            <a:fontRef idx="minor">
-              <a:schemeClr val="tx1"/>
-            </a:fontRef>
-          </p:style>
-        </p:cxnSp>
-        <p:sp>
-          <p:nvSpPr>
-            <p:cNvPr id="15" name="사각형: 둥근 모서리 14">
-              <a:extLst>
-                <a:ext uri="{FF2B5EF4-FFF2-40B4-BE49-F238E27FC236}">
-                  <a16:creationId xmlns:a16="http://schemas.microsoft.com/office/drawing/2014/main" id="{59D24ABD-267E-E029-A88D-05BF0F8AA281}"/>
-                </a:ext>
-              </a:extLst>
-            </p:cNvPr>
-            <p:cNvSpPr/>
-            <p:nvPr/>
-          </p:nvSpPr>
-          <p:spPr>
-            <a:xfrm>
-              <a:off x="6647126" y="1369606"/>
-              <a:ext cx="2685740" cy="1127125"/>
-            </a:xfrm>
-            <a:prstGeom prst="roundRect">
-              <a:avLst/>
-            </a:prstGeom>
-            <a:solidFill>
-              <a:srgbClr val="FFCC00"/>
-            </a:solidFill>
-            <a:ln>
-              <a:solidFill>
-                <a:schemeClr val="tx1"/>
-              </a:solidFill>
-            </a:ln>
-          </p:spPr>
-          <p:style>
-            <a:lnRef idx="2">
-              <a:schemeClr val="accent1">
-                <a:shade val="15000"/>
-              </a:schemeClr>
-            </a:lnRef>
-            <a:fillRef idx="1">
-              <a:schemeClr val="accent1"/>
-            </a:fillRef>
-            <a:effectRef idx="0">
-              <a:schemeClr val="accent1"/>
-            </a:effectRef>
-            <a:fontRef idx="minor">
-              <a:schemeClr val="lt1"/>
-            </a:fontRef>
-          </p:style>
-          <p:txBody>
-            <a:bodyPr rtlCol="0" anchor="ctr"/>
-            <a:lstStyle/>
-            <a:p>
-              <a:pPr algn="ctr"/>
-              <a:r>
-                <a:rPr lang="en-US" altLang="ko-KR" sz="2000" dirty="0">
-                  <a:solidFill>
-                    <a:schemeClr val="tx1"/>
-                  </a:solidFill>
-                  <a:latin typeface="Times New Roman" panose="02020603050405020304" pitchFamily="18" charset="0"/>
-                  <a:cs typeface="Times New Roman" panose="02020603050405020304" pitchFamily="18" charset="0"/>
-                </a:rPr>
-                <a:t>Cornering stiffness optimization</a:t>
-              </a:r>
-              <a:endParaRPr lang="ko-KR" altLang="en-US" sz="2000" dirty="0">
-                <a:solidFill>
-                  <a:schemeClr val="tx1"/>
-                </a:solidFill>
-                <a:latin typeface="Times New Roman" panose="02020603050405020304" pitchFamily="18" charset="0"/>
-                <a:cs typeface="Times New Roman" panose="02020603050405020304" pitchFamily="18" charset="0"/>
-              </a:endParaRPr>
-            </a:p>
-          </p:txBody>
-        </p:sp>
-        <p:cxnSp>
-          <p:nvCxnSpPr>
-            <p:cNvPr id="21" name="연결선: 꺾임 20">
-              <a:extLst>
-                <a:ext uri="{FF2B5EF4-FFF2-40B4-BE49-F238E27FC236}">
-                  <a16:creationId xmlns:a16="http://schemas.microsoft.com/office/drawing/2014/main" id="{334EB9F2-DF33-4A5B-79E3-C5AAE0DD1C00}"/>
-                </a:ext>
-              </a:extLst>
-            </p:cNvPr>
-            <p:cNvCxnSpPr>
-              <a:cxnSpLocks/>
-              <a:stCxn id="7" idx="3"/>
-              <a:endCxn id="15" idx="1"/>
-            </p:cNvCxnSpPr>
-            <p:nvPr/>
-          </p:nvCxnSpPr>
-          <p:spPr>
-            <a:xfrm flipV="1">
-              <a:off x="6209440" y="1933169"/>
-              <a:ext cx="437686" cy="1864672"/>
-            </a:xfrm>
-            <a:prstGeom prst="bentConnector3">
-              <a:avLst>
-                <a:gd name="adj1" fmla="val 50000"/>
-              </a:avLst>
-            </a:prstGeom>
-            <a:ln>
-              <a:solidFill>
-                <a:schemeClr val="tx1"/>
-              </a:solidFill>
-              <a:tailEnd type="triangle"/>
-            </a:ln>
-          </p:spPr>
-          <p:style>
-            <a:lnRef idx="2">
-              <a:schemeClr val="accent1"/>
-            </a:lnRef>
-            <a:fillRef idx="0">
-              <a:schemeClr val="accent1"/>
-            </a:fillRef>
-            <a:effectRef idx="1">
-              <a:schemeClr val="accent1"/>
-            </a:effectRef>
-            <a:fontRef idx="minor">
-              <a:schemeClr val="tx1"/>
-            </a:fontRef>
-          </p:style>
-        </p:cxnSp>
-        <p:cxnSp>
-          <p:nvCxnSpPr>
-            <p:cNvPr id="27" name="연결선: 꺾임 26">
-              <a:extLst>
-                <a:ext uri="{FF2B5EF4-FFF2-40B4-BE49-F238E27FC236}">
-                  <a16:creationId xmlns:a16="http://schemas.microsoft.com/office/drawing/2014/main" id="{83736AE5-4F35-72DA-0EBB-F6F07EF23898}"/>
-                </a:ext>
-              </a:extLst>
-            </p:cNvPr>
-            <p:cNvCxnSpPr>
-              <a:cxnSpLocks/>
-              <a:stCxn id="15" idx="3"/>
-              <a:endCxn id="10" idx="0"/>
-            </p:cNvCxnSpPr>
-            <p:nvPr/>
-          </p:nvCxnSpPr>
-          <p:spPr>
-            <a:xfrm>
-              <a:off x="9332866" y="1933169"/>
-              <a:ext cx="472928" cy="1282060"/>
-            </a:xfrm>
-            <a:prstGeom prst="bentConnector2">
-              <a:avLst/>
-            </a:prstGeom>
-            <a:ln>
-              <a:solidFill>
-                <a:schemeClr val="tx1"/>
-              </a:solidFill>
-              <a:tailEnd type="triangle"/>
-            </a:ln>
-          </p:spPr>
-          <p:style>
-            <a:lnRef idx="2">
-              <a:schemeClr val="accent1"/>
-            </a:lnRef>
-            <a:fillRef idx="0">
-              <a:schemeClr val="accent1"/>
-            </a:fillRef>
-            <a:effectRef idx="1">
-              <a:schemeClr val="accent1"/>
-            </a:effectRef>
-            <a:fontRef idx="minor">
-              <a:schemeClr val="tx1"/>
-            </a:fontRef>
-          </p:style>
-        </p:cxnSp>
-        <p:sp>
-          <p:nvSpPr>
-            <p:cNvPr id="31" name="직사각형 30">
-              <a:extLst>
-                <a:ext uri="{FF2B5EF4-FFF2-40B4-BE49-F238E27FC236}">
-                  <a16:creationId xmlns:a16="http://schemas.microsoft.com/office/drawing/2014/main" id="{9D665D0E-8112-4AEB-B5FC-54C99FB7D68D}"/>
-                </a:ext>
-              </a:extLst>
-            </p:cNvPr>
-            <p:cNvSpPr/>
-            <p:nvPr/>
-          </p:nvSpPr>
-          <p:spPr>
-            <a:xfrm>
-              <a:off x="152400" y="2654301"/>
-              <a:ext cx="12190575" cy="3944620"/>
-            </a:xfrm>
-            <a:prstGeom prst="rect">
-              <a:avLst/>
-            </a:prstGeom>
-            <a:noFill/>
-            <a:ln>
-              <a:solidFill>
-                <a:schemeClr val="tx1"/>
-              </a:solidFill>
-              <a:prstDash val="dash"/>
-            </a:ln>
-          </p:spPr>
-          <p:style>
-            <a:lnRef idx="2">
-              <a:schemeClr val="accent1">
-                <a:shade val="15000"/>
-              </a:schemeClr>
-            </a:lnRef>
-            <a:fillRef idx="1">
-              <a:schemeClr val="accent1"/>
-            </a:fillRef>
-            <a:effectRef idx="0">
-              <a:schemeClr val="accent1"/>
-            </a:effectRef>
-            <a:fontRef idx="minor">
-              <a:schemeClr val="lt1"/>
-            </a:fontRef>
-          </p:style>
-          <p:txBody>
-            <a:bodyPr rtlCol="0" anchor="ctr"/>
-            <a:lstStyle/>
-            <a:p>
-              <a:pPr algn="ctr"/>
-              <a:endParaRPr lang="ko-KR" altLang="en-US"/>
-            </a:p>
-          </p:txBody>
-        </p:sp>
-        <p:grpSp>
-          <p:nvGrpSpPr>
-            <p:cNvPr id="41" name="그룹 40">
-              <a:extLst>
-                <a:ext uri="{FF2B5EF4-FFF2-40B4-BE49-F238E27FC236}">
-                  <a16:creationId xmlns:a16="http://schemas.microsoft.com/office/drawing/2014/main" id="{633897F3-0A60-8EEB-C6C7-BCC269626361}"/>
-                </a:ext>
-              </a:extLst>
-            </p:cNvPr>
-            <p:cNvGrpSpPr/>
-            <p:nvPr/>
-          </p:nvGrpSpPr>
-          <p:grpSpPr>
-            <a:xfrm>
-              <a:off x="255155" y="5271987"/>
-              <a:ext cx="1733550" cy="889946"/>
-              <a:chOff x="548186" y="5897111"/>
-              <a:chExt cx="1882140" cy="914400"/>
-            </a:xfrm>
-          </p:grpSpPr>
-          <p:pic>
-            <p:nvPicPr>
-              <p:cNvPr id="39" name="그림 38">
+          <p:sp>
+            <p:nvSpPr>
+              <p:cNvPr id="43" name="타원 42">
                 <a:extLst>
                   <a:ext uri="{FF2B5EF4-FFF2-40B4-BE49-F238E27FC236}">
-                    <a16:creationId xmlns:a16="http://schemas.microsoft.com/office/drawing/2014/main" id="{9A78C5FB-CAF0-C6E4-E312-4589E022C3B4}"/>
-                  </a:ext>
-                </a:extLst>
-              </p:cNvPr>
-              <p:cNvPicPr>
-                <a:picLocks noChangeAspect="1"/>
-              </p:cNvPicPr>
-              <p:nvPr/>
-            </p:nvPicPr>
-            <p:blipFill>
-              <a:blip r:embed="rId4">
-                <a:extLst>
-                  <a:ext uri="{28A0092B-C50C-407E-A947-70E740481C1C}">
-                    <a14:useLocalDpi xmlns:a14="http://schemas.microsoft.com/office/drawing/2010/main" val="0"/>
-                  </a:ext>
-                </a:extLst>
-              </a:blip>
-              <a:stretch>
-                <a:fillRect/>
-              </a:stretch>
-            </p:blipFill>
-            <p:spPr>
-              <a:xfrm>
-                <a:off x="708006" y="5907213"/>
-                <a:ext cx="1529085" cy="871449"/>
-              </a:xfrm>
-              <a:prstGeom prst="rect">
-                <a:avLst/>
-              </a:prstGeom>
-              <a:ln>
-                <a:noFill/>
-              </a:ln>
-            </p:spPr>
-          </p:pic>
-          <p:sp>
-            <p:nvSpPr>
-              <p:cNvPr id="40" name="사각형: 둥근 모서리 39">
-                <a:extLst>
-                  <a:ext uri="{FF2B5EF4-FFF2-40B4-BE49-F238E27FC236}">
-                    <a16:creationId xmlns:a16="http://schemas.microsoft.com/office/drawing/2014/main" id="{06D05A99-8ABB-ED76-3087-F991B8ECABAA}"/>
+                    <a16:creationId xmlns:a16="http://schemas.microsoft.com/office/drawing/2014/main" id="{1436762D-9D9C-820D-D607-5BE549AA0ED8}"/>
                   </a:ext>
                 </a:extLst>
               </p:cNvPr>
@@ -7491,18 +7606,13 @@
             </p:nvSpPr>
             <p:spPr>
               <a:xfrm>
-                <a:off x="548186" y="5897111"/>
-                <a:ext cx="1882140" cy="914400"/>
+                <a:off x="3293338" y="3639384"/>
+                <a:ext cx="320040" cy="316911"/>
               </a:xfrm>
-              <a:prstGeom prst="roundRect">
+              <a:prstGeom prst="ellipse">
                 <a:avLst/>
               </a:prstGeom>
               <a:noFill/>
-              <a:ln>
-                <a:solidFill>
-                  <a:schemeClr val="tx1"/>
-                </a:solidFill>
-              </a:ln>
             </p:spPr>
             <p:style>
               <a:lnRef idx="2">
@@ -7525,407 +7635,318 @@
               <a:lstStyle/>
               <a:p>
                 <a:pPr algn="ctr"/>
-                <a:endParaRPr lang="ko-KR" altLang="en-US"/>
+                <a:r>
+                  <a:rPr lang="en-US" altLang="ko-KR" dirty="0">
+                    <a:solidFill>
+                      <a:schemeClr val="tx1"/>
+                    </a:solidFill>
+                  </a:rPr>
+                  <a:t>+</a:t>
+                </a:r>
+                <a:endParaRPr lang="ko-KR" altLang="en-US" dirty="0">
+                  <a:solidFill>
+                    <a:schemeClr val="tx1"/>
+                  </a:solidFill>
+                </a:endParaRPr>
               </a:p>
             </p:txBody>
           </p:sp>
+          <p:cxnSp>
+            <p:nvCxnSpPr>
+              <p:cNvPr id="46" name="직선 화살표 연결선 45">
+                <a:extLst>
+                  <a:ext uri="{FF2B5EF4-FFF2-40B4-BE49-F238E27FC236}">
+                    <a16:creationId xmlns:a16="http://schemas.microsoft.com/office/drawing/2014/main" id="{22FBFE85-6404-8788-13A0-F343E30222CD}"/>
+                  </a:ext>
+                </a:extLst>
+              </p:cNvPr>
+              <p:cNvCxnSpPr>
+                <a:cxnSpLocks/>
+                <a:stCxn id="5" idx="3"/>
+                <a:endCxn id="43" idx="2"/>
+              </p:cNvCxnSpPr>
+              <p:nvPr/>
+            </p:nvCxnSpPr>
+            <p:spPr>
+              <a:xfrm flipV="1">
+                <a:off x="1960578" y="3797840"/>
+                <a:ext cx="1332760" cy="26399"/>
+              </a:xfrm>
+              <a:prstGeom prst="straightConnector1">
+                <a:avLst/>
+              </a:prstGeom>
+              <a:ln>
+                <a:solidFill>
+                  <a:schemeClr val="tx1"/>
+                </a:solidFill>
+                <a:tailEnd type="triangle"/>
+              </a:ln>
+            </p:spPr>
+            <p:style>
+              <a:lnRef idx="2">
+                <a:schemeClr val="accent1"/>
+              </a:lnRef>
+              <a:fillRef idx="0">
+                <a:schemeClr val="accent1"/>
+              </a:fillRef>
+              <a:effectRef idx="1">
+                <a:schemeClr val="accent1"/>
+              </a:effectRef>
+              <a:fontRef idx="minor">
+                <a:schemeClr val="tx1"/>
+              </a:fontRef>
+            </p:style>
+          </p:cxnSp>
+          <p:cxnSp>
+            <p:nvCxnSpPr>
+              <p:cNvPr id="48" name="연결선: 꺾임 47">
+                <a:extLst>
+                  <a:ext uri="{FF2B5EF4-FFF2-40B4-BE49-F238E27FC236}">
+                    <a16:creationId xmlns:a16="http://schemas.microsoft.com/office/drawing/2014/main" id="{31973FBC-742B-399D-0FFB-07DD7C1A41DA}"/>
+                  </a:ext>
+                </a:extLst>
+              </p:cNvPr>
+              <p:cNvCxnSpPr>
+                <a:cxnSpLocks/>
+                <a:stCxn id="40" idx="3"/>
+                <a:endCxn id="43" idx="4"/>
+              </p:cNvCxnSpPr>
+              <p:nvPr/>
+            </p:nvCxnSpPr>
+            <p:spPr>
+              <a:xfrm flipV="1">
+                <a:off x="1988705" y="3956295"/>
+                <a:ext cx="1464653" cy="1760667"/>
+              </a:xfrm>
+              <a:prstGeom prst="bentConnector2">
+                <a:avLst/>
+              </a:prstGeom>
+              <a:ln>
+                <a:solidFill>
+                  <a:schemeClr val="tx1"/>
+                </a:solidFill>
+                <a:tailEnd type="triangle"/>
+              </a:ln>
+            </p:spPr>
+            <p:style>
+              <a:lnRef idx="2">
+                <a:schemeClr val="accent1"/>
+              </a:lnRef>
+              <a:fillRef idx="0">
+                <a:schemeClr val="accent1"/>
+              </a:fillRef>
+              <a:effectRef idx="1">
+                <a:schemeClr val="accent1"/>
+              </a:effectRef>
+              <a:fontRef idx="minor">
+                <a:schemeClr val="tx1"/>
+              </a:fontRef>
+            </p:style>
+          </p:cxnSp>
+          <p:graphicFrame>
+            <p:nvGraphicFramePr>
+              <p:cNvPr id="49" name="개체 48">
+                <a:extLst>
+                  <a:ext uri="{FF2B5EF4-FFF2-40B4-BE49-F238E27FC236}">
+                    <a16:creationId xmlns:a16="http://schemas.microsoft.com/office/drawing/2014/main" id="{B8039ED9-5BEB-8F4E-AF76-11E1E849F1BC}"/>
+                  </a:ext>
+                </a:extLst>
+              </p:cNvPr>
+              <p:cNvGraphicFramePr>
+                <a:graphicFrameLocks noChangeAspect="1"/>
+              </p:cNvGraphicFramePr>
+              <p:nvPr>
+                <p:extLst>
+                  <p:ext uri="{D42A27DB-BD31-4B8C-83A1-F6EECF244321}">
+                    <p14:modId xmlns:p14="http://schemas.microsoft.com/office/powerpoint/2010/main" val="2507693722"/>
+                  </p:ext>
+                </p:extLst>
+              </p:nvPr>
+            </p:nvGraphicFramePr>
+            <p:xfrm>
+              <a:off x="8425463" y="5591721"/>
+              <a:ext cx="495300" cy="469900"/>
+            </p:xfrm>
+            <a:graphic>
+              <a:graphicData uri="http://schemas.openxmlformats.org/presentationml/2006/ole">
+                <mc:AlternateContent xmlns:mc="http://schemas.openxmlformats.org/markup-compatibility/2006">
+                  <mc:Choice xmlns:v="urn:schemas-microsoft-com:vml" Requires="v">
+                    <p:oleObj name="Equation" r:id="rId5" imgW="495000" imgH="469800" progId="Equation.DSMT4">
+                      <p:embed/>
+                    </p:oleObj>
+                  </mc:Choice>
+                  <mc:Fallback>
+                    <p:oleObj name="Equation" r:id="rId5" imgW="495000" imgH="469800" progId="Equation.DSMT4">
+                      <p:embed/>
+                      <p:pic>
+                        <p:nvPicPr>
+                          <p:cNvPr id="0" name=""/>
+                          <p:cNvPicPr/>
+                          <p:nvPr/>
+                        </p:nvPicPr>
+                        <p:blipFill>
+                          <a:blip r:embed="rId6"/>
+                          <a:stretch>
+                            <a:fillRect/>
+                          </a:stretch>
+                        </p:blipFill>
+                        <p:spPr>
+                          <a:xfrm>
+                            <a:off x="8425463" y="5591721"/>
+                            <a:ext cx="495300" cy="469900"/>
+                          </a:xfrm>
+                          <a:prstGeom prst="rect">
+                            <a:avLst/>
+                          </a:prstGeom>
+                        </p:spPr>
+                      </p:pic>
+                    </p:oleObj>
+                  </mc:Fallback>
+                </mc:AlternateContent>
+              </a:graphicData>
+            </a:graphic>
+          </p:graphicFrame>
+          <p:cxnSp>
+            <p:nvCxnSpPr>
+              <p:cNvPr id="52" name="직선 화살표 연결선 51">
+                <a:extLst>
+                  <a:ext uri="{FF2B5EF4-FFF2-40B4-BE49-F238E27FC236}">
+                    <a16:creationId xmlns:a16="http://schemas.microsoft.com/office/drawing/2014/main" id="{5BA12BD3-33CC-2978-33F0-63D91EE0C5E0}"/>
+                  </a:ext>
+                </a:extLst>
+              </p:cNvPr>
+              <p:cNvCxnSpPr>
+                <a:cxnSpLocks/>
+                <a:stCxn id="43" idx="6"/>
+                <a:endCxn id="7" idx="1"/>
+              </p:cNvCxnSpPr>
+              <p:nvPr/>
+            </p:nvCxnSpPr>
+            <p:spPr>
+              <a:xfrm>
+                <a:off x="3613378" y="3797840"/>
+                <a:ext cx="322762" cy="1"/>
+              </a:xfrm>
+              <a:prstGeom prst="straightConnector1">
+                <a:avLst/>
+              </a:prstGeom>
+              <a:ln>
+                <a:solidFill>
+                  <a:schemeClr val="tx1"/>
+                </a:solidFill>
+                <a:tailEnd type="triangle"/>
+              </a:ln>
+            </p:spPr>
+            <p:style>
+              <a:lnRef idx="2">
+                <a:schemeClr val="accent1"/>
+              </a:lnRef>
+              <a:fillRef idx="0">
+                <a:schemeClr val="accent1"/>
+              </a:fillRef>
+              <a:effectRef idx="1">
+                <a:schemeClr val="accent1"/>
+              </a:effectRef>
+              <a:fontRef idx="minor">
+                <a:schemeClr val="tx1"/>
+              </a:fontRef>
+            </p:style>
+          </p:cxnSp>
+          <p:graphicFrame>
+            <p:nvGraphicFramePr>
+              <p:cNvPr id="61" name="개체 60">
+                <a:extLst>
+                  <a:ext uri="{FF2B5EF4-FFF2-40B4-BE49-F238E27FC236}">
+                    <a16:creationId xmlns:a16="http://schemas.microsoft.com/office/drawing/2014/main" id="{53A83F78-45F2-F18C-1944-EE18F1E09DC6}"/>
+                  </a:ext>
+                </a:extLst>
+              </p:cNvPr>
+              <p:cNvGraphicFramePr>
+                <a:graphicFrameLocks noChangeAspect="1"/>
+              </p:cNvGraphicFramePr>
+              <p:nvPr>
+                <p:extLst>
+                  <p:ext uri="{D42A27DB-BD31-4B8C-83A1-F6EECF244321}">
+                    <p14:modId xmlns:p14="http://schemas.microsoft.com/office/powerpoint/2010/main" val="2458939457"/>
+                  </p:ext>
+                </p:extLst>
+              </p:nvPr>
+            </p:nvGraphicFramePr>
+            <p:xfrm>
+              <a:off x="9434675" y="1429138"/>
+              <a:ext cx="2908300" cy="444500"/>
+            </p:xfrm>
+            <a:graphic>
+              <a:graphicData uri="http://schemas.openxmlformats.org/presentationml/2006/ole">
+                <mc:AlternateContent xmlns:mc="http://schemas.openxmlformats.org/markup-compatibility/2006">
+                  <mc:Choice xmlns:v="urn:schemas-microsoft-com:vml" Requires="v">
+                    <p:oleObj name="Equation" r:id="rId7" imgW="2908080" imgH="444240" progId="Equation.DSMT4">
+                      <p:embed/>
+                    </p:oleObj>
+                  </mc:Choice>
+                  <mc:Fallback>
+                    <p:oleObj name="Equation" r:id="rId7" imgW="2908080" imgH="444240" progId="Equation.DSMT4">
+                      <p:embed/>
+                      <p:pic>
+                        <p:nvPicPr>
+                          <p:cNvPr id="0" name=""/>
+                          <p:cNvPicPr/>
+                          <p:nvPr/>
+                        </p:nvPicPr>
+                        <p:blipFill>
+                          <a:blip r:embed="rId8"/>
+                          <a:stretch>
+                            <a:fillRect/>
+                          </a:stretch>
+                        </p:blipFill>
+                        <p:spPr>
+                          <a:xfrm>
+                            <a:off x="9434675" y="1429138"/>
+                            <a:ext cx="2908300" cy="444500"/>
+                          </a:xfrm>
+                          <a:prstGeom prst="rect">
+                            <a:avLst/>
+                          </a:prstGeom>
+                        </p:spPr>
+                      </p:pic>
+                    </p:oleObj>
+                  </mc:Fallback>
+                </mc:AlternateContent>
+              </a:graphicData>
+            </a:graphic>
+          </p:graphicFrame>
         </p:grpSp>
-        <p:sp>
-          <p:nvSpPr>
-            <p:cNvPr id="42" name="TextBox 41">
+        <p:pic>
+          <p:nvPicPr>
+            <p:cNvPr id="3" name="그림 2">
               <a:extLst>
                 <a:ext uri="{FF2B5EF4-FFF2-40B4-BE49-F238E27FC236}">
-                  <a16:creationId xmlns:a16="http://schemas.microsoft.com/office/drawing/2014/main" id="{8F697F87-6183-1422-093A-5947C78CA733}"/>
+                  <a16:creationId xmlns:a16="http://schemas.microsoft.com/office/drawing/2014/main" id="{DCE76281-6EEF-8F4E-AB42-F20FAA6897CF}"/>
                 </a:ext>
               </a:extLst>
             </p:cNvPr>
-            <p:cNvSpPr txBox="1"/>
+            <p:cNvPicPr>
+              <a:picLocks noChangeAspect="1"/>
+            </p:cNvPicPr>
             <p:nvPr/>
-          </p:nvSpPr>
+          </p:nvPicPr>
+          <p:blipFill>
+            <a:blip r:embed="rId9"/>
+            <a:stretch>
+              <a:fillRect/>
+            </a:stretch>
+          </p:blipFill>
           <p:spPr>
             <a:xfrm>
-              <a:off x="152400" y="6117190"/>
-              <a:ext cx="2127962" cy="461665"/>
+              <a:off x="366485" y="3076269"/>
+              <a:ext cx="1419423" cy="1467055"/>
             </a:xfrm>
             <a:prstGeom prst="rect">
               <a:avLst/>
             </a:prstGeom>
-            <a:noFill/>
           </p:spPr>
-          <p:txBody>
-            <a:bodyPr wrap="square" rtlCol="0">
-              <a:spAutoFit/>
-            </a:bodyPr>
-            <a:lstStyle/>
-            <a:p>
-              <a:r>
-                <a:rPr lang="en-US" altLang="ko-KR" sz="2400" dirty="0">
-                  <a:latin typeface="Times New Roman" panose="02020603050405020304" pitchFamily="18" charset="0"/>
-                  <a:cs typeface="Times New Roman" panose="02020603050405020304" pitchFamily="18" charset="0"/>
-                </a:rPr>
-                <a:t>Gaussian noise</a:t>
-              </a:r>
-              <a:endParaRPr lang="ko-KR" altLang="en-US" sz="2400" dirty="0">
-                <a:latin typeface="Times New Roman" panose="02020603050405020304" pitchFamily="18" charset="0"/>
-                <a:cs typeface="Times New Roman" panose="02020603050405020304" pitchFamily="18" charset="0"/>
-              </a:endParaRPr>
-            </a:p>
-          </p:txBody>
-        </p:sp>
-        <p:sp>
-          <p:nvSpPr>
-            <p:cNvPr id="43" name="타원 42">
-              <a:extLst>
-                <a:ext uri="{FF2B5EF4-FFF2-40B4-BE49-F238E27FC236}">
-                  <a16:creationId xmlns:a16="http://schemas.microsoft.com/office/drawing/2014/main" id="{1436762D-9D9C-820D-D607-5BE549AA0ED8}"/>
-                </a:ext>
-              </a:extLst>
-            </p:cNvPr>
-            <p:cNvSpPr/>
-            <p:nvPr/>
-          </p:nvSpPr>
-          <p:spPr>
-            <a:xfrm>
-              <a:off x="3293338" y="3639384"/>
-              <a:ext cx="320040" cy="316911"/>
-            </a:xfrm>
-            <a:prstGeom prst="ellipse">
-              <a:avLst/>
-            </a:prstGeom>
-            <a:noFill/>
-          </p:spPr>
-          <p:style>
-            <a:lnRef idx="2">
-              <a:schemeClr val="accent1">
-                <a:shade val="15000"/>
-              </a:schemeClr>
-            </a:lnRef>
-            <a:fillRef idx="1">
-              <a:schemeClr val="accent1"/>
-            </a:fillRef>
-            <a:effectRef idx="0">
-              <a:schemeClr val="accent1"/>
-            </a:effectRef>
-            <a:fontRef idx="minor">
-              <a:schemeClr val="lt1"/>
-            </a:fontRef>
-          </p:style>
-          <p:txBody>
-            <a:bodyPr rtlCol="0" anchor="ctr"/>
-            <a:lstStyle/>
-            <a:p>
-              <a:pPr algn="ctr"/>
-              <a:r>
-                <a:rPr lang="en-US" altLang="ko-KR" dirty="0">
-                  <a:solidFill>
-                    <a:schemeClr val="tx1"/>
-                  </a:solidFill>
-                </a:rPr>
-                <a:t>+</a:t>
-              </a:r>
-              <a:endParaRPr lang="ko-KR" altLang="en-US" dirty="0">
-                <a:solidFill>
-                  <a:schemeClr val="tx1"/>
-                </a:solidFill>
-              </a:endParaRPr>
-            </a:p>
-          </p:txBody>
-        </p:sp>
-        <p:cxnSp>
-          <p:nvCxnSpPr>
-            <p:cNvPr id="46" name="직선 화살표 연결선 45">
-              <a:extLst>
-                <a:ext uri="{FF2B5EF4-FFF2-40B4-BE49-F238E27FC236}">
-                  <a16:creationId xmlns:a16="http://schemas.microsoft.com/office/drawing/2014/main" id="{22FBFE85-6404-8788-13A0-F343E30222CD}"/>
-                </a:ext>
-              </a:extLst>
-            </p:cNvPr>
-            <p:cNvCxnSpPr>
-              <a:cxnSpLocks/>
-              <a:stCxn id="5" idx="3"/>
-              <a:endCxn id="43" idx="2"/>
-            </p:cNvCxnSpPr>
-            <p:nvPr/>
-          </p:nvCxnSpPr>
-          <p:spPr>
-            <a:xfrm flipV="1">
-              <a:off x="1960578" y="3797840"/>
-              <a:ext cx="1332760" cy="26399"/>
-            </a:xfrm>
-            <a:prstGeom prst="straightConnector1">
-              <a:avLst/>
-            </a:prstGeom>
-            <a:ln>
-              <a:solidFill>
-                <a:schemeClr val="tx1"/>
-              </a:solidFill>
-              <a:tailEnd type="triangle"/>
-            </a:ln>
-          </p:spPr>
-          <p:style>
-            <a:lnRef idx="2">
-              <a:schemeClr val="accent1"/>
-            </a:lnRef>
-            <a:fillRef idx="0">
-              <a:schemeClr val="accent1"/>
-            </a:fillRef>
-            <a:effectRef idx="1">
-              <a:schemeClr val="accent1"/>
-            </a:effectRef>
-            <a:fontRef idx="minor">
-              <a:schemeClr val="tx1"/>
-            </a:fontRef>
-          </p:style>
-        </p:cxnSp>
-        <p:cxnSp>
-          <p:nvCxnSpPr>
-            <p:cNvPr id="48" name="연결선: 꺾임 47">
-              <a:extLst>
-                <a:ext uri="{FF2B5EF4-FFF2-40B4-BE49-F238E27FC236}">
-                  <a16:creationId xmlns:a16="http://schemas.microsoft.com/office/drawing/2014/main" id="{31973FBC-742B-399D-0FFB-07DD7C1A41DA}"/>
-                </a:ext>
-              </a:extLst>
-            </p:cNvPr>
-            <p:cNvCxnSpPr>
-              <a:cxnSpLocks/>
-              <a:stCxn id="40" idx="3"/>
-              <a:endCxn id="43" idx="4"/>
-            </p:cNvCxnSpPr>
-            <p:nvPr/>
-          </p:nvCxnSpPr>
-          <p:spPr>
-            <a:xfrm flipV="1">
-              <a:off x="1988705" y="3956295"/>
-              <a:ext cx="1464653" cy="1760667"/>
-            </a:xfrm>
-            <a:prstGeom prst="bentConnector2">
-              <a:avLst/>
-            </a:prstGeom>
-            <a:ln>
-              <a:solidFill>
-                <a:schemeClr val="tx1"/>
-              </a:solidFill>
-              <a:tailEnd type="triangle"/>
-            </a:ln>
-          </p:spPr>
-          <p:style>
-            <a:lnRef idx="2">
-              <a:schemeClr val="accent1"/>
-            </a:lnRef>
-            <a:fillRef idx="0">
-              <a:schemeClr val="accent1"/>
-            </a:fillRef>
-            <a:effectRef idx="1">
-              <a:schemeClr val="accent1"/>
-            </a:effectRef>
-            <a:fontRef idx="minor">
-              <a:schemeClr val="tx1"/>
-            </a:fontRef>
-          </p:style>
-        </p:cxnSp>
-        <p:graphicFrame>
-          <p:nvGraphicFramePr>
-            <p:cNvPr id="49" name="개체 48">
-              <a:extLst>
-                <a:ext uri="{FF2B5EF4-FFF2-40B4-BE49-F238E27FC236}">
-                  <a16:creationId xmlns:a16="http://schemas.microsoft.com/office/drawing/2014/main" id="{B8039ED9-5BEB-8F4E-AF76-11E1E849F1BC}"/>
-                </a:ext>
-              </a:extLst>
-            </p:cNvPr>
-            <p:cNvGraphicFramePr>
-              <a:graphicFrameLocks noChangeAspect="1"/>
-            </p:cNvGraphicFramePr>
-            <p:nvPr>
-              <p:extLst>
-                <p:ext uri="{D42A27DB-BD31-4B8C-83A1-F6EECF244321}">
-                  <p14:modId xmlns:p14="http://schemas.microsoft.com/office/powerpoint/2010/main" val="417933419"/>
-                </p:ext>
-              </p:extLst>
-            </p:nvPr>
-          </p:nvGraphicFramePr>
-          <p:xfrm>
-            <a:off x="8821188" y="5656035"/>
-            <a:ext cx="431800" cy="419100"/>
-          </p:xfrm>
-          <a:graphic>
-            <a:graphicData uri="http://schemas.openxmlformats.org/presentationml/2006/ole">
-              <mc:AlternateContent xmlns:mc="http://schemas.openxmlformats.org/markup-compatibility/2006">
-                <mc:Choice xmlns:v="urn:schemas-microsoft-com:vml" Requires="v">
-                  <p:oleObj name="Equation" r:id="rId5" imgW="431640" imgH="419040" progId="Equation.DSMT4">
-                    <p:embed/>
-                  </p:oleObj>
-                </mc:Choice>
-                <mc:Fallback>
-                  <p:oleObj name="Equation" r:id="rId5" imgW="431640" imgH="419040" progId="Equation.DSMT4">
-                    <p:embed/>
-                    <p:pic>
-                      <p:nvPicPr>
-                        <p:cNvPr id="0" name=""/>
-                        <p:cNvPicPr/>
-                        <p:nvPr/>
-                      </p:nvPicPr>
-                      <p:blipFill>
-                        <a:blip r:embed="rId6"/>
-                        <a:stretch>
-                          <a:fillRect/>
-                        </a:stretch>
-                      </p:blipFill>
-                      <p:spPr>
-                        <a:xfrm>
-                          <a:off x="8821188" y="5656035"/>
-                          <a:ext cx="431800" cy="419100"/>
-                        </a:xfrm>
-                        <a:prstGeom prst="rect">
-                          <a:avLst/>
-                        </a:prstGeom>
-                      </p:spPr>
-                    </p:pic>
-                  </p:oleObj>
-                </mc:Fallback>
-              </mc:AlternateContent>
-            </a:graphicData>
-          </a:graphic>
-        </p:graphicFrame>
-        <p:cxnSp>
-          <p:nvCxnSpPr>
-            <p:cNvPr id="52" name="직선 화살표 연결선 51">
-              <a:extLst>
-                <a:ext uri="{FF2B5EF4-FFF2-40B4-BE49-F238E27FC236}">
-                  <a16:creationId xmlns:a16="http://schemas.microsoft.com/office/drawing/2014/main" id="{5BA12BD3-33CC-2978-33F0-63D91EE0C5E0}"/>
-                </a:ext>
-              </a:extLst>
-            </p:cNvPr>
-            <p:cNvCxnSpPr>
-              <a:cxnSpLocks/>
-              <a:stCxn id="43" idx="6"/>
-              <a:endCxn id="7" idx="1"/>
-            </p:cNvCxnSpPr>
-            <p:nvPr/>
-          </p:nvCxnSpPr>
-          <p:spPr>
-            <a:xfrm>
-              <a:off x="3613378" y="3797840"/>
-              <a:ext cx="322762" cy="1"/>
-            </a:xfrm>
-            <a:prstGeom prst="straightConnector1">
-              <a:avLst/>
-            </a:prstGeom>
-            <a:ln>
-              <a:solidFill>
-                <a:schemeClr val="tx1"/>
-              </a:solidFill>
-              <a:tailEnd type="triangle"/>
-            </a:ln>
-          </p:spPr>
-          <p:style>
-            <a:lnRef idx="2">
-              <a:schemeClr val="accent1"/>
-            </a:lnRef>
-            <a:fillRef idx="0">
-              <a:schemeClr val="accent1"/>
-            </a:fillRef>
-            <a:effectRef idx="1">
-              <a:schemeClr val="accent1"/>
-            </a:effectRef>
-            <a:fontRef idx="minor">
-              <a:schemeClr val="tx1"/>
-            </a:fontRef>
-          </p:style>
-        </p:cxnSp>
-        <p:graphicFrame>
-          <p:nvGraphicFramePr>
-            <p:cNvPr id="61" name="개체 60">
-              <a:extLst>
-                <a:ext uri="{FF2B5EF4-FFF2-40B4-BE49-F238E27FC236}">
-                  <a16:creationId xmlns:a16="http://schemas.microsoft.com/office/drawing/2014/main" id="{53A83F78-45F2-F18C-1944-EE18F1E09DC6}"/>
-                </a:ext>
-              </a:extLst>
-            </p:cNvPr>
-            <p:cNvGraphicFramePr>
-              <a:graphicFrameLocks noChangeAspect="1"/>
-            </p:cNvGraphicFramePr>
-            <p:nvPr>
-              <p:extLst>
-                <p:ext uri="{D42A27DB-BD31-4B8C-83A1-F6EECF244321}">
-                  <p14:modId xmlns:p14="http://schemas.microsoft.com/office/powerpoint/2010/main" val="2458939457"/>
-                </p:ext>
-              </p:extLst>
-            </p:nvPr>
-          </p:nvGraphicFramePr>
-          <p:xfrm>
-            <a:off x="9434675" y="1429138"/>
-            <a:ext cx="2908300" cy="444500"/>
-          </p:xfrm>
-          <a:graphic>
-            <a:graphicData uri="http://schemas.openxmlformats.org/presentationml/2006/ole">
-              <mc:AlternateContent xmlns:mc="http://schemas.openxmlformats.org/markup-compatibility/2006">
-                <mc:Choice xmlns:v="urn:schemas-microsoft-com:vml" Requires="v">
-                  <p:oleObj name="Equation" r:id="rId7" imgW="2908080" imgH="444240" progId="Equation.DSMT4">
-                    <p:embed/>
-                  </p:oleObj>
-                </mc:Choice>
-                <mc:Fallback>
-                  <p:oleObj name="Equation" r:id="rId7" imgW="2908080" imgH="444240" progId="Equation.DSMT4">
-                    <p:embed/>
-                    <p:pic>
-                      <p:nvPicPr>
-                        <p:cNvPr id="0" name=""/>
-                        <p:cNvPicPr/>
-                        <p:nvPr/>
-                      </p:nvPicPr>
-                      <p:blipFill>
-                        <a:blip r:embed="rId8"/>
-                        <a:stretch>
-                          <a:fillRect/>
-                        </a:stretch>
-                      </p:blipFill>
-                      <p:spPr>
-                        <a:xfrm>
-                          <a:off x="9434675" y="1429138"/>
-                          <a:ext cx="2908300" cy="444500"/>
-                        </a:xfrm>
-                        <a:prstGeom prst="rect">
-                          <a:avLst/>
-                        </a:prstGeom>
-                      </p:spPr>
-                    </p:pic>
-                  </p:oleObj>
-                </mc:Fallback>
-              </mc:AlternateContent>
-            </a:graphicData>
-          </a:graphic>
-        </p:graphicFrame>
+        </p:pic>
       </p:grpSp>
-      <p:pic>
-        <p:nvPicPr>
-          <p:cNvPr id="3" name="그림 2">
-            <a:extLst>
-              <a:ext uri="{FF2B5EF4-FFF2-40B4-BE49-F238E27FC236}">
-                <a16:creationId xmlns:a16="http://schemas.microsoft.com/office/drawing/2014/main" id="{DCE76281-6EEF-8F4E-AB42-F20FAA6897CF}"/>
-              </a:ext>
-            </a:extLst>
-          </p:cNvPr>
-          <p:cNvPicPr>
-            <a:picLocks noChangeAspect="1"/>
-          </p:cNvPicPr>
-          <p:nvPr/>
-        </p:nvPicPr>
-        <p:blipFill>
-          <a:blip r:embed="rId9"/>
-          <a:stretch>
-            <a:fillRect/>
-          </a:stretch>
-        </p:blipFill>
-        <p:spPr>
-          <a:xfrm>
-            <a:off x="366485" y="3076269"/>
-            <a:ext cx="1419423" cy="1467055"/>
-          </a:xfrm>
-          <a:prstGeom prst="rect">
-            <a:avLst/>
-          </a:prstGeom>
-        </p:spPr>
-      </p:pic>
     </p:spTree>
     <p:extLst>
       <p:ext uri="{BB962C8B-B14F-4D97-AF65-F5344CB8AC3E}">

--- a/Paper/논문그림.pptx
+++ b/Paper/논문그림.pptx
@@ -10,7 +10,7 @@
   <p:sldIdLst>
     <p:sldId id="260" r:id="rId2"/>
     <p:sldId id="261" r:id="rId3"/>
-    <p:sldId id="259" r:id="rId4"/>
+    <p:sldId id="262" r:id="rId4"/>
   </p:sldIdLst>
   <p:sldSz cx="12192000" cy="6858000"/>
   <p:notesSz cx="6858000" cy="9144000"/>
@@ -202,7 +202,7 @@
           <a:p>
             <a:fld id="{DF808D06-9E3F-44FB-93F2-5318620A4091}" type="datetimeFigureOut">
               <a:rPr lang="ko-KR" altLang="en-US" smtClean="0"/>
-              <a:t>2024-08-29</a:t>
+              <a:t>2024-09-02</a:t>
             </a:fld>
             <a:endParaRPr lang="ko-KR" altLang="en-US"/>
           </a:p>
@@ -616,7 +616,7 @@
           <a:p>
             <a:fld id="{1E28F0D3-E3FD-49FD-8E82-3F8837207BDD}" type="datetimeFigureOut">
               <a:rPr lang="ko-KR" altLang="en-US" smtClean="0"/>
-              <a:t>2024-08-29</a:t>
+              <a:t>2024-09-02</a:t>
             </a:fld>
             <a:endParaRPr lang="ko-KR" altLang="en-US"/>
           </a:p>
@@ -814,7 +814,7 @@
           <a:p>
             <a:fld id="{1E28F0D3-E3FD-49FD-8E82-3F8837207BDD}" type="datetimeFigureOut">
               <a:rPr lang="ko-KR" altLang="en-US" smtClean="0"/>
-              <a:t>2024-08-29</a:t>
+              <a:t>2024-09-02</a:t>
             </a:fld>
             <a:endParaRPr lang="ko-KR" altLang="en-US"/>
           </a:p>
@@ -1022,7 +1022,7 @@
           <a:p>
             <a:fld id="{1E28F0D3-E3FD-49FD-8E82-3F8837207BDD}" type="datetimeFigureOut">
               <a:rPr lang="ko-KR" altLang="en-US" smtClean="0"/>
-              <a:t>2024-08-29</a:t>
+              <a:t>2024-09-02</a:t>
             </a:fld>
             <a:endParaRPr lang="ko-KR" altLang="en-US"/>
           </a:p>
@@ -1220,7 +1220,7 @@
           <a:p>
             <a:fld id="{1E28F0D3-E3FD-49FD-8E82-3F8837207BDD}" type="datetimeFigureOut">
               <a:rPr lang="ko-KR" altLang="en-US" smtClean="0"/>
-              <a:t>2024-08-29</a:t>
+              <a:t>2024-09-02</a:t>
             </a:fld>
             <a:endParaRPr lang="ko-KR" altLang="en-US"/>
           </a:p>
@@ -1495,7 +1495,7 @@
           <a:p>
             <a:fld id="{1E28F0D3-E3FD-49FD-8E82-3F8837207BDD}" type="datetimeFigureOut">
               <a:rPr lang="ko-KR" altLang="en-US" smtClean="0"/>
-              <a:t>2024-08-29</a:t>
+              <a:t>2024-09-02</a:t>
             </a:fld>
             <a:endParaRPr lang="ko-KR" altLang="en-US"/>
           </a:p>
@@ -1760,7 +1760,7 @@
           <a:p>
             <a:fld id="{1E28F0D3-E3FD-49FD-8E82-3F8837207BDD}" type="datetimeFigureOut">
               <a:rPr lang="ko-KR" altLang="en-US" smtClean="0"/>
-              <a:t>2024-08-29</a:t>
+              <a:t>2024-09-02</a:t>
             </a:fld>
             <a:endParaRPr lang="ko-KR" altLang="en-US"/>
           </a:p>
@@ -2172,7 +2172,7 @@
           <a:p>
             <a:fld id="{1E28F0D3-E3FD-49FD-8E82-3F8837207BDD}" type="datetimeFigureOut">
               <a:rPr lang="ko-KR" altLang="en-US" smtClean="0"/>
-              <a:t>2024-08-29</a:t>
+              <a:t>2024-09-02</a:t>
             </a:fld>
             <a:endParaRPr lang="ko-KR" altLang="en-US"/>
           </a:p>
@@ -2313,7 +2313,7 @@
           <a:p>
             <a:fld id="{1E28F0D3-E3FD-49FD-8E82-3F8837207BDD}" type="datetimeFigureOut">
               <a:rPr lang="ko-KR" altLang="en-US" smtClean="0"/>
-              <a:t>2024-08-29</a:t>
+              <a:t>2024-09-02</a:t>
             </a:fld>
             <a:endParaRPr lang="ko-KR" altLang="en-US"/>
           </a:p>
@@ -2426,7 +2426,7 @@
           <a:p>
             <a:fld id="{1E28F0D3-E3FD-49FD-8E82-3F8837207BDD}" type="datetimeFigureOut">
               <a:rPr lang="ko-KR" altLang="en-US" smtClean="0"/>
-              <a:t>2024-08-29</a:t>
+              <a:t>2024-09-02</a:t>
             </a:fld>
             <a:endParaRPr lang="ko-KR" altLang="en-US"/>
           </a:p>
@@ -2737,7 +2737,7 @@
           <a:p>
             <a:fld id="{1E28F0D3-E3FD-49FD-8E82-3F8837207BDD}" type="datetimeFigureOut">
               <a:rPr lang="ko-KR" altLang="en-US" smtClean="0"/>
-              <a:t>2024-08-29</a:t>
+              <a:t>2024-09-02</a:t>
             </a:fld>
             <a:endParaRPr lang="ko-KR" altLang="en-US"/>
           </a:p>
@@ -3025,7 +3025,7 @@
           <a:p>
             <a:fld id="{1E28F0D3-E3FD-49FD-8E82-3F8837207BDD}" type="datetimeFigureOut">
               <a:rPr lang="ko-KR" altLang="en-US" smtClean="0"/>
-              <a:t>2024-08-29</a:t>
+              <a:t>2024-09-02</a:t>
             </a:fld>
             <a:endParaRPr lang="ko-KR" altLang="en-US"/>
           </a:p>
@@ -3266,7 +3266,7 @@
           <a:p>
             <a:fld id="{1E28F0D3-E3FD-49FD-8E82-3F8837207BDD}" type="datetimeFigureOut">
               <a:rPr lang="ko-KR" altLang="en-US" smtClean="0"/>
-              <a:t>2024-08-29</a:t>
+              <a:t>2024-09-02</a:t>
             </a:fld>
             <a:endParaRPr lang="ko-KR" altLang="en-US"/>
           </a:p>
@@ -7965,13 +7965,7 @@
   <p:cSld>
     <p:spTree>
       <p:nvGrpSpPr>
-        <p:cNvPr id="1" name="">
-          <a:extLst>
-            <a:ext uri="{FF2B5EF4-FFF2-40B4-BE49-F238E27FC236}">
-              <a16:creationId xmlns:a16="http://schemas.microsoft.com/office/drawing/2014/main" id="{C310616F-FD44-E9F3-DF94-4747C24F9EB6}"/>
-            </a:ext>
-          </a:extLst>
-        </p:cNvPr>
+        <p:cNvPr id="1" name=""/>
         <p:cNvGrpSpPr/>
         <p:nvPr/>
       </p:nvGrpSpPr>
@@ -7985,10 +7979,10 @@
       </p:grpSpPr>
       <p:grpSp>
         <p:nvGrpSpPr>
-          <p:cNvPr id="54" name="그룹 53">
+          <p:cNvPr id="17" name="그룹 16">
             <a:extLst>
               <a:ext uri="{FF2B5EF4-FFF2-40B4-BE49-F238E27FC236}">
-                <a16:creationId xmlns:a16="http://schemas.microsoft.com/office/drawing/2014/main" id="{327D79B9-0969-8367-841D-828C1558FA03}"/>
+                <a16:creationId xmlns:a16="http://schemas.microsoft.com/office/drawing/2014/main" id="{3FEA4978-5585-0829-C935-A6176DD2B4F4}"/>
               </a:ext>
             </a:extLst>
           </p:cNvPr>
@@ -7997,18 +7991,18 @@
         </p:nvGrpSpPr>
         <p:grpSpPr>
           <a:xfrm>
-            <a:off x="5052291" y="683490"/>
-            <a:ext cx="2711956" cy="2764073"/>
-            <a:chOff x="5052291" y="683490"/>
-            <a:chExt cx="2711956" cy="2764073"/>
+            <a:off x="1946822" y="273050"/>
+            <a:ext cx="8560969" cy="6311900"/>
+            <a:chOff x="1946822" y="273050"/>
+            <a:chExt cx="8560969" cy="6311900"/>
           </a:xfrm>
         </p:grpSpPr>
         <p:grpSp>
           <p:nvGrpSpPr>
-            <p:cNvPr id="47" name="그룹 46">
+            <p:cNvPr id="14" name="그룹 13">
               <a:extLst>
                 <a:ext uri="{FF2B5EF4-FFF2-40B4-BE49-F238E27FC236}">
-                  <a16:creationId xmlns:a16="http://schemas.microsoft.com/office/drawing/2014/main" id="{A3A61CB4-F7F9-9B45-F916-8FFC7337299A}"/>
+                  <a16:creationId xmlns:a16="http://schemas.microsoft.com/office/drawing/2014/main" id="{273E2DFF-E1D6-6320-861E-D88CDD317D60}"/>
                 </a:ext>
               </a:extLst>
             </p:cNvPr>
@@ -8017,18 +8011,263 @@
           </p:nvGrpSpPr>
           <p:grpSpPr>
             <a:xfrm>
-              <a:off x="5052291" y="683490"/>
-              <a:ext cx="2711956" cy="2764073"/>
-              <a:chOff x="5052291" y="683490"/>
-              <a:chExt cx="2711956" cy="2764073"/>
+              <a:off x="1946822" y="273050"/>
+              <a:ext cx="8560969" cy="6311900"/>
+              <a:chOff x="1946822" y="273050"/>
+              <a:chExt cx="8560969" cy="6311900"/>
             </a:xfrm>
           </p:grpSpPr>
+          <p:grpSp>
+            <p:nvGrpSpPr>
+              <p:cNvPr id="11" name="그룹 10">
+                <a:extLst>
+                  <a:ext uri="{FF2B5EF4-FFF2-40B4-BE49-F238E27FC236}">
+                    <a16:creationId xmlns:a16="http://schemas.microsoft.com/office/drawing/2014/main" id="{390353CB-D06D-B15E-415A-79A53BBAC116}"/>
+                  </a:ext>
+                </a:extLst>
+              </p:cNvPr>
+              <p:cNvGrpSpPr/>
+              <p:nvPr/>
+            </p:nvGrpSpPr>
+            <p:grpSpPr>
+              <a:xfrm>
+                <a:off x="1946822" y="273050"/>
+                <a:ext cx="8560969" cy="6311900"/>
+                <a:chOff x="1946822" y="273050"/>
+                <a:chExt cx="8560969" cy="6311900"/>
+              </a:xfrm>
+            </p:grpSpPr>
+            <p:grpSp>
+              <p:nvGrpSpPr>
+                <p:cNvPr id="9" name="그룹 8">
+                  <a:extLst>
+                    <a:ext uri="{FF2B5EF4-FFF2-40B4-BE49-F238E27FC236}">
+                      <a16:creationId xmlns:a16="http://schemas.microsoft.com/office/drawing/2014/main" id="{5CCF6A23-2A2B-1F75-0B5D-6DA2D03CC1A5}"/>
+                    </a:ext>
+                  </a:extLst>
+                </p:cNvPr>
+                <p:cNvGrpSpPr/>
+                <p:nvPr/>
+              </p:nvGrpSpPr>
+              <p:grpSpPr>
+                <a:xfrm>
+                  <a:off x="1946822" y="273050"/>
+                  <a:ext cx="8560969" cy="6311900"/>
+                  <a:chOff x="1946822" y="273050"/>
+                  <a:chExt cx="8560969" cy="6311900"/>
+                </a:xfrm>
+              </p:grpSpPr>
+              <p:pic>
+                <p:nvPicPr>
+                  <p:cNvPr id="6" name="그림 5" descr="지도, 텍스트이(가) 표시된 사진&#10;&#10;중간 신뢰도로 자동 생성된 설명">
+                    <a:extLst>
+                      <a:ext uri="{FF2B5EF4-FFF2-40B4-BE49-F238E27FC236}">
+                        <a16:creationId xmlns:a16="http://schemas.microsoft.com/office/drawing/2014/main" id="{C2D0F960-E36B-B3A7-57A0-94F44638C523}"/>
+                      </a:ext>
+                    </a:extLst>
+                  </p:cNvPr>
+                  <p:cNvPicPr>
+                    <a:picLocks noChangeAspect="1"/>
+                  </p:cNvPicPr>
+                  <p:nvPr/>
+                </p:nvPicPr>
+                <p:blipFill>
+                  <a:blip r:embed="rId2">
+                    <a:extLst>
+                      <a:ext uri="{BEBA8EAE-BF5A-486C-A8C5-ECC9F3942E4B}">
+                        <a14:imgProps xmlns:a14="http://schemas.microsoft.com/office/drawing/2010/main">
+                          <a14:imgLayer r:embed="rId3">
+                            <a14:imgEffect>
+                              <a14:sharpenSoften amount="50000"/>
+                            </a14:imgEffect>
+                          </a14:imgLayer>
+                        </a14:imgProps>
+                      </a:ext>
+                      <a:ext uri="{28A0092B-C50C-407E-A947-70E740481C1C}">
+                        <a14:useLocalDpi xmlns:a14="http://schemas.microsoft.com/office/drawing/2010/main" val="0"/>
+                      </a:ext>
+                    </a:extLst>
+                  </a:blip>
+                  <a:stretch>
+                    <a:fillRect/>
+                  </a:stretch>
+                </p:blipFill>
+                <p:spPr>
+                  <a:xfrm>
+                    <a:off x="1946822" y="273050"/>
+                    <a:ext cx="8560969" cy="6311900"/>
+                  </a:xfrm>
+                  <a:prstGeom prst="rect">
+                    <a:avLst/>
+                  </a:prstGeom>
+                </p:spPr>
+              </p:pic>
+              <p:sp>
+                <p:nvSpPr>
+                  <p:cNvPr id="7" name="타원 6">
+                    <a:extLst>
+                      <a:ext uri="{FF2B5EF4-FFF2-40B4-BE49-F238E27FC236}">
+                        <a16:creationId xmlns:a16="http://schemas.microsoft.com/office/drawing/2014/main" id="{ABB6229A-9ED8-01B3-145E-8029513F185B}"/>
+                      </a:ext>
+                    </a:extLst>
+                  </p:cNvPr>
+                  <p:cNvSpPr/>
+                  <p:nvPr/>
+                </p:nvSpPr>
+                <p:spPr>
+                  <a:xfrm>
+                    <a:off x="5067300" y="6343650"/>
+                    <a:ext cx="101600" cy="95250"/>
+                  </a:xfrm>
+                  <a:prstGeom prst="ellipse">
+                    <a:avLst/>
+                  </a:prstGeom>
+                  <a:solidFill>
+                    <a:srgbClr val="FF0000"/>
+                  </a:solidFill>
+                  <a:ln>
+                    <a:solidFill>
+                      <a:srgbClr val="FF0000"/>
+                    </a:solidFill>
+                  </a:ln>
+                </p:spPr>
+                <p:style>
+                  <a:lnRef idx="2">
+                    <a:schemeClr val="accent1">
+                      <a:shade val="15000"/>
+                    </a:schemeClr>
+                  </a:lnRef>
+                  <a:fillRef idx="1">
+                    <a:schemeClr val="accent1"/>
+                  </a:fillRef>
+                  <a:effectRef idx="0">
+                    <a:schemeClr val="accent1"/>
+                  </a:effectRef>
+                  <a:fontRef idx="minor">
+                    <a:schemeClr val="lt1"/>
+                  </a:fontRef>
+                </p:style>
+                <p:txBody>
+                  <a:bodyPr rtlCol="0" anchor="ctr"/>
+                  <a:lstStyle/>
+                  <a:p>
+                    <a:pPr algn="ctr"/>
+                    <a:endParaRPr lang="ko-KR" altLang="en-US" dirty="0"/>
+                  </a:p>
+                </p:txBody>
+              </p:sp>
+              <p:sp>
+                <p:nvSpPr>
+                  <p:cNvPr id="8" name="타원 7">
+                    <a:extLst>
+                      <a:ext uri="{FF2B5EF4-FFF2-40B4-BE49-F238E27FC236}">
+                        <a16:creationId xmlns:a16="http://schemas.microsoft.com/office/drawing/2014/main" id="{8B59DAA6-7ED3-B122-D5A5-785D7D39FE94}"/>
+                      </a:ext>
+                    </a:extLst>
+                  </p:cNvPr>
+                  <p:cNvSpPr/>
+                  <p:nvPr/>
+                </p:nvSpPr>
+                <p:spPr>
+                  <a:xfrm>
+                    <a:off x="6394450" y="1066800"/>
+                    <a:ext cx="101600" cy="95250"/>
+                  </a:xfrm>
+                  <a:prstGeom prst="ellipse">
+                    <a:avLst/>
+                  </a:prstGeom>
+                  <a:solidFill>
+                    <a:schemeClr val="tx1"/>
+                  </a:solidFill>
+                  <a:ln>
+                    <a:solidFill>
+                      <a:schemeClr val="tx1"/>
+                    </a:solidFill>
+                  </a:ln>
+                </p:spPr>
+                <p:style>
+                  <a:lnRef idx="2">
+                    <a:schemeClr val="accent1">
+                      <a:shade val="15000"/>
+                    </a:schemeClr>
+                  </a:lnRef>
+                  <a:fillRef idx="1">
+                    <a:schemeClr val="accent1"/>
+                  </a:fillRef>
+                  <a:effectRef idx="0">
+                    <a:schemeClr val="accent1"/>
+                  </a:effectRef>
+                  <a:fontRef idx="minor">
+                    <a:schemeClr val="lt1"/>
+                  </a:fontRef>
+                </p:style>
+                <p:txBody>
+                  <a:bodyPr rtlCol="0" anchor="ctr"/>
+                  <a:lstStyle/>
+                  <a:p>
+                    <a:pPr algn="ctr"/>
+                    <a:endParaRPr lang="ko-KR" altLang="en-US" dirty="0"/>
+                  </a:p>
+                </p:txBody>
+              </p:sp>
+            </p:grpSp>
+            <p:sp>
+              <p:nvSpPr>
+                <p:cNvPr id="10" name="직사각형 9">
+                  <a:extLst>
+                    <a:ext uri="{FF2B5EF4-FFF2-40B4-BE49-F238E27FC236}">
+                      <a16:creationId xmlns:a16="http://schemas.microsoft.com/office/drawing/2014/main" id="{E281F640-1BE8-D60A-26C0-BB692F9712F2}"/>
+                    </a:ext>
+                  </a:extLst>
+                </p:cNvPr>
+                <p:cNvSpPr/>
+                <p:nvPr/>
+              </p:nvSpPr>
+              <p:spPr>
+                <a:xfrm>
+                  <a:off x="1946822" y="273050"/>
+                  <a:ext cx="999578" cy="519499"/>
+                </a:xfrm>
+                <a:prstGeom prst="rect">
+                  <a:avLst/>
+                </a:prstGeom>
+                <a:solidFill>
+                  <a:schemeClr val="bg1"/>
+                </a:solidFill>
+                <a:ln w="6350"/>
+              </p:spPr>
+              <p:style>
+                <a:lnRef idx="2">
+                  <a:schemeClr val="accent1">
+                    <a:shade val="15000"/>
+                  </a:schemeClr>
+                </a:lnRef>
+                <a:fillRef idx="1">
+                  <a:schemeClr val="accent1"/>
+                </a:fillRef>
+                <a:effectRef idx="0">
+                  <a:schemeClr val="accent1"/>
+                </a:effectRef>
+                <a:fontRef idx="minor">
+                  <a:schemeClr val="lt1"/>
+                </a:fontRef>
+              </p:style>
+              <p:txBody>
+                <a:bodyPr rtlCol="0" anchor="ctr"/>
+                <a:lstStyle/>
+                <a:p>
+                  <a:pPr algn="ctr"/>
+                  <a:endParaRPr lang="ko-KR" altLang="en-US"/>
+                </a:p>
+              </p:txBody>
+            </p:sp>
+          </p:grpSp>
           <p:sp>
             <p:nvSpPr>
-              <p:cNvPr id="2" name="직사각형 1">
+              <p:cNvPr id="12" name="타원 11">
                 <a:extLst>
                   <a:ext uri="{FF2B5EF4-FFF2-40B4-BE49-F238E27FC236}">
-                    <a16:creationId xmlns:a16="http://schemas.microsoft.com/office/drawing/2014/main" id="{FBD50267-73E3-5CAD-9B8F-C6927918D616}"/>
+                    <a16:creationId xmlns:a16="http://schemas.microsoft.com/office/drawing/2014/main" id="{D752B46C-BED9-77C5-B3CD-9EC47FC3BBB6}"/>
                   </a:ext>
                 </a:extLst>
               </p:cNvPr>
@@ -8036,16 +8275,21 @@
               <p:nvPr/>
             </p:nvSpPr>
             <p:spPr>
-              <a:xfrm rot="14111534">
-                <a:off x="5510121" y="2469997"/>
-                <a:ext cx="1431758" cy="523374"/>
+              <a:xfrm>
+                <a:off x="2057400" y="381000"/>
+                <a:ext cx="101600" cy="95250"/>
               </a:xfrm>
-              <a:prstGeom prst="rect">
+              <a:prstGeom prst="ellipse">
                 <a:avLst/>
               </a:prstGeom>
               <a:solidFill>
-                <a:schemeClr val="bg2"/>
+                <a:srgbClr val="FF0000"/>
               </a:solidFill>
+              <a:ln>
+                <a:solidFill>
+                  <a:srgbClr val="FF0000"/>
+                </a:solidFill>
+              </a:ln>
             </p:spPr>
             <p:style>
               <a:lnRef idx="2">
@@ -8068,140 +8312,16 @@
               <a:lstStyle/>
               <a:p>
                 <a:pPr algn="ctr"/>
-                <a:endParaRPr lang="ko-KR" altLang="en-US"/>
-              </a:p>
-            </p:txBody>
-          </p:sp>
-          <p:cxnSp>
-            <p:nvCxnSpPr>
-              <p:cNvPr id="11" name="직선 연결선 10">
-                <a:extLst>
-                  <a:ext uri="{FF2B5EF4-FFF2-40B4-BE49-F238E27FC236}">
-                    <a16:creationId xmlns:a16="http://schemas.microsoft.com/office/drawing/2014/main" id="{FA134D71-FFC2-3840-30DE-AB2FFC5A2E55}"/>
-                  </a:ext>
-                </a:extLst>
-              </p:cNvPr>
-              <p:cNvCxnSpPr>
-                <a:cxnSpLocks/>
-                <a:endCxn id="2" idx="1"/>
-              </p:cNvCxnSpPr>
-              <p:nvPr/>
-            </p:nvCxnSpPr>
-            <p:spPr>
-              <a:xfrm>
-                <a:off x="5052291" y="1052822"/>
-                <a:ext cx="1582351" cy="2266650"/>
-              </a:xfrm>
-              <a:prstGeom prst="line">
-                <a:avLst/>
-              </a:prstGeom>
-              <a:ln>
-                <a:prstDash val="dash"/>
-              </a:ln>
-            </p:spPr>
-            <p:style>
-              <a:lnRef idx="2">
-                <a:schemeClr val="dk1"/>
-              </a:lnRef>
-              <a:fillRef idx="0">
-                <a:schemeClr val="dk1"/>
-              </a:fillRef>
-              <a:effectRef idx="1">
-                <a:schemeClr val="dk1"/>
-              </a:effectRef>
-              <a:fontRef idx="minor">
-                <a:schemeClr val="tx1"/>
-              </a:fontRef>
-            </p:style>
-          </p:cxnSp>
-          <p:cxnSp>
-            <p:nvCxnSpPr>
-              <p:cNvPr id="19" name="직선 연결선 18">
-                <a:extLst>
-                  <a:ext uri="{FF2B5EF4-FFF2-40B4-BE49-F238E27FC236}">
-                    <a16:creationId xmlns:a16="http://schemas.microsoft.com/office/drawing/2014/main" id="{1566D14B-33DA-4C68-A806-61ED60024215}"/>
-                  </a:ext>
-                </a:extLst>
-              </p:cNvPr>
-              <p:cNvCxnSpPr>
-                <a:cxnSpLocks/>
-              </p:cNvCxnSpPr>
-              <p:nvPr/>
-            </p:nvCxnSpPr>
-            <p:spPr>
-              <a:xfrm flipH="1" flipV="1">
-                <a:off x="5384800" y="683490"/>
-                <a:ext cx="813491" cy="1974303"/>
-              </a:xfrm>
-              <a:prstGeom prst="line">
-                <a:avLst/>
-              </a:prstGeom>
-              <a:ln>
-                <a:solidFill>
-                  <a:srgbClr val="002060"/>
-                </a:solidFill>
-                <a:prstDash val="solid"/>
-                <a:headEnd type="none" w="med" len="med"/>
-                <a:tailEnd type="triangle" w="med" len="med"/>
-              </a:ln>
-            </p:spPr>
-            <p:style>
-              <a:lnRef idx="2">
-                <a:schemeClr val="dk1"/>
-              </a:lnRef>
-              <a:fillRef idx="0">
-                <a:schemeClr val="dk1"/>
-              </a:fillRef>
-              <a:effectRef idx="1">
-                <a:schemeClr val="dk1"/>
-              </a:effectRef>
-              <a:fontRef idx="minor">
-                <a:schemeClr val="tx1"/>
-              </a:fontRef>
-            </p:style>
-          </p:cxnSp>
-          <p:sp>
-            <p:nvSpPr>
-              <p:cNvPr id="35" name="TextBox 34">
-                <a:extLst>
-                  <a:ext uri="{FF2B5EF4-FFF2-40B4-BE49-F238E27FC236}">
-                    <a16:creationId xmlns:a16="http://schemas.microsoft.com/office/drawing/2014/main" id="{912394C1-D433-A45E-582A-16FD49D5FB25}"/>
-                  </a:ext>
-                </a:extLst>
-              </p:cNvPr>
-              <p:cNvSpPr txBox="1"/>
-              <p:nvPr/>
-            </p:nvSpPr>
-            <p:spPr>
-              <a:xfrm>
-                <a:off x="5513053" y="683490"/>
-                <a:ext cx="2251194" cy="369332"/>
-              </a:xfrm>
-              <a:prstGeom prst="rect">
-                <a:avLst/>
-              </a:prstGeom>
-              <a:noFill/>
-            </p:spPr>
-            <p:txBody>
-              <a:bodyPr wrap="none" rtlCol="0">
-                <a:spAutoFit/>
-              </a:bodyPr>
-              <a:lstStyle/>
-              <a:p>
-                <a:r>
-                  <a:rPr lang="en-US" altLang="ko-KR" dirty="0"/>
-                  <a:t>Direction of Motion</a:t>
-                </a:r>
                 <a:endParaRPr lang="ko-KR" altLang="en-US" dirty="0"/>
               </a:p>
             </p:txBody>
           </p:sp>
           <p:sp>
             <p:nvSpPr>
-              <p:cNvPr id="37" name="원호 36">
+              <p:cNvPr id="13" name="타원 12">
                 <a:extLst>
                   <a:ext uri="{FF2B5EF4-FFF2-40B4-BE49-F238E27FC236}">
-                    <a16:creationId xmlns:a16="http://schemas.microsoft.com/office/drawing/2014/main" id="{859D5C42-F67A-6B86-CE48-94889DDD98E7}"/>
+                    <a16:creationId xmlns:a16="http://schemas.microsoft.com/office/drawing/2014/main" id="{29776F31-6A3C-7BFF-FFD0-346EE52CE50A}"/>
                   </a:ext>
                 </a:extLst>
               </p:cNvPr>
@@ -8209,18 +8329,17 @@
               <p:nvPr/>
             </p:nvSpPr>
             <p:spPr>
-              <a:xfrm rot="3506336">
-                <a:off x="5466610" y="1500666"/>
-                <a:ext cx="505287" cy="573912"/>
+              <a:xfrm>
+                <a:off x="2057400" y="606425"/>
+                <a:ext cx="101600" cy="95250"/>
               </a:xfrm>
-              <a:prstGeom prst="arc">
-                <a:avLst>
-                  <a:gd name="adj1" fmla="val 8830780"/>
-                  <a:gd name="adj2" fmla="val 13149219"/>
-                </a:avLst>
+              <a:prstGeom prst="ellipse">
+                <a:avLst/>
               </a:prstGeom>
-              <a:noFill/>
-              <a:ln w="3175">
+              <a:solidFill>
+                <a:schemeClr val="tx1"/>
+              </a:solidFill>
+              <a:ln>
                 <a:solidFill>
                   <a:schemeClr val="tx1"/>
                 </a:solidFill>
@@ -8247,268 +8366,100 @@
               <a:lstStyle/>
               <a:p>
                 <a:pPr algn="ctr"/>
-                <a:endParaRPr lang="ko-KR" altLang="en-US"/>
+                <a:endParaRPr lang="ko-KR" altLang="en-US" dirty="0"/>
               </a:p>
             </p:txBody>
           </p:sp>
-          <mc:AlternateContent xmlns:mc="http://schemas.openxmlformats.org/markup-compatibility/2006" xmlns:a14="http://schemas.microsoft.com/office/drawing/2010/main">
-            <mc:Choice Requires="a14">
-              <p:sp>
-                <p:nvSpPr>
-                  <p:cNvPr id="38" name="TextBox 37">
-                    <a:extLst>
-                      <a:ext uri="{FF2B5EF4-FFF2-40B4-BE49-F238E27FC236}">
-                        <a16:creationId xmlns:a16="http://schemas.microsoft.com/office/drawing/2014/main" id="{BAEFE6B2-8AFD-E88B-29FF-79E92EF00CCE}"/>
-                      </a:ext>
-                    </a:extLst>
-                  </p:cNvPr>
-                  <p:cNvSpPr txBox="1"/>
-                  <p:nvPr/>
-                </p:nvSpPr>
-                <p:spPr>
-                  <a:xfrm>
-                    <a:off x="5322038" y="1198995"/>
-                    <a:ext cx="411266" cy="369332"/>
-                  </a:xfrm>
-                  <a:prstGeom prst="rect">
-                    <a:avLst/>
-                  </a:prstGeom>
-                  <a:noFill/>
-                </p:spPr>
-                <p:txBody>
-                  <a:bodyPr wrap="none" rtlCol="0">
-                    <a:spAutoFit/>
-                  </a:bodyPr>
-                  <a:lstStyle/>
-                  <a:p>
-                    <a:pPr/>
-                    <a14:m>
-                      <m:oMathPara xmlns:m="http://schemas.openxmlformats.org/officeDocument/2006/math">
-                        <m:oMathParaPr>
-                          <m:jc m:val="centerGroup"/>
-                        </m:oMathParaPr>
-                        <m:oMath xmlns:m="http://schemas.openxmlformats.org/officeDocument/2006/math">
-                          <m:r>
-                            <a:rPr lang="en-US" altLang="ko-KR" b="0" i="1" smtClean="0">
-                              <a:latin typeface="Cambria Math" panose="02040503050406030204" pitchFamily="18" charset="0"/>
-                            </a:rPr>
-                            <m:t>𝛼</m:t>
-                          </m:r>
-                        </m:oMath>
-                      </m:oMathPara>
-                    </a14:m>
-                    <a:endParaRPr lang="ko-KR" altLang="en-US" dirty="0"/>
-                  </a:p>
-                </p:txBody>
-              </p:sp>
-            </mc:Choice>
-            <mc:Fallback xmlns="">
-              <p:sp>
-                <p:nvSpPr>
-                  <p:cNvPr id="38" name="TextBox 37">
-                    <a:extLst>
-                      <a:ext uri="{FF2B5EF4-FFF2-40B4-BE49-F238E27FC236}">
-                        <a16:creationId xmlns:a16="http://schemas.microsoft.com/office/drawing/2014/main" id="{BAEFE6B2-8AFD-E88B-29FF-79E92EF00CCE}"/>
-                      </a:ext>
-                    </a:extLst>
-                  </p:cNvPr>
-                  <p:cNvSpPr txBox="1">
-                    <a:spLocks noRot="1" noChangeAspect="1" noMove="1" noResize="1" noEditPoints="1" noAdjustHandles="1" noChangeArrowheads="1" noChangeShapeType="1" noTextEdit="1"/>
-                  </p:cNvSpPr>
-                  <p:nvPr/>
-                </p:nvSpPr>
-                <p:spPr>
-                  <a:xfrm>
-                    <a:off x="5322038" y="1198995"/>
-                    <a:ext cx="411266" cy="369332"/>
-                  </a:xfrm>
-                  <a:prstGeom prst="rect">
-                    <a:avLst/>
-                  </a:prstGeom>
-                  <a:blipFill>
-                    <a:blip r:embed="rId2"/>
-                    <a:stretch>
-                      <a:fillRect/>
-                    </a:stretch>
-                  </a:blipFill>
-                </p:spPr>
-                <p:txBody>
-                  <a:bodyPr/>
-                  <a:lstStyle/>
-                  <a:p>
-                    <a:r>
-                      <a:rPr lang="ko-KR" altLang="en-US">
-                        <a:noFill/>
-                      </a:rPr>
-                      <a:t> </a:t>
-                    </a:r>
-                  </a:p>
-                </p:txBody>
-              </p:sp>
-            </mc:Fallback>
-          </mc:AlternateContent>
-          <p:cxnSp>
-            <p:nvCxnSpPr>
-              <p:cNvPr id="40" name="직선 화살표 연결선 39">
-                <a:extLst>
-                  <a:ext uri="{FF2B5EF4-FFF2-40B4-BE49-F238E27FC236}">
-                    <a16:creationId xmlns:a16="http://schemas.microsoft.com/office/drawing/2014/main" id="{2D1FB828-B86B-B844-5694-58677C92097C}"/>
-                  </a:ext>
-                </a:extLst>
-              </p:cNvPr>
-              <p:cNvCxnSpPr>
-                <a:cxnSpLocks/>
-              </p:cNvCxnSpPr>
-              <p:nvPr/>
-            </p:nvCxnSpPr>
-            <p:spPr>
-              <a:xfrm flipH="1">
-                <a:off x="5602494" y="2657793"/>
-                <a:ext cx="595797" cy="369332"/>
-              </a:xfrm>
-              <a:prstGeom prst="straightConnector1">
-                <a:avLst/>
-              </a:prstGeom>
-              <a:ln>
-                <a:tailEnd type="triangle"/>
-              </a:ln>
-            </p:spPr>
-            <p:style>
-              <a:lnRef idx="2">
-                <a:schemeClr val="dk1"/>
-              </a:lnRef>
-              <a:fillRef idx="0">
-                <a:schemeClr val="dk1"/>
-              </a:fillRef>
-              <a:effectRef idx="1">
-                <a:schemeClr val="dk1"/>
-              </a:effectRef>
-              <a:fontRef idx="minor">
-                <a:schemeClr val="tx1"/>
-              </a:fontRef>
-            </p:style>
-          </p:cxnSp>
         </p:grpSp>
-        <mc:AlternateContent xmlns:mc="http://schemas.openxmlformats.org/markup-compatibility/2006" xmlns:a14="http://schemas.microsoft.com/office/drawing/2010/main">
-          <mc:Choice Requires="a14">
-            <p:sp>
-              <p:nvSpPr>
-                <p:cNvPr id="52" name="TextBox 51">
-                  <a:extLst>
-                    <a:ext uri="{FF2B5EF4-FFF2-40B4-BE49-F238E27FC236}">
-                      <a16:creationId xmlns:a16="http://schemas.microsoft.com/office/drawing/2014/main" id="{95F5B4B2-7340-F542-20B0-482F4DE25980}"/>
-                    </a:ext>
-                  </a:extLst>
-                </p:cNvPr>
-                <p:cNvSpPr txBox="1"/>
-                <p:nvPr/>
-              </p:nvSpPr>
-              <p:spPr>
-                <a:xfrm>
-                  <a:off x="5649882" y="2899155"/>
-                  <a:ext cx="483466" cy="391261"/>
-                </a:xfrm>
-                <a:prstGeom prst="rect">
-                  <a:avLst/>
-                </a:prstGeom>
-                <a:noFill/>
-              </p:spPr>
-              <p:txBody>
-                <a:bodyPr wrap="none" rtlCol="0">
-                  <a:spAutoFit/>
-                </a:bodyPr>
-                <a:lstStyle/>
-                <a:p>
-                  <a:pPr/>
-                  <a14:m>
-                    <m:oMathPara xmlns:m="http://schemas.openxmlformats.org/officeDocument/2006/math">
-                      <m:oMathParaPr>
-                        <m:jc m:val="centerGroup"/>
-                      </m:oMathParaPr>
-                      <m:oMath xmlns:m="http://schemas.openxmlformats.org/officeDocument/2006/math">
-                        <m:sSub>
-                          <m:sSubPr>
-                            <m:ctrlPr>
-                              <a:rPr lang="en-US" altLang="ko-KR" b="0" i="1" smtClean="0">
-                                <a:latin typeface="Cambria Math" panose="02040503050406030204" pitchFamily="18" charset="0"/>
-                              </a:rPr>
-                            </m:ctrlPr>
-                          </m:sSubPr>
-                          <m:e>
-                            <m:r>
-                              <a:rPr lang="en-US" altLang="ko-KR" b="0" i="1" smtClean="0">
-                                <a:latin typeface="Cambria Math" panose="02040503050406030204" pitchFamily="18" charset="0"/>
-                              </a:rPr>
-                              <m:t>𝐹</m:t>
-                            </m:r>
-                          </m:e>
-                          <m:sub>
-                            <m:r>
-                              <a:rPr lang="en-US" altLang="ko-KR" b="0" i="1" smtClean="0">
-                                <a:latin typeface="Cambria Math" panose="02040503050406030204" pitchFamily="18" charset="0"/>
-                              </a:rPr>
-                              <m:t>𝑦</m:t>
-                            </m:r>
-                          </m:sub>
-                        </m:sSub>
-                      </m:oMath>
-                    </m:oMathPara>
-                  </a14:m>
-                  <a:endParaRPr lang="ko-KR" altLang="en-US" dirty="0"/>
-                </a:p>
-              </p:txBody>
-            </p:sp>
-          </mc:Choice>
-          <mc:Fallback xmlns="">
-            <p:sp>
-              <p:nvSpPr>
-                <p:cNvPr id="52" name="TextBox 51">
-                  <a:extLst>
-                    <a:ext uri="{FF2B5EF4-FFF2-40B4-BE49-F238E27FC236}">
-                      <a16:creationId xmlns:a16="http://schemas.microsoft.com/office/drawing/2014/main" id="{95F5B4B2-7340-F542-20B0-482F4DE25980}"/>
-                    </a:ext>
-                  </a:extLst>
-                </p:cNvPr>
-                <p:cNvSpPr txBox="1">
-                  <a:spLocks noRot="1" noChangeAspect="1" noMove="1" noResize="1" noEditPoints="1" noAdjustHandles="1" noChangeArrowheads="1" noChangeShapeType="1" noTextEdit="1"/>
-                </p:cNvSpPr>
-                <p:nvPr/>
-              </p:nvSpPr>
-              <p:spPr>
-                <a:xfrm>
-                  <a:off x="5649882" y="2899155"/>
-                  <a:ext cx="483466" cy="391261"/>
-                </a:xfrm>
-                <a:prstGeom prst="rect">
-                  <a:avLst/>
-                </a:prstGeom>
-                <a:blipFill>
-                  <a:blip r:embed="rId3"/>
-                  <a:stretch>
-                    <a:fillRect b="-3125"/>
-                  </a:stretch>
-                </a:blipFill>
-              </p:spPr>
-              <p:txBody>
-                <a:bodyPr/>
-                <a:lstStyle/>
-                <a:p>
-                  <a:r>
-                    <a:rPr lang="ko-KR" altLang="en-US">
-                      <a:noFill/>
-                    </a:rPr>
-                    <a:t> </a:t>
-                  </a:r>
-                </a:p>
-              </p:txBody>
-            </p:sp>
-          </mc:Fallback>
-        </mc:AlternateContent>
+        <p:sp>
+          <p:nvSpPr>
+            <p:cNvPr id="15" name="TextBox 14">
+              <a:extLst>
+                <a:ext uri="{FF2B5EF4-FFF2-40B4-BE49-F238E27FC236}">
+                  <a16:creationId xmlns:a16="http://schemas.microsoft.com/office/drawing/2014/main" id="{F5C26FCF-993D-2B0E-3D31-08A2899CF79C}"/>
+                </a:ext>
+              </a:extLst>
+            </p:cNvPr>
+            <p:cNvSpPr txBox="1"/>
+            <p:nvPr/>
+          </p:nvSpPr>
+          <p:spPr>
+            <a:xfrm>
+              <a:off x="2254250" y="290125"/>
+              <a:ext cx="800100" cy="276999"/>
+            </a:xfrm>
+            <a:prstGeom prst="rect">
+              <a:avLst/>
+            </a:prstGeom>
+            <a:noFill/>
+          </p:spPr>
+          <p:txBody>
+            <a:bodyPr wrap="square" rtlCol="0">
+              <a:spAutoFit/>
+            </a:bodyPr>
+            <a:lstStyle/>
+            <a:p>
+              <a:r>
+                <a:rPr lang="en-US" altLang="ko-KR" sz="1200" dirty="0">
+                  <a:latin typeface="Times New Roman" panose="02020603050405020304" pitchFamily="18" charset="0"/>
+                  <a:cs typeface="Times New Roman" panose="02020603050405020304" pitchFamily="18" charset="0"/>
+                </a:rPr>
+                <a:t>Start</a:t>
+              </a:r>
+              <a:endParaRPr lang="ko-KR" altLang="en-US" sz="1200" dirty="0">
+                <a:latin typeface="Times New Roman" panose="02020603050405020304" pitchFamily="18" charset="0"/>
+                <a:cs typeface="Times New Roman" panose="02020603050405020304" pitchFamily="18" charset="0"/>
+              </a:endParaRPr>
+            </a:p>
+          </p:txBody>
+        </p:sp>
+        <p:sp>
+          <p:nvSpPr>
+            <p:cNvPr id="16" name="TextBox 15">
+              <a:extLst>
+                <a:ext uri="{FF2B5EF4-FFF2-40B4-BE49-F238E27FC236}">
+                  <a16:creationId xmlns:a16="http://schemas.microsoft.com/office/drawing/2014/main" id="{8A496D2F-4A2B-C66F-754B-009D26B4723D}"/>
+                </a:ext>
+              </a:extLst>
+            </p:cNvPr>
+            <p:cNvSpPr txBox="1"/>
+            <p:nvPr/>
+          </p:nvSpPr>
+          <p:spPr>
+            <a:xfrm>
+              <a:off x="2257425" y="515550"/>
+              <a:ext cx="800100" cy="276999"/>
+            </a:xfrm>
+            <a:prstGeom prst="rect">
+              <a:avLst/>
+            </a:prstGeom>
+            <a:noFill/>
+          </p:spPr>
+          <p:txBody>
+            <a:bodyPr wrap="square" rtlCol="0">
+              <a:spAutoFit/>
+            </a:bodyPr>
+            <a:lstStyle/>
+            <a:p>
+              <a:r>
+                <a:rPr lang="en-US" altLang="ko-KR" sz="1200" dirty="0">
+                  <a:latin typeface="Times New Roman" panose="02020603050405020304" pitchFamily="18" charset="0"/>
+                  <a:cs typeface="Times New Roman" panose="02020603050405020304" pitchFamily="18" charset="0"/>
+                </a:rPr>
+                <a:t>End</a:t>
+              </a:r>
+              <a:endParaRPr lang="ko-KR" altLang="en-US" sz="1200" dirty="0">
+                <a:latin typeface="Times New Roman" panose="02020603050405020304" pitchFamily="18" charset="0"/>
+                <a:cs typeface="Times New Roman" panose="02020603050405020304" pitchFamily="18" charset="0"/>
+              </a:endParaRPr>
+            </a:p>
+          </p:txBody>
+        </p:sp>
       </p:grpSp>
     </p:spTree>
     <p:extLst>
       <p:ext uri="{BB962C8B-B14F-4D97-AF65-F5344CB8AC3E}">
-        <p14:creationId xmlns:p14="http://schemas.microsoft.com/office/powerpoint/2010/main" val="3685978045"/>
+        <p14:creationId xmlns:p14="http://schemas.microsoft.com/office/powerpoint/2010/main" val="3329100617"/>
       </p:ext>
     </p:extLst>
   </p:cSld>
